--- a/images/design.pptx
+++ b/images/design.pptx
@@ -6,6 +6,8 @@
   </p:sldMasterIdLst>
   <p:sldIdLst>
     <p:sldId id="256" r:id="rId2"/>
+    <p:sldId id="257" r:id="rId3"/>
+    <p:sldId id="258" r:id="rId4"/>
   </p:sldIdLst>
   <p:sldSz cx="12192000" cy="6858000"/>
   <p:notesSz cx="6858000" cy="9144000"/>
@@ -260,7 +262,7 @@
           <a:lstStyle/>
           <a:p>
             <a:fld id="{1ED18B3A-3489-1847-8073-B5F11A5B4609}" type="datetimeFigureOut">
-              <a:t>2022/6/28</a:t>
+              <a:t>2022/7/4</a:t>
             </a:fld>
             <a:endParaRPr lang="en-CN"/>
           </a:p>
@@ -458,7 +460,7 @@
           <a:lstStyle/>
           <a:p>
             <a:fld id="{1ED18B3A-3489-1847-8073-B5F11A5B4609}" type="datetimeFigureOut">
-              <a:t>2022/6/28</a:t>
+              <a:t>2022/7/4</a:t>
             </a:fld>
             <a:endParaRPr lang="en-CN"/>
           </a:p>
@@ -666,7 +668,7 @@
           <a:lstStyle/>
           <a:p>
             <a:fld id="{1ED18B3A-3489-1847-8073-B5F11A5B4609}" type="datetimeFigureOut">
-              <a:t>2022/6/28</a:t>
+              <a:t>2022/7/4</a:t>
             </a:fld>
             <a:endParaRPr lang="en-CN"/>
           </a:p>
@@ -864,7 +866,7 @@
           <a:lstStyle/>
           <a:p>
             <a:fld id="{1ED18B3A-3489-1847-8073-B5F11A5B4609}" type="datetimeFigureOut">
-              <a:t>2022/6/28</a:t>
+              <a:t>2022/7/4</a:t>
             </a:fld>
             <a:endParaRPr lang="en-CN"/>
           </a:p>
@@ -1138,7 +1140,7 @@
           <a:lstStyle/>
           <a:p>
             <a:fld id="{1ED18B3A-3489-1847-8073-B5F11A5B4609}" type="datetimeFigureOut">
-              <a:t>2022/6/28</a:t>
+              <a:t>2022/7/4</a:t>
             </a:fld>
             <a:endParaRPr lang="en-CN"/>
           </a:p>
@@ -1404,7 +1406,7 @@
           <a:lstStyle/>
           <a:p>
             <a:fld id="{1ED18B3A-3489-1847-8073-B5F11A5B4609}" type="datetimeFigureOut">
-              <a:t>2022/6/28</a:t>
+              <a:t>2022/7/4</a:t>
             </a:fld>
             <a:endParaRPr lang="en-CN"/>
           </a:p>
@@ -1817,7 +1819,7 @@
           <a:lstStyle/>
           <a:p>
             <a:fld id="{1ED18B3A-3489-1847-8073-B5F11A5B4609}" type="datetimeFigureOut">
-              <a:t>2022/6/28</a:t>
+              <a:t>2022/7/4</a:t>
             </a:fld>
             <a:endParaRPr lang="en-CN"/>
           </a:p>
@@ -1957,7 +1959,7 @@
           <a:lstStyle/>
           <a:p>
             <a:fld id="{1ED18B3A-3489-1847-8073-B5F11A5B4609}" type="datetimeFigureOut">
-              <a:t>2022/6/28</a:t>
+              <a:t>2022/7/4</a:t>
             </a:fld>
             <a:endParaRPr lang="en-CN"/>
           </a:p>
@@ -2068,7 +2070,7 @@
           <a:lstStyle/>
           <a:p>
             <a:fld id="{1ED18B3A-3489-1847-8073-B5F11A5B4609}" type="datetimeFigureOut">
-              <a:t>2022/6/28</a:t>
+              <a:t>2022/7/4</a:t>
             </a:fld>
             <a:endParaRPr lang="en-CN"/>
           </a:p>
@@ -2379,7 +2381,7 @@
           <a:lstStyle/>
           <a:p>
             <a:fld id="{1ED18B3A-3489-1847-8073-B5F11A5B4609}" type="datetimeFigureOut">
-              <a:t>2022/6/28</a:t>
+              <a:t>2022/7/4</a:t>
             </a:fld>
             <a:endParaRPr lang="en-CN"/>
           </a:p>
@@ -2666,7 +2668,7 @@
           <a:lstStyle/>
           <a:p>
             <a:fld id="{1ED18B3A-3489-1847-8073-B5F11A5B4609}" type="datetimeFigureOut">
-              <a:t>2022/6/28</a:t>
+              <a:t>2022/7/4</a:t>
             </a:fld>
             <a:endParaRPr lang="en-CN"/>
           </a:p>
@@ -2907,7 +2909,7 @@
           </a:lstStyle>
           <a:p>
             <a:fld id="{1ED18B3A-3489-1847-8073-B5F11A5B4609}" type="datetimeFigureOut">
-              <a:t>2022/6/28</a:t>
+              <a:t>2022/7/4</a:t>
             </a:fld>
             <a:endParaRPr lang="en-CN"/>
           </a:p>
@@ -3337,10 +3339,10 @@
         </p:nvGrpSpPr>
         <p:grpSpPr>
           <a:xfrm>
-            <a:off x="3983578" y="592901"/>
-            <a:ext cx="4224844" cy="855707"/>
-            <a:chOff x="3983578" y="842046"/>
-            <a:chExt cx="4224844" cy="855707"/>
+            <a:off x="3885607" y="592901"/>
+            <a:ext cx="4322815" cy="855707"/>
+            <a:chOff x="3885607" y="842046"/>
+            <a:chExt cx="4322815" cy="855707"/>
           </a:xfrm>
         </p:grpSpPr>
         <p:sp>
@@ -3531,7 +3533,7 @@
           </p:nvSpPr>
           <p:spPr>
             <a:xfrm>
-              <a:off x="3983578" y="1314606"/>
+              <a:off x="3885607" y="1314606"/>
               <a:ext cx="994181" cy="276161"/>
             </a:xfrm>
             <a:prstGeom prst="rect">
@@ -3642,26 +3644,29 @@
       </p:grpSp>
       <p:cxnSp>
         <p:nvCxnSpPr>
-          <p:cNvPr id="32" name="Curved Connector 31">
-            <a:extLst>
-              <a:ext uri="{FF2B5EF4-FFF2-40B4-BE49-F238E27FC236}">
-                <a16:creationId xmlns:a16="http://schemas.microsoft.com/office/drawing/2014/main" id="{95199055-8506-3DC6-33D9-C2847273CC44}"/>
+          <p:cNvPr id="74" name="Curved Connector 73">
+            <a:extLst>
+              <a:ext uri="{FF2B5EF4-FFF2-40B4-BE49-F238E27FC236}">
+                <a16:creationId xmlns:a16="http://schemas.microsoft.com/office/drawing/2014/main" id="{D2BEE1B0-CA92-67E5-0344-A1C1D61A0B9C}"/>
               </a:ext>
             </a:extLst>
           </p:cNvPr>
           <p:cNvCxnSpPr>
             <a:cxnSpLocks/>
-            <a:stCxn id="18" idx="1"/>
+            <a:stCxn id="81" idx="0"/>
+            <a:endCxn id="19" idx="2"/>
           </p:cNvCxnSpPr>
           <p:nvPr/>
         </p:nvCxnSpPr>
         <p:spPr>
-          <a:xfrm rot="10800000" flipV="1">
-            <a:off x="2441512" y="1203542"/>
-            <a:ext cx="1542066" cy="2916916"/>
+          <a:xfrm rot="5400000" flipH="1" flipV="1">
+            <a:off x="5968006" y="1407238"/>
+            <a:ext cx="1761590" cy="1630361"/>
           </a:xfrm>
-          <a:prstGeom prst="curvedConnector2">
-            <a:avLst/>
+          <a:prstGeom prst="curvedConnector3">
+            <a:avLst>
+              <a:gd name="adj1" fmla="val 50000"/>
+            </a:avLst>
           </a:prstGeom>
           <a:ln>
             <a:solidFill>
@@ -3685,144 +3690,6 @@
           </a:fontRef>
         </p:style>
       </p:cxnSp>
-      <p:cxnSp>
-        <p:nvCxnSpPr>
-          <p:cNvPr id="34" name="Curved Connector 33">
-            <a:extLst>
-              <a:ext uri="{FF2B5EF4-FFF2-40B4-BE49-F238E27FC236}">
-                <a16:creationId xmlns:a16="http://schemas.microsoft.com/office/drawing/2014/main" id="{2ED73E80-18CA-D795-A6E9-53E31C731241}"/>
-              </a:ext>
-            </a:extLst>
-          </p:cNvPr>
-          <p:cNvCxnSpPr>
-            <a:cxnSpLocks/>
-            <a:stCxn id="12" idx="0"/>
-            <a:endCxn id="18" idx="1"/>
-          </p:cNvCxnSpPr>
-          <p:nvPr/>
-        </p:nvCxnSpPr>
-        <p:spPr>
-          <a:xfrm rot="5400000" flipH="1" flipV="1">
-            <a:off x="1431058" y="1610356"/>
-            <a:ext cx="2959333" cy="2145707"/>
-          </a:xfrm>
-          <a:prstGeom prst="curvedConnector2">
-            <a:avLst/>
-          </a:prstGeom>
-          <a:ln>
-            <a:solidFill>
-              <a:schemeClr val="tx1"/>
-            </a:solidFill>
-            <a:tailEnd type="triangle"/>
-          </a:ln>
-        </p:spPr>
-        <p:style>
-          <a:lnRef idx="1">
-            <a:schemeClr val="accent1"/>
-          </a:lnRef>
-          <a:fillRef idx="0">
-            <a:schemeClr val="accent1"/>
-          </a:fillRef>
-          <a:effectRef idx="0">
-            <a:schemeClr val="accent1"/>
-          </a:effectRef>
-          <a:fontRef idx="minor">
-            <a:schemeClr val="tx1"/>
-          </a:fontRef>
-        </p:style>
-      </p:cxnSp>
-      <p:cxnSp>
-        <p:nvCxnSpPr>
-          <p:cNvPr id="55" name="Curved Connector 54">
-            <a:extLst>
-              <a:ext uri="{FF2B5EF4-FFF2-40B4-BE49-F238E27FC236}">
-                <a16:creationId xmlns:a16="http://schemas.microsoft.com/office/drawing/2014/main" id="{17F6730B-D8EE-6CE6-E777-F147F835D391}"/>
-              </a:ext>
-            </a:extLst>
-          </p:cNvPr>
-          <p:cNvCxnSpPr>
-            <a:cxnSpLocks/>
-            <a:stCxn id="62" idx="0"/>
-            <a:endCxn id="18" idx="3"/>
-          </p:cNvCxnSpPr>
-          <p:nvPr/>
-        </p:nvCxnSpPr>
-        <p:spPr>
-          <a:xfrm rot="16200000" flipV="1">
-            <a:off x="3958844" y="2222458"/>
-            <a:ext cx="2587609" cy="549777"/>
-          </a:xfrm>
-          <a:prstGeom prst="curvedConnector2">
-            <a:avLst/>
-          </a:prstGeom>
-          <a:ln>
-            <a:solidFill>
-              <a:schemeClr val="tx1"/>
-            </a:solidFill>
-            <a:tailEnd type="triangle"/>
-          </a:ln>
-        </p:spPr>
-        <p:style>
-          <a:lnRef idx="1">
-            <a:schemeClr val="accent1"/>
-          </a:lnRef>
-          <a:fillRef idx="0">
-            <a:schemeClr val="accent1"/>
-          </a:fillRef>
-          <a:effectRef idx="0">
-            <a:schemeClr val="accent1"/>
-          </a:effectRef>
-          <a:fontRef idx="minor">
-            <a:schemeClr val="tx1"/>
-          </a:fontRef>
-        </p:style>
-      </p:cxnSp>
-      <p:cxnSp>
-        <p:nvCxnSpPr>
-          <p:cNvPr id="74" name="Curved Connector 73">
-            <a:extLst>
-              <a:ext uri="{FF2B5EF4-FFF2-40B4-BE49-F238E27FC236}">
-                <a16:creationId xmlns:a16="http://schemas.microsoft.com/office/drawing/2014/main" id="{D2BEE1B0-CA92-67E5-0344-A1C1D61A0B9C}"/>
-              </a:ext>
-            </a:extLst>
-          </p:cNvPr>
-          <p:cNvCxnSpPr>
-            <a:cxnSpLocks/>
-            <a:stCxn id="69" idx="0"/>
-            <a:endCxn id="19" idx="3"/>
-          </p:cNvCxnSpPr>
-          <p:nvPr/>
-        </p:nvCxnSpPr>
-        <p:spPr>
-          <a:xfrm rot="16200000" flipV="1">
-            <a:off x="8648281" y="763685"/>
-            <a:ext cx="1055251" cy="1934968"/>
-          </a:xfrm>
-          <a:prstGeom prst="curvedConnector2">
-            <a:avLst/>
-          </a:prstGeom>
-          <a:ln>
-            <a:solidFill>
-              <a:schemeClr val="tx1"/>
-            </a:solidFill>
-            <a:tailEnd type="triangle"/>
-          </a:ln>
-        </p:spPr>
-        <p:style>
-          <a:lnRef idx="1">
-            <a:schemeClr val="accent1"/>
-          </a:lnRef>
-          <a:fillRef idx="0">
-            <a:schemeClr val="accent1"/>
-          </a:fillRef>
-          <a:effectRef idx="0">
-            <a:schemeClr val="accent1"/>
-          </a:effectRef>
-          <a:fontRef idx="minor">
-            <a:schemeClr val="tx1"/>
-          </a:fontRef>
-        </p:style>
-      </p:cxnSp>
       <p:sp>
         <p:nvSpPr>
           <p:cNvPr id="115" name="TextBox 114">
@@ -3838,7 +3705,7 @@
         <p:spPr>
           <a:xfrm>
             <a:off x="352203" y="478488"/>
-            <a:ext cx="2558521" cy="430887"/>
+            <a:ext cx="3944221" cy="430887"/>
           </a:xfrm>
           <a:prstGeom prst="rect">
             <a:avLst/>
@@ -3852,9 +3719,10 @@
           <a:lstStyle/>
           <a:p>
             <a:r>
-              <a:rPr lang="en-CN" sz="2200"/>
-              <a:t>Why JFrog UI Plugins</a:t>
-            </a:r>
+              <a:rPr lang="en-US" sz="2200"/>
+              <a:t>General Customization Approach</a:t>
+            </a:r>
+            <a:endParaRPr lang="en-CN" sz="2200"/>
           </a:p>
         </p:txBody>
       </p:sp>
@@ -3872,10 +3740,10 @@
         </p:nvGrpSpPr>
         <p:grpSpPr>
           <a:xfrm>
-            <a:off x="8784453" y="1600080"/>
-            <a:ext cx="2863262" cy="2568046"/>
-            <a:chOff x="8392568" y="1959308"/>
-            <a:chExt cx="2863262" cy="2568046"/>
+            <a:off x="3885606" y="2775738"/>
+            <a:ext cx="4322815" cy="2568046"/>
+            <a:chOff x="7613805" y="1959308"/>
+            <a:chExt cx="4322815" cy="2568046"/>
           </a:xfrm>
         </p:grpSpPr>
         <p:grpSp>
@@ -3892,10 +3760,10 @@
           </p:nvGrpSpPr>
           <p:grpSpPr>
             <a:xfrm>
-              <a:off x="8632718" y="2618022"/>
-              <a:ext cx="2237573" cy="986148"/>
-              <a:chOff x="5224451" y="2086784"/>
-              <a:chExt cx="2237573" cy="986148"/>
+              <a:off x="8215242" y="2618022"/>
+              <a:ext cx="3054629" cy="986148"/>
+              <a:chOff x="4806975" y="2086784"/>
+              <a:chExt cx="3054629" cy="986148"/>
             </a:xfrm>
           </p:grpSpPr>
           <p:sp>
@@ -3912,8 +3780,8 @@
             </p:nvSpPr>
             <p:spPr>
               <a:xfrm>
-                <a:off x="5224451" y="2086784"/>
-                <a:ext cx="2237573" cy="838695"/>
+                <a:off x="4806975" y="2086784"/>
+                <a:ext cx="3054629" cy="838695"/>
               </a:xfrm>
               <a:prstGeom prst="rect">
                 <a:avLst/>
@@ -4093,8 +3961,8 @@
             </p:nvSpPr>
             <p:spPr>
               <a:xfrm>
-                <a:off x="5789844" y="2796771"/>
-                <a:ext cx="1088881" cy="276161"/>
+                <a:off x="5524590" y="2796771"/>
+                <a:ext cx="1619398" cy="276161"/>
               </a:xfrm>
               <a:prstGeom prst="rect">
                 <a:avLst/>
@@ -4155,8 +4023,8 @@
           </p:nvSpPr>
           <p:spPr>
             <a:xfrm>
-              <a:off x="8464225" y="2329549"/>
-              <a:ext cx="2698687" cy="276999"/>
+              <a:off x="9492355" y="2286783"/>
+              <a:ext cx="538930" cy="276999"/>
             </a:xfrm>
             <a:prstGeom prst="rect">
               <a:avLst/>
@@ -4171,7 +4039,7 @@
             <a:p>
               <a:r>
                 <a:rPr lang="en-CN" sz="1200"/>
-                <a:t>admin token, permission management ?</a:t>
+                <a:t>token</a:t>
               </a:r>
             </a:p>
           </p:txBody>
@@ -4194,8 +4062,8 @@
           </p:nvCxnSpPr>
           <p:spPr>
             <a:xfrm flipV="1">
-              <a:off x="9742551" y="3604170"/>
-              <a:ext cx="1" cy="148243"/>
+              <a:off x="9742556" y="3604170"/>
+              <a:ext cx="0" cy="148243"/>
             </a:xfrm>
             <a:prstGeom prst="straightConnector1">
               <a:avLst/>
@@ -4236,10 +4104,10 @@
           </p:nvGrpSpPr>
           <p:grpSpPr>
             <a:xfrm>
-              <a:off x="8392568" y="1959308"/>
-              <a:ext cx="2863262" cy="2568046"/>
-              <a:chOff x="8392568" y="1959308"/>
-              <a:chExt cx="2863262" cy="2568046"/>
+              <a:off x="7613805" y="1959308"/>
+              <a:ext cx="4322815" cy="2568046"/>
+              <a:chOff x="7613805" y="1959308"/>
+              <a:chExt cx="4322815" cy="2568046"/>
             </a:xfrm>
           </p:grpSpPr>
           <p:sp>
@@ -4256,8 +4124,8 @@
             </p:nvSpPr>
             <p:spPr>
               <a:xfrm>
-                <a:off x="8392568" y="1959308"/>
-                <a:ext cx="2863262" cy="2568046"/>
+                <a:off x="7613805" y="1959308"/>
+                <a:ext cx="4322815" cy="2568046"/>
               </a:xfrm>
               <a:prstGeom prst="rect">
                 <a:avLst/>
@@ -4309,7 +4177,7 @@
             </p:nvSpPr>
             <p:spPr>
               <a:xfrm>
-                <a:off x="8392568" y="1966048"/>
+                <a:off x="7619682" y="1966048"/>
                 <a:ext cx="924240" cy="215653"/>
               </a:xfrm>
               <a:prstGeom prst="rect">
@@ -4365,8 +4233,8 @@
           </p:nvSpPr>
           <p:spPr>
             <a:xfrm>
-              <a:off x="8889582" y="3752413"/>
-              <a:ext cx="1705938" cy="276161"/>
+              <a:off x="7886542" y="3752413"/>
+              <a:ext cx="3712028" cy="276161"/>
             </a:xfrm>
             <a:prstGeom prst="rect">
               <a:avLst/>
@@ -4426,8 +4294,8 @@
           </p:nvSpPr>
           <p:spPr>
             <a:xfrm>
-              <a:off x="9069746" y="4177188"/>
-              <a:ext cx="1345610" cy="276161"/>
+              <a:off x="8917742" y="4177188"/>
+              <a:ext cx="1649629" cy="276161"/>
             </a:xfrm>
             <a:prstGeom prst="rect">
               <a:avLst/>
@@ -4490,9 +4358,9 @@
             <p:nvPr/>
           </p:nvCxnSpPr>
           <p:spPr>
-            <a:xfrm flipV="1">
-              <a:off x="9742551" y="4028574"/>
-              <a:ext cx="0" cy="148614"/>
+            <a:xfrm flipH="1" flipV="1">
+              <a:off x="9742556" y="4028574"/>
+              <a:ext cx="1" cy="148614"/>
             </a:xfrm>
             <a:prstGeom prst="straightConnector1">
               <a:avLst/>
@@ -4522,75 +4390,29 @@
       </p:grpSp>
       <p:cxnSp>
         <p:nvCxnSpPr>
-          <p:cNvPr id="63" name="Curved Connector 62">
-            <a:extLst>
-              <a:ext uri="{FF2B5EF4-FFF2-40B4-BE49-F238E27FC236}">
-                <a16:creationId xmlns:a16="http://schemas.microsoft.com/office/drawing/2014/main" id="{11902C21-665F-68A4-514C-88E3E9EB1B01}"/>
+          <p:cNvPr id="27" name="Curved Connector 26">
+            <a:extLst>
+              <a:ext uri="{FF2B5EF4-FFF2-40B4-BE49-F238E27FC236}">
+                <a16:creationId xmlns:a16="http://schemas.microsoft.com/office/drawing/2014/main" id="{4C4E1F93-1F34-B087-1E1E-B11BA8CB3C90}"/>
               </a:ext>
             </a:extLst>
           </p:cNvPr>
           <p:cNvCxnSpPr>
             <a:cxnSpLocks/>
-            <a:stCxn id="47" idx="0"/>
-            <a:endCxn id="19" idx="2"/>
+            <a:stCxn id="81" idx="0"/>
+            <a:endCxn id="18" idx="2"/>
           </p:cNvCxnSpPr>
           <p:nvPr/>
         </p:nvCxnSpPr>
         <p:spPr>
           <a:xfrm rot="16200000" flipV="1">
-            <a:off x="6670232" y="2335374"/>
-            <a:ext cx="3517995" cy="1530493"/>
+            <a:off x="4327365" y="1396956"/>
+            <a:ext cx="1761591" cy="1650923"/>
           </a:xfrm>
           <a:prstGeom prst="curvedConnector3">
             <a:avLst>
-              <a:gd name="adj1" fmla="val 19057"/>
+              <a:gd name="adj1" fmla="val 50000"/>
             </a:avLst>
-          </a:prstGeom>
-          <a:ln>
-            <a:solidFill>
-              <a:srgbClr val="00B050"/>
-            </a:solidFill>
-            <a:tailEnd type="triangle"/>
-          </a:ln>
-        </p:spPr>
-        <p:style>
-          <a:lnRef idx="1">
-            <a:schemeClr val="accent1"/>
-          </a:lnRef>
-          <a:fillRef idx="0">
-            <a:schemeClr val="accent1"/>
-          </a:fillRef>
-          <a:effectRef idx="0">
-            <a:schemeClr val="accent1"/>
-          </a:effectRef>
-          <a:fontRef idx="minor">
-            <a:schemeClr val="tx1"/>
-          </a:fontRef>
-        </p:style>
-      </p:cxnSp>
-      <p:cxnSp>
-        <p:nvCxnSpPr>
-          <p:cNvPr id="72" name="Curved Connector 71">
-            <a:extLst>
-              <a:ext uri="{FF2B5EF4-FFF2-40B4-BE49-F238E27FC236}">
-                <a16:creationId xmlns:a16="http://schemas.microsoft.com/office/drawing/2014/main" id="{4D046C18-BEA0-1463-2DF2-4B9491FB5BE1}"/>
-              </a:ext>
-            </a:extLst>
-          </p:cNvPr>
-          <p:cNvCxnSpPr>
-            <a:cxnSpLocks/>
-            <a:stCxn id="62" idx="0"/>
-            <a:endCxn id="19" idx="1"/>
-          </p:cNvCxnSpPr>
-          <p:nvPr/>
-        </p:nvCxnSpPr>
-        <p:spPr>
-          <a:xfrm rot="5400000" flipH="1" flipV="1">
-            <a:off x="5029734" y="1701345"/>
-            <a:ext cx="2587608" cy="1592005"/>
-          </a:xfrm>
-          <a:prstGeom prst="curvedConnector2">
-            <a:avLst/>
           </a:prstGeom>
           <a:ln>
             <a:solidFill>
@@ -4617,10 +4439,10 @@
       </p:cxnSp>
       <p:sp>
         <p:nvSpPr>
-          <p:cNvPr id="103" name="TextBox 102">
-            <a:extLst>
-              <a:ext uri="{FF2B5EF4-FFF2-40B4-BE49-F238E27FC236}">
-                <a16:creationId xmlns:a16="http://schemas.microsoft.com/office/drawing/2014/main" id="{06CA649F-96D8-167E-D6B0-1E89146A1DC0}"/>
+          <p:cNvPr id="42" name="TextBox 41">
+            <a:extLst>
+              <a:ext uri="{FF2B5EF4-FFF2-40B4-BE49-F238E27FC236}">
+                <a16:creationId xmlns:a16="http://schemas.microsoft.com/office/drawing/2014/main" id="{2AECE502-A782-4747-F345-925560616FE3}"/>
               </a:ext>
             </a:extLst>
           </p:cNvPr>
@@ -4629,8 +4451,8 @@
         </p:nvSpPr>
         <p:spPr>
           <a:xfrm>
-            <a:off x="5434889" y="6491353"/>
-            <a:ext cx="538930" cy="276999"/>
+            <a:off x="862094" y="5747439"/>
+            <a:ext cx="6039795" cy="954107"/>
           </a:xfrm>
           <a:prstGeom prst="rect">
             <a:avLst/>
@@ -4644,12 +4466,673 @@
           <a:lstStyle/>
           <a:p>
             <a:r>
+              <a:rPr lang="en-US" altLang="zh-CN" sz="1400"/>
+              <a:t>Disadvantage:</a:t>
+            </a:r>
+          </a:p>
+          <a:p>
+            <a:pPr marL="342900" indent="-342900">
+              <a:buFont typeface="+mj-lt"/>
+              <a:buAutoNum type="arabicPeriod"/>
+            </a:pPr>
+            <a:r>
+              <a:rPr lang="en-US" sz="1400"/>
+              <a:t>reinvent</a:t>
+            </a:r>
+            <a:r>
+              <a:rPr lang="zh-CN" altLang="en-US" sz="1400"/>
+              <a:t> </a:t>
+            </a:r>
+            <a:r>
+              <a:rPr lang="en-US" altLang="zh-CN" sz="1400"/>
+              <a:t>login page / user authentication</a:t>
+            </a:r>
+            <a:r>
+              <a:rPr lang="zh-CN" altLang="en-US" sz="1400"/>
+              <a:t> </a:t>
+            </a:r>
+            <a:r>
+              <a:rPr lang="en-US" altLang="zh-CN" sz="1400"/>
+              <a:t>process</a:t>
+            </a:r>
+            <a:endParaRPr lang="en-US" sz="1400"/>
+          </a:p>
+          <a:p>
+            <a:pPr marL="342900" indent="-342900">
+              <a:buFont typeface="+mj-lt"/>
+              <a:buAutoNum type="arabicPeriod"/>
+            </a:pPr>
+            <a:r>
+              <a:rPr lang="en-US" sz="1400"/>
+              <a:t>requires a backend program to avoid cross-domain issues </a:t>
+            </a:r>
+            <a:r>
+              <a:rPr lang="en-US" altLang="zh-CN" sz="1400"/>
+              <a:t>/</a:t>
+            </a:r>
+            <a:r>
+              <a:rPr lang="en-US" sz="1400"/>
+              <a:t> revent REST API </a:t>
+            </a:r>
+          </a:p>
+          <a:p>
+            <a:pPr marL="342900" indent="-342900">
+              <a:buFont typeface="+mj-lt"/>
+              <a:buAutoNum type="arabicPeriod"/>
+            </a:pPr>
+            <a:r>
+              <a:rPr lang="en-US" sz="1400"/>
+              <a:t>indirect access to native UI API</a:t>
+            </a:r>
+          </a:p>
+        </p:txBody>
+      </p:sp>
+    </p:spTree>
+    <p:extLst>
+      <p:ext uri="{BB962C8B-B14F-4D97-AF65-F5344CB8AC3E}">
+        <p14:creationId xmlns:p14="http://schemas.microsoft.com/office/powerpoint/2010/main" val="3505307035"/>
+      </p:ext>
+    </p:extLst>
+  </p:cSld>
+  <p:clrMapOvr>
+    <a:masterClrMapping/>
+  </p:clrMapOvr>
+</p:sld>
+</file>
+
+<file path=ppt/slides/slide2.xml><?xml version="1.0" encoding="utf-8"?>
+<p:sld xmlns:a="http://schemas.openxmlformats.org/drawingml/2006/main" xmlns:r="http://schemas.openxmlformats.org/officeDocument/2006/relationships" xmlns:p="http://schemas.openxmlformats.org/presentationml/2006/main">
+  <p:cSld>
+    <p:spTree>
+      <p:nvGrpSpPr>
+        <p:cNvPr id="1" name=""/>
+        <p:cNvGrpSpPr/>
+        <p:nvPr/>
+      </p:nvGrpSpPr>
+      <p:grpSpPr>
+        <a:xfrm>
+          <a:off x="0" y="0"/>
+          <a:ext cx="0" cy="0"/>
+          <a:chOff x="0" y="0"/>
+          <a:chExt cx="0" cy="0"/>
+        </a:xfrm>
+      </p:grpSpPr>
+      <p:grpSp>
+        <p:nvGrpSpPr>
+          <p:cNvPr id="116" name="Group 115">
+            <a:extLst>
+              <a:ext uri="{FF2B5EF4-FFF2-40B4-BE49-F238E27FC236}">
+                <a16:creationId xmlns:a16="http://schemas.microsoft.com/office/drawing/2014/main" id="{A7123419-D24D-A41E-5382-3840805BF627}"/>
+              </a:ext>
+            </a:extLst>
+          </p:cNvPr>
+          <p:cNvGrpSpPr/>
+          <p:nvPr/>
+        </p:nvGrpSpPr>
+        <p:grpSpPr>
+          <a:xfrm>
+            <a:off x="3852951" y="592901"/>
+            <a:ext cx="4355471" cy="855707"/>
+            <a:chOff x="3852951" y="842046"/>
+            <a:chExt cx="4355471" cy="855707"/>
+          </a:xfrm>
+        </p:grpSpPr>
+        <p:sp>
+          <p:nvSpPr>
+            <p:cNvPr id="4" name="Rectangle 3">
+              <a:extLst>
+                <a:ext uri="{FF2B5EF4-FFF2-40B4-BE49-F238E27FC236}">
+                  <a16:creationId xmlns:a16="http://schemas.microsoft.com/office/drawing/2014/main" id="{5CCC14AF-CAF5-173A-C277-D236A3485D94}"/>
+                </a:ext>
+              </a:extLst>
+            </p:cNvPr>
+            <p:cNvSpPr/>
+            <p:nvPr/>
+          </p:nvSpPr>
+          <p:spPr>
+            <a:xfrm>
+              <a:off x="4506304" y="842046"/>
+              <a:ext cx="3054634" cy="855707"/>
+            </a:xfrm>
+            <a:prstGeom prst="rect">
+              <a:avLst/>
+            </a:prstGeom>
+            <a:solidFill>
+              <a:schemeClr val="bg1"/>
+            </a:solidFill>
+            <a:ln>
+              <a:solidFill>
+                <a:schemeClr val="tx1"/>
+              </a:solidFill>
+            </a:ln>
+            <a:effectLst>
+              <a:outerShdw blurRad="50800" dist="38100" dir="2700000" algn="tl" rotWithShape="0">
+                <a:schemeClr val="bg1">
+                  <a:lumMod val="50000"/>
+                  <a:alpha val="40000"/>
+                </a:schemeClr>
+              </a:outerShdw>
+            </a:effectLst>
+          </p:spPr>
+          <p:style>
+            <a:lnRef idx="2">
+              <a:schemeClr val="accent1">
+                <a:shade val="50000"/>
+              </a:schemeClr>
+            </a:lnRef>
+            <a:fillRef idx="1">
+              <a:schemeClr val="accent1"/>
+            </a:fillRef>
+            <a:effectRef idx="0">
+              <a:schemeClr val="accent1"/>
+            </a:effectRef>
+            <a:fontRef idx="minor">
+              <a:schemeClr val="lt1"/>
+            </a:fontRef>
+          </p:style>
+          <p:txBody>
+            <a:bodyPr rtlCol="0" anchor="ctr"/>
+            <a:lstStyle/>
+            <a:p>
+              <a:pPr algn="ctr"/>
+              <a:r>
+                <a:rPr lang="en-CN" sz="1200">
+                  <a:solidFill>
+                    <a:schemeClr val="tx1"/>
+                  </a:solidFill>
+                </a:rPr>
+                <a:t>Artifactory Backend Server</a:t>
+              </a:r>
+            </a:p>
+          </p:txBody>
+        </p:sp>
+        <p:sp>
+          <p:nvSpPr>
+            <p:cNvPr id="5" name="Oval 4">
+              <a:extLst>
+                <a:ext uri="{FF2B5EF4-FFF2-40B4-BE49-F238E27FC236}">
+                  <a16:creationId xmlns:a16="http://schemas.microsoft.com/office/drawing/2014/main" id="{30B24DF5-2A0A-73EC-AA76-8D36140A5126}"/>
+                </a:ext>
+              </a:extLst>
+            </p:cNvPr>
+            <p:cNvSpPr/>
+            <p:nvPr/>
+          </p:nvSpPr>
+          <p:spPr>
+            <a:xfrm>
+              <a:off x="7214241" y="1076222"/>
+              <a:ext cx="189571" cy="189571"/>
+            </a:xfrm>
+            <a:prstGeom prst="ellipse">
+              <a:avLst/>
+            </a:prstGeom>
+            <a:noFill/>
+            <a:ln>
+              <a:solidFill>
+                <a:schemeClr val="tx1"/>
+              </a:solidFill>
+            </a:ln>
+            <a:effectLst/>
+          </p:spPr>
+          <p:style>
+            <a:lnRef idx="2">
+              <a:schemeClr val="accent1">
+                <a:shade val="50000"/>
+              </a:schemeClr>
+            </a:lnRef>
+            <a:fillRef idx="1">
+              <a:schemeClr val="accent1"/>
+            </a:fillRef>
+            <a:effectRef idx="0">
+              <a:schemeClr val="accent1"/>
+            </a:effectRef>
+            <a:fontRef idx="minor">
+              <a:schemeClr val="lt1"/>
+            </a:fontRef>
+          </p:style>
+          <p:txBody>
+            <a:bodyPr rtlCol="0" anchor="ctr"/>
+            <a:lstStyle/>
+            <a:p>
+              <a:pPr algn="ctr"/>
+              <a:endParaRPr lang="en-CN"/>
+            </a:p>
+          </p:txBody>
+        </p:sp>
+        <p:sp>
+          <p:nvSpPr>
+            <p:cNvPr id="7" name="Oval 6">
+              <a:extLst>
+                <a:ext uri="{FF2B5EF4-FFF2-40B4-BE49-F238E27FC236}">
+                  <a16:creationId xmlns:a16="http://schemas.microsoft.com/office/drawing/2014/main" id="{79CCB953-292E-B061-E31B-E6CD509F76C2}"/>
+                </a:ext>
+              </a:extLst>
+            </p:cNvPr>
+            <p:cNvSpPr/>
+            <p:nvPr/>
+          </p:nvSpPr>
+          <p:spPr>
+            <a:xfrm>
+              <a:off x="7286166" y="974411"/>
+              <a:ext cx="45719" cy="45719"/>
+            </a:xfrm>
+            <a:prstGeom prst="ellipse">
+              <a:avLst/>
+            </a:prstGeom>
+            <a:solidFill>
+              <a:srgbClr val="00B050"/>
+            </a:solidFill>
+            <a:ln>
+              <a:noFill/>
+            </a:ln>
+          </p:spPr>
+          <p:style>
+            <a:lnRef idx="2">
+              <a:schemeClr val="accent1">
+                <a:shade val="50000"/>
+              </a:schemeClr>
+            </a:lnRef>
+            <a:fillRef idx="1">
+              <a:schemeClr val="accent1"/>
+            </a:fillRef>
+            <a:effectRef idx="0">
+              <a:schemeClr val="accent1"/>
+            </a:effectRef>
+            <a:fontRef idx="minor">
+              <a:schemeClr val="lt1"/>
+            </a:fontRef>
+          </p:style>
+          <p:txBody>
+            <a:bodyPr rtlCol="0" anchor="ctr"/>
+            <a:lstStyle/>
+            <a:p>
+              <a:pPr algn="ctr"/>
+              <a:endParaRPr lang="en-CN"/>
+            </a:p>
+          </p:txBody>
+        </p:sp>
+        <p:sp>
+          <p:nvSpPr>
+            <p:cNvPr id="18" name="Rectangle 17">
+              <a:extLst>
+                <a:ext uri="{FF2B5EF4-FFF2-40B4-BE49-F238E27FC236}">
+                  <a16:creationId xmlns:a16="http://schemas.microsoft.com/office/drawing/2014/main" id="{E4BC6E95-3EAA-E717-D33A-3B6A03BADF96}"/>
+                </a:ext>
+              </a:extLst>
+            </p:cNvPr>
+            <p:cNvSpPr/>
+            <p:nvPr/>
+          </p:nvSpPr>
+          <p:spPr>
+            <a:xfrm>
+              <a:off x="3852951" y="1314606"/>
+              <a:ext cx="994181" cy="276161"/>
+            </a:xfrm>
+            <a:prstGeom prst="rect">
+              <a:avLst/>
+            </a:prstGeom>
+            <a:solidFill>
+              <a:schemeClr val="bg1"/>
+            </a:solidFill>
+            <a:ln>
+              <a:solidFill>
+                <a:schemeClr val="tx1"/>
+              </a:solidFill>
+            </a:ln>
+          </p:spPr>
+          <p:style>
+            <a:lnRef idx="2">
+              <a:schemeClr val="accent1">
+                <a:shade val="50000"/>
+              </a:schemeClr>
+            </a:lnRef>
+            <a:fillRef idx="1">
+              <a:schemeClr val="accent1"/>
+            </a:fillRef>
+            <a:effectRef idx="0">
+              <a:schemeClr val="accent1"/>
+            </a:effectRef>
+            <a:fontRef idx="minor">
+              <a:schemeClr val="lt1"/>
+            </a:fontRef>
+          </p:style>
+          <p:txBody>
+            <a:bodyPr rtlCol="0" anchor="ctr"/>
+            <a:lstStyle/>
+            <a:p>
+              <a:pPr algn="ctr"/>
+              <a:r>
+                <a:rPr lang="en-CN" sz="1200">
+                  <a:solidFill>
+                    <a:schemeClr val="tx1"/>
+                  </a:solidFill>
+                </a:rPr>
+                <a:t>native UI API</a:t>
+              </a:r>
+            </a:p>
+          </p:txBody>
+        </p:sp>
+        <p:sp>
+          <p:nvSpPr>
+            <p:cNvPr id="19" name="Rectangle 18">
+              <a:extLst>
+                <a:ext uri="{FF2B5EF4-FFF2-40B4-BE49-F238E27FC236}">
+                  <a16:creationId xmlns:a16="http://schemas.microsoft.com/office/drawing/2014/main" id="{8D8F2D99-D55E-53DA-A032-4D918F31FBD8}"/>
+                </a:ext>
+              </a:extLst>
+            </p:cNvPr>
+            <p:cNvSpPr/>
+            <p:nvPr/>
+          </p:nvSpPr>
+          <p:spPr>
+            <a:xfrm>
+              <a:off x="7119541" y="1314607"/>
+              <a:ext cx="1088881" cy="276161"/>
+            </a:xfrm>
+            <a:prstGeom prst="rect">
+              <a:avLst/>
+            </a:prstGeom>
+            <a:solidFill>
+              <a:schemeClr val="bg1"/>
+            </a:solidFill>
+            <a:ln>
+              <a:solidFill>
+                <a:schemeClr val="tx1"/>
+              </a:solidFill>
+            </a:ln>
+          </p:spPr>
+          <p:style>
+            <a:lnRef idx="2">
+              <a:schemeClr val="accent1">
+                <a:shade val="50000"/>
+              </a:schemeClr>
+            </a:lnRef>
+            <a:fillRef idx="1">
+              <a:schemeClr val="accent1"/>
+            </a:fillRef>
+            <a:effectRef idx="0">
+              <a:schemeClr val="accent1"/>
+            </a:effectRef>
+            <a:fontRef idx="minor">
+              <a:schemeClr val="lt1"/>
+            </a:fontRef>
+          </p:style>
+          <p:txBody>
+            <a:bodyPr rtlCol="0" anchor="ctr"/>
+            <a:lstStyle/>
+            <a:p>
+              <a:pPr algn="ctr"/>
+              <a:r>
+                <a:rPr lang="en-CN" sz="1200">
+                  <a:solidFill>
+                    <a:schemeClr val="tx1"/>
+                  </a:solidFill>
+                </a:rPr>
+                <a:t>JFrog REST API</a:t>
+              </a:r>
+            </a:p>
+          </p:txBody>
+        </p:sp>
+      </p:grpSp>
+      <p:cxnSp>
+        <p:nvCxnSpPr>
+          <p:cNvPr id="32" name="Curved Connector 31">
+            <a:extLst>
+              <a:ext uri="{FF2B5EF4-FFF2-40B4-BE49-F238E27FC236}">
+                <a16:creationId xmlns:a16="http://schemas.microsoft.com/office/drawing/2014/main" id="{95199055-8506-3DC6-33D9-C2847273CC44}"/>
+              </a:ext>
+            </a:extLst>
+          </p:cNvPr>
+          <p:cNvCxnSpPr>
+            <a:cxnSpLocks/>
+            <a:stCxn id="18" idx="1"/>
+            <a:endCxn id="61" idx="0"/>
+          </p:cNvCxnSpPr>
+          <p:nvPr/>
+        </p:nvCxnSpPr>
+        <p:spPr>
+          <a:xfrm rot="10800000" flipV="1">
+            <a:off x="3337851" y="1203542"/>
+            <a:ext cx="515100" cy="1673208"/>
+          </a:xfrm>
+          <a:prstGeom prst="curvedConnector2">
+            <a:avLst/>
+          </a:prstGeom>
+          <a:ln>
+            <a:solidFill>
+              <a:schemeClr val="tx1"/>
+            </a:solidFill>
+            <a:tailEnd type="triangle"/>
+          </a:ln>
+        </p:spPr>
+        <p:style>
+          <a:lnRef idx="1">
+            <a:schemeClr val="accent1"/>
+          </a:lnRef>
+          <a:fillRef idx="0">
+            <a:schemeClr val="accent1"/>
+          </a:fillRef>
+          <a:effectRef idx="0">
+            <a:schemeClr val="accent1"/>
+          </a:effectRef>
+          <a:fontRef idx="minor">
+            <a:schemeClr val="tx1"/>
+          </a:fontRef>
+        </p:style>
+      </p:cxnSp>
+      <p:cxnSp>
+        <p:nvCxnSpPr>
+          <p:cNvPr id="34" name="Curved Connector 33">
+            <a:extLst>
+              <a:ext uri="{FF2B5EF4-FFF2-40B4-BE49-F238E27FC236}">
+                <a16:creationId xmlns:a16="http://schemas.microsoft.com/office/drawing/2014/main" id="{2ED73E80-18CA-D795-A6E9-53E31C731241}"/>
+              </a:ext>
+            </a:extLst>
+          </p:cNvPr>
+          <p:cNvCxnSpPr>
+            <a:cxnSpLocks/>
+            <a:stCxn id="60" idx="0"/>
+            <a:endCxn id="18" idx="1"/>
+          </p:cNvCxnSpPr>
+          <p:nvPr/>
+        </p:nvCxnSpPr>
+        <p:spPr>
+          <a:xfrm rot="5400000" flipH="1" flipV="1">
+            <a:off x="2082162" y="1105962"/>
+            <a:ext cx="1673208" cy="1868369"/>
+          </a:xfrm>
+          <a:prstGeom prst="curvedConnector2">
+            <a:avLst/>
+          </a:prstGeom>
+          <a:ln>
+            <a:solidFill>
+              <a:schemeClr val="tx1"/>
+            </a:solidFill>
+            <a:tailEnd type="triangle"/>
+          </a:ln>
+        </p:spPr>
+        <p:style>
+          <a:lnRef idx="1">
+            <a:schemeClr val="accent1"/>
+          </a:lnRef>
+          <a:fillRef idx="0">
+            <a:schemeClr val="accent1"/>
+          </a:fillRef>
+          <a:effectRef idx="0">
+            <a:schemeClr val="accent1"/>
+          </a:effectRef>
+          <a:fontRef idx="minor">
+            <a:schemeClr val="tx1"/>
+          </a:fontRef>
+        </p:style>
+      </p:cxnSp>
+      <p:cxnSp>
+        <p:nvCxnSpPr>
+          <p:cNvPr id="55" name="Curved Connector 54">
+            <a:extLst>
+              <a:ext uri="{FF2B5EF4-FFF2-40B4-BE49-F238E27FC236}">
+                <a16:creationId xmlns:a16="http://schemas.microsoft.com/office/drawing/2014/main" id="{17F6730B-D8EE-6CE6-E777-F147F835D391}"/>
+              </a:ext>
+            </a:extLst>
+          </p:cNvPr>
+          <p:cNvCxnSpPr>
+            <a:cxnSpLocks/>
+            <a:stCxn id="62" idx="0"/>
+            <a:endCxn id="18" idx="3"/>
+          </p:cNvCxnSpPr>
+          <p:nvPr/>
+        </p:nvCxnSpPr>
+        <p:spPr>
+          <a:xfrm rot="16200000" flipV="1">
+            <a:off x="4769832" y="1280842"/>
+            <a:ext cx="1673208" cy="1518607"/>
+          </a:xfrm>
+          <a:prstGeom prst="curvedConnector2">
+            <a:avLst/>
+          </a:prstGeom>
+          <a:ln>
+            <a:solidFill>
+              <a:schemeClr val="tx1"/>
+            </a:solidFill>
+            <a:tailEnd type="triangle"/>
+          </a:ln>
+        </p:spPr>
+        <p:style>
+          <a:lnRef idx="1">
+            <a:schemeClr val="accent1"/>
+          </a:lnRef>
+          <a:fillRef idx="0">
+            <a:schemeClr val="accent1"/>
+          </a:fillRef>
+          <a:effectRef idx="0">
+            <a:schemeClr val="accent1"/>
+          </a:effectRef>
+          <a:fontRef idx="minor">
+            <a:schemeClr val="tx1"/>
+          </a:fontRef>
+        </p:style>
+      </p:cxnSp>
+      <p:sp>
+        <p:nvSpPr>
+          <p:cNvPr id="115" name="TextBox 114">
+            <a:extLst>
+              <a:ext uri="{FF2B5EF4-FFF2-40B4-BE49-F238E27FC236}">
+                <a16:creationId xmlns:a16="http://schemas.microsoft.com/office/drawing/2014/main" id="{C615167F-0448-AD56-F3AC-0CFB6C95508D}"/>
+              </a:ext>
+            </a:extLst>
+          </p:cNvPr>
+          <p:cNvSpPr txBox="1"/>
+          <p:nvPr/>
+        </p:nvSpPr>
+        <p:spPr>
+          <a:xfrm>
+            <a:off x="352203" y="478488"/>
+            <a:ext cx="3200428" cy="430887"/>
+          </a:xfrm>
+          <a:prstGeom prst="rect">
+            <a:avLst/>
+          </a:prstGeom>
+          <a:noFill/>
+        </p:spPr>
+        <p:txBody>
+          <a:bodyPr wrap="none" rtlCol="0">
+            <a:spAutoFit/>
+          </a:bodyPr>
+          <a:lstStyle/>
+          <a:p>
+            <a:r>
+              <a:rPr lang="en-CN" sz="2200"/>
+              <a:t>JFrog UI Plugins</a:t>
+            </a:r>
+            <a:r>
+              <a:rPr lang="en-US" sz="2200"/>
+              <a:t>' Approach</a:t>
+            </a:r>
+            <a:endParaRPr lang="en-CN" sz="2200"/>
+          </a:p>
+        </p:txBody>
+      </p:sp>
+      <p:cxnSp>
+        <p:nvCxnSpPr>
+          <p:cNvPr id="63" name="Curved Connector 62">
+            <a:extLst>
+              <a:ext uri="{FF2B5EF4-FFF2-40B4-BE49-F238E27FC236}">
+                <a16:creationId xmlns:a16="http://schemas.microsoft.com/office/drawing/2014/main" id="{11902C21-665F-68A4-514C-88E3E9EB1B01}"/>
+              </a:ext>
+            </a:extLst>
+          </p:cNvPr>
+          <p:cNvCxnSpPr>
+            <a:cxnSpLocks/>
+            <a:stCxn id="43" idx="0"/>
+            <a:endCxn id="19" idx="3"/>
+          </p:cNvCxnSpPr>
+          <p:nvPr/>
+        </p:nvCxnSpPr>
+        <p:spPr>
+          <a:xfrm rot="16200000" flipV="1">
+            <a:off x="7853519" y="1558447"/>
+            <a:ext cx="2179879" cy="1470071"/>
+          </a:xfrm>
+          <a:prstGeom prst="curvedConnector2">
+            <a:avLst/>
+          </a:prstGeom>
+          <a:ln>
+            <a:solidFill>
+              <a:srgbClr val="00B050"/>
+            </a:solidFill>
+            <a:tailEnd type="triangle"/>
+          </a:ln>
+        </p:spPr>
+        <p:style>
+          <a:lnRef idx="1">
+            <a:schemeClr val="accent1"/>
+          </a:lnRef>
+          <a:fillRef idx="0">
+            <a:schemeClr val="accent1"/>
+          </a:fillRef>
+          <a:effectRef idx="0">
+            <a:schemeClr val="accent1"/>
+          </a:effectRef>
+          <a:fontRef idx="minor">
+            <a:schemeClr val="tx1"/>
+          </a:fontRef>
+        </p:style>
+      </p:cxnSp>
+      <p:sp>
+        <p:nvSpPr>
+          <p:cNvPr id="103" name="TextBox 102">
+            <a:extLst>
+              <a:ext uri="{FF2B5EF4-FFF2-40B4-BE49-F238E27FC236}">
+                <a16:creationId xmlns:a16="http://schemas.microsoft.com/office/drawing/2014/main" id="{06CA649F-96D8-167E-D6B0-1E89146A1DC0}"/>
+              </a:ext>
+            </a:extLst>
+          </p:cNvPr>
+          <p:cNvSpPr txBox="1"/>
+          <p:nvPr/>
+        </p:nvSpPr>
+        <p:spPr>
+          <a:xfrm>
+            <a:off x="6000947" y="5576952"/>
+            <a:ext cx="691215" cy="276999"/>
+          </a:xfrm>
+          <a:prstGeom prst="rect">
+            <a:avLst/>
+          </a:prstGeom>
+          <a:noFill/>
+        </p:spPr>
+        <p:txBody>
+          <a:bodyPr wrap="none" rtlCol="0">
+            <a:spAutoFit/>
+          </a:bodyPr>
+          <a:lstStyle/>
+          <a:p>
+            <a:r>
               <a:rPr lang="en-CN" sz="1200">
                 <a:solidFill>
                   <a:srgbClr val="00B050"/>
                 </a:solidFill>
               </a:rPr>
-              <a:t>token</a:t>
+              <a:t>2. token</a:t>
             </a:r>
           </a:p>
         </p:txBody>
@@ -4665,15 +5148,15 @@
           </p:cNvPr>
           <p:cNvCxnSpPr>
             <a:cxnSpLocks/>
-            <a:stCxn id="12" idx="2"/>
+            <a:stCxn id="89" idx="2"/>
             <a:endCxn id="103" idx="1"/>
           </p:cNvCxnSpPr>
           <p:nvPr/>
         </p:nvCxnSpPr>
         <p:spPr>
           <a:xfrm rot="16200000" flipH="1">
-            <a:off x="3476041" y="4671005"/>
-            <a:ext cx="320678" cy="3597018"/>
+            <a:off x="4536995" y="4251499"/>
+            <a:ext cx="251429" cy="2676476"/>
           </a:xfrm>
           <a:prstGeom prst="curvedConnector2">
             <a:avLst/>
@@ -4718,8 +5201,8 @@
         </p:nvCxnSpPr>
         <p:spPr>
           <a:xfrm flipV="1">
-            <a:off x="5973819" y="6263814"/>
-            <a:ext cx="3220656" cy="366039"/>
+            <a:off x="6692162" y="5338528"/>
+            <a:ext cx="2976982" cy="376924"/>
           </a:xfrm>
           <a:prstGeom prst="curvedConnector2">
             <a:avLst/>
@@ -4748,10 +5231,10 @@
       </p:cxnSp>
       <p:grpSp>
         <p:nvGrpSpPr>
-          <p:cNvPr id="53" name="Group 52">
-            <a:extLst>
-              <a:ext uri="{FF2B5EF4-FFF2-40B4-BE49-F238E27FC236}">
-                <a16:creationId xmlns:a16="http://schemas.microsoft.com/office/drawing/2014/main" id="{EF551442-061D-EA05-1AF3-318C61996465}"/>
+          <p:cNvPr id="57" name="Group 56">
+            <a:extLst>
+              <a:ext uri="{FF2B5EF4-FFF2-40B4-BE49-F238E27FC236}">
+                <a16:creationId xmlns:a16="http://schemas.microsoft.com/office/drawing/2014/main" id="{AC0BF9D0-B7A3-EE58-2B03-9F32BB1755FD}"/>
               </a:ext>
             </a:extLst>
           </p:cNvPr>
@@ -4760,192 +5243,7 @@
         </p:nvGrpSpPr>
         <p:grpSpPr>
           <a:xfrm>
-            <a:off x="7442571" y="4441184"/>
-            <a:ext cx="4205144" cy="2012728"/>
-            <a:chOff x="7279285" y="4441184"/>
-            <a:chExt cx="4205144" cy="2012728"/>
-          </a:xfrm>
-        </p:grpSpPr>
-        <p:pic>
-          <p:nvPicPr>
-            <p:cNvPr id="47" name="Picture 46">
-              <a:extLst>
-                <a:ext uri="{FF2B5EF4-FFF2-40B4-BE49-F238E27FC236}">
-                  <a16:creationId xmlns:a16="http://schemas.microsoft.com/office/drawing/2014/main" id="{B1192A15-6DB8-3A5A-C7E5-39CD46D2F7E0}"/>
-                </a:ext>
-              </a:extLst>
-            </p:cNvPr>
-            <p:cNvPicPr>
-              <a:picLocks noChangeAspect="1"/>
-            </p:cNvPicPr>
-            <p:nvPr/>
-          </p:nvPicPr>
-          <p:blipFill rotWithShape="1">
-            <a:blip r:embed="rId2"/>
-            <a:srcRect l="-1" r="-1591" b="31749"/>
-            <a:stretch/>
-          </p:blipFill>
-          <p:spPr>
-            <a:xfrm>
-              <a:off x="7418423" y="4859618"/>
-              <a:ext cx="3225531" cy="1404196"/>
-            </a:xfrm>
-            <a:prstGeom prst="rect">
-              <a:avLst/>
-            </a:prstGeom>
-          </p:spPr>
-        </p:pic>
-        <p:grpSp>
-          <p:nvGrpSpPr>
-            <p:cNvPr id="52" name="Group 51">
-              <a:extLst>
-                <a:ext uri="{FF2B5EF4-FFF2-40B4-BE49-F238E27FC236}">
-                  <a16:creationId xmlns:a16="http://schemas.microsoft.com/office/drawing/2014/main" id="{F1B1D2F7-CC29-1E18-55DD-48DE50BCE80A}"/>
-                </a:ext>
-              </a:extLst>
-            </p:cNvPr>
-            <p:cNvGrpSpPr/>
-            <p:nvPr/>
-          </p:nvGrpSpPr>
-          <p:grpSpPr>
-            <a:xfrm>
-              <a:off x="7279285" y="4441184"/>
-              <a:ext cx="4205144" cy="2012728"/>
-              <a:chOff x="7279285" y="4441184"/>
-              <a:chExt cx="4205144" cy="2012728"/>
-            </a:xfrm>
-          </p:grpSpPr>
-          <p:sp>
-            <p:nvSpPr>
-              <p:cNvPr id="83" name="Rectangle 82">
-                <a:extLst>
-                  <a:ext uri="{FF2B5EF4-FFF2-40B4-BE49-F238E27FC236}">
-                    <a16:creationId xmlns:a16="http://schemas.microsoft.com/office/drawing/2014/main" id="{38C513DE-0813-EA8F-8CD4-DC7BE86E761B}"/>
-                  </a:ext>
-                </a:extLst>
-              </p:cNvPr>
-              <p:cNvSpPr/>
-              <p:nvPr/>
-            </p:nvSpPr>
-            <p:spPr>
-              <a:xfrm>
-                <a:off x="7279285" y="4446910"/>
-                <a:ext cx="4205144" cy="2007002"/>
-              </a:xfrm>
-              <a:prstGeom prst="rect">
-                <a:avLst/>
-              </a:prstGeom>
-              <a:noFill/>
-              <a:ln>
-                <a:solidFill>
-                  <a:schemeClr val="tx1"/>
-                </a:solidFill>
-                <a:prstDash val="dash"/>
-              </a:ln>
-            </p:spPr>
-            <p:style>
-              <a:lnRef idx="2">
-                <a:schemeClr val="accent1">
-                  <a:shade val="50000"/>
-                </a:schemeClr>
-              </a:lnRef>
-              <a:fillRef idx="1">
-                <a:schemeClr val="accent1"/>
-              </a:fillRef>
-              <a:effectRef idx="0">
-                <a:schemeClr val="accent1"/>
-              </a:effectRef>
-              <a:fontRef idx="minor">
-                <a:schemeClr val="lt1"/>
-              </a:fontRef>
-            </p:style>
-            <p:txBody>
-              <a:bodyPr rtlCol="0" anchor="ctr"/>
-              <a:lstStyle/>
-              <a:p>
-                <a:pPr algn="ctr"/>
-                <a:endParaRPr lang="en-CN">
-                  <a:ln>
-                    <a:solidFill>
-                      <a:sysClr val="windowText" lastClr="000000"/>
-                    </a:solidFill>
-                  </a:ln>
-                </a:endParaRPr>
-              </a:p>
-            </p:txBody>
-          </p:sp>
-          <p:sp>
-            <p:nvSpPr>
-              <p:cNvPr id="84" name="Rectangle 83">
-                <a:extLst>
-                  <a:ext uri="{FF2B5EF4-FFF2-40B4-BE49-F238E27FC236}">
-                    <a16:creationId xmlns:a16="http://schemas.microsoft.com/office/drawing/2014/main" id="{BDB0FEB0-59BE-E63D-427D-6C7B3CD1B670}"/>
-                  </a:ext>
-                </a:extLst>
-              </p:cNvPr>
-              <p:cNvSpPr/>
-              <p:nvPr/>
-            </p:nvSpPr>
-            <p:spPr>
-              <a:xfrm>
-                <a:off x="7284181" y="4441184"/>
-                <a:ext cx="1206675" cy="228336"/>
-              </a:xfrm>
-              <a:prstGeom prst="rect">
-                <a:avLst/>
-              </a:prstGeom>
-              <a:solidFill>
-                <a:srgbClr val="00B050"/>
-              </a:solidFill>
-              <a:ln>
-                <a:noFill/>
-              </a:ln>
-            </p:spPr>
-            <p:style>
-              <a:lnRef idx="2">
-                <a:schemeClr val="accent1">
-                  <a:shade val="50000"/>
-                </a:schemeClr>
-              </a:lnRef>
-              <a:fillRef idx="1">
-                <a:schemeClr val="accent1"/>
-              </a:fillRef>
-              <a:effectRef idx="0">
-                <a:schemeClr val="accent1"/>
-              </a:effectRef>
-              <a:fontRef idx="minor">
-                <a:schemeClr val="lt1"/>
-              </a:fontRef>
-            </p:style>
-            <p:txBody>
-              <a:bodyPr rtlCol="0" anchor="ctr"/>
-              <a:lstStyle/>
-              <a:p>
-                <a:pPr algn="ctr"/>
-                <a:r>
-                  <a:rPr lang="en-CN" sz="1200"/>
-                  <a:t>JFrog UI Plugins</a:t>
-                </a:r>
-              </a:p>
-            </p:txBody>
-          </p:sp>
-        </p:grpSp>
-      </p:grpSp>
-      <p:grpSp>
-        <p:nvGrpSpPr>
-          <p:cNvPr id="57" name="Group 56">
-            <a:extLst>
-              <a:ext uri="{FF2B5EF4-FFF2-40B4-BE49-F238E27FC236}">
-                <a16:creationId xmlns:a16="http://schemas.microsoft.com/office/drawing/2014/main" id="{AC0BF9D0-B7A3-EE58-2B03-9F32BB1755FD}"/>
-              </a:ext>
-            </a:extLst>
-          </p:cNvPr>
-          <p:cNvGrpSpPr/>
-          <p:nvPr/>
-        </p:nvGrpSpPr>
-        <p:grpSpPr>
-          <a:xfrm>
-            <a:off x="108131" y="3356716"/>
+            <a:off x="968106" y="2442315"/>
             <a:ext cx="7053073" cy="3092220"/>
             <a:chOff x="108131" y="3356716"/>
             <a:chExt cx="7053073" cy="3092220"/>
@@ -4986,7 +5284,7 @@
               <p:nvPr/>
             </p:nvPicPr>
             <p:blipFill>
-              <a:blip r:embed="rId3"/>
+              <a:blip r:embed="rId2"/>
               <a:stretch>
                 <a:fillRect/>
               </a:stretch>
@@ -5016,7 +5314,7 @@
               <p:nvPr/>
             </p:nvPicPr>
             <p:blipFill>
-              <a:blip r:embed="rId4"/>
+              <a:blip r:embed="rId3"/>
               <a:stretch>
                 <a:fillRect/>
               </a:stretch>
@@ -5090,7 +5388,7 @@
             </p:nvSpPr>
             <p:spPr>
               <a:xfrm>
-                <a:off x="799230" y="4052404"/>
+                <a:off x="657716" y="4052404"/>
                 <a:ext cx="933782" cy="276999"/>
               </a:xfrm>
               <a:prstGeom prst="rect">
@@ -5125,8 +5423,8 @@
             </p:nvSpPr>
             <p:spPr>
               <a:xfrm>
-                <a:off x="2441512" y="4052404"/>
-                <a:ext cx="2065630" cy="276999"/>
+                <a:off x="2104055" y="4052404"/>
+                <a:ext cx="747641" cy="276999"/>
               </a:xfrm>
               <a:prstGeom prst="rect">
                 <a:avLst/>
@@ -5141,7 +5439,7 @@
               <a:p>
                 <a:r>
                   <a:rPr lang="en-CN" sz="1200"/>
-                  <a:t>2. cookie (native UI API token)</a:t>
+                  <a:t>2. cookie</a:t>
                 </a:r>
               </a:p>
             </p:txBody>
@@ -5160,7 +5458,7 @@
             </p:nvSpPr>
             <p:spPr>
               <a:xfrm>
-                <a:off x="5153715" y="4052404"/>
+                <a:off x="5131943" y="4052404"/>
                 <a:ext cx="747641" cy="276999"/>
               </a:xfrm>
               <a:prstGeom prst="rect">
@@ -5310,7 +5608,7 @@
                   <a:pPr algn="ctr"/>
                   <a:r>
                     <a:rPr lang="en-CN" sz="1200"/>
-                    <a:t>native</a:t>
+                    <a:t>native UI</a:t>
                   </a:r>
                 </a:p>
               </p:txBody>
@@ -5331,8 +5629,8 @@
           </p:nvSpPr>
           <p:spPr>
             <a:xfrm>
-              <a:off x="1418048" y="6101425"/>
-              <a:ext cx="764953" cy="276999"/>
+              <a:off x="2005876" y="6101425"/>
+              <a:ext cx="917239" cy="276999"/>
             </a:xfrm>
             <a:prstGeom prst="rect">
               <a:avLst/>
@@ -5351,16 +5649,487 @@
                     <a:srgbClr val="00B050"/>
                   </a:solidFill>
                 </a:rPr>
-                <a:t>plugins.js</a:t>
+                <a:t>1. plugins.js</a:t>
               </a:r>
             </a:p>
           </p:txBody>
         </p:sp>
       </p:grpSp>
+      <p:sp>
+        <p:nvSpPr>
+          <p:cNvPr id="50" name="TextBox 49">
+            <a:extLst>
+              <a:ext uri="{FF2B5EF4-FFF2-40B4-BE49-F238E27FC236}">
+                <a16:creationId xmlns:a16="http://schemas.microsoft.com/office/drawing/2014/main" id="{45CCBB15-E006-700C-9731-3FCC5B3548D6}"/>
+              </a:ext>
+            </a:extLst>
+          </p:cNvPr>
+          <p:cNvSpPr txBox="1"/>
+          <p:nvPr/>
+        </p:nvSpPr>
+        <p:spPr>
+          <a:xfrm>
+            <a:off x="862094" y="5747439"/>
+            <a:ext cx="5108258" cy="954107"/>
+          </a:xfrm>
+          <a:prstGeom prst="rect">
+            <a:avLst/>
+          </a:prstGeom>
+          <a:noFill/>
+        </p:spPr>
+        <p:txBody>
+          <a:bodyPr wrap="none" rtlCol="0">
+            <a:spAutoFit/>
+          </a:bodyPr>
+          <a:lstStyle/>
+          <a:p>
+            <a:r>
+              <a:rPr lang="en-US" altLang="zh-CN" sz="1400"/>
+              <a:t>Advantage:</a:t>
+            </a:r>
+          </a:p>
+          <a:p>
+            <a:pPr marL="342900" indent="-342900">
+              <a:buFont typeface="+mj-lt"/>
+              <a:buAutoNum type="arabicPeriod"/>
+            </a:pPr>
+            <a:r>
+              <a:rPr lang="en-US" sz="1400"/>
+              <a:t>focus on UI, easy development with your favorite js framework</a:t>
+            </a:r>
+          </a:p>
+          <a:p>
+            <a:pPr marL="342900" indent="-342900">
+              <a:buFont typeface="+mj-lt"/>
+              <a:buAutoNum type="arabicPeriod"/>
+            </a:pPr>
+            <a:r>
+              <a:rPr lang="en-US" sz="1400"/>
+              <a:t>direct access to JFROG REST API</a:t>
+            </a:r>
+          </a:p>
+          <a:p>
+            <a:pPr marL="342900" indent="-342900">
+              <a:buFont typeface="+mj-lt"/>
+              <a:buAutoNum type="arabicPeriod"/>
+            </a:pPr>
+            <a:r>
+              <a:rPr lang="en-US" sz="1400"/>
+              <a:t>direct assess to native UI API</a:t>
+            </a:r>
+          </a:p>
+        </p:txBody>
+      </p:sp>
+      <p:grpSp>
+        <p:nvGrpSpPr>
+          <p:cNvPr id="23" name="Group 22">
+            <a:extLst>
+              <a:ext uri="{FF2B5EF4-FFF2-40B4-BE49-F238E27FC236}">
+                <a16:creationId xmlns:a16="http://schemas.microsoft.com/office/drawing/2014/main" id="{2C8BBA4B-D2E9-C8F8-94A1-04C09394A73A}"/>
+              </a:ext>
+            </a:extLst>
+          </p:cNvPr>
+          <p:cNvGrpSpPr/>
+          <p:nvPr/>
+        </p:nvGrpSpPr>
+        <p:grpSpPr>
+          <a:xfrm>
+            <a:off x="8302546" y="3032198"/>
+            <a:ext cx="2751894" cy="2496428"/>
+            <a:chOff x="8008629" y="3043083"/>
+            <a:chExt cx="2751894" cy="2496428"/>
+          </a:xfrm>
+        </p:grpSpPr>
+        <p:grpSp>
+          <p:nvGrpSpPr>
+            <p:cNvPr id="53" name="Group 52">
+              <a:extLst>
+                <a:ext uri="{FF2B5EF4-FFF2-40B4-BE49-F238E27FC236}">
+                  <a16:creationId xmlns:a16="http://schemas.microsoft.com/office/drawing/2014/main" id="{EF551442-061D-EA05-1AF3-318C61996465}"/>
+                </a:ext>
+              </a:extLst>
+            </p:cNvPr>
+            <p:cNvGrpSpPr/>
+            <p:nvPr/>
+          </p:nvGrpSpPr>
+          <p:grpSpPr>
+            <a:xfrm>
+              <a:off x="8008629" y="3043083"/>
+              <a:ext cx="2751894" cy="2496428"/>
+              <a:chOff x="7279285" y="3957484"/>
+              <a:chExt cx="2751894" cy="2496428"/>
+            </a:xfrm>
+          </p:grpSpPr>
+          <p:pic>
+            <p:nvPicPr>
+              <p:cNvPr id="47" name="Picture 46">
+                <a:extLst>
+                  <a:ext uri="{FF2B5EF4-FFF2-40B4-BE49-F238E27FC236}">
+                    <a16:creationId xmlns:a16="http://schemas.microsoft.com/office/drawing/2014/main" id="{B1192A15-6DB8-3A5A-C7E5-39CD46D2F7E0}"/>
+                  </a:ext>
+                </a:extLst>
+              </p:cNvPr>
+              <p:cNvPicPr>
+                <a:picLocks noChangeAspect="1"/>
+              </p:cNvPicPr>
+              <p:nvPr/>
+            </p:nvPicPr>
+            <p:blipFill rotWithShape="1">
+              <a:blip r:embed="rId4"/>
+              <a:srcRect r="29831" b="31749"/>
+              <a:stretch/>
+            </p:blipFill>
+            <p:spPr>
+              <a:xfrm>
+                <a:off x="7418423" y="4716503"/>
+                <a:ext cx="2454919" cy="1547311"/>
+              </a:xfrm>
+              <a:prstGeom prst="rect">
+                <a:avLst/>
+              </a:prstGeom>
+            </p:spPr>
+          </p:pic>
+          <p:grpSp>
+            <p:nvGrpSpPr>
+              <p:cNvPr id="52" name="Group 51">
+                <a:extLst>
+                  <a:ext uri="{FF2B5EF4-FFF2-40B4-BE49-F238E27FC236}">
+                    <a16:creationId xmlns:a16="http://schemas.microsoft.com/office/drawing/2014/main" id="{F1B1D2F7-CC29-1E18-55DD-48DE50BCE80A}"/>
+                  </a:ext>
+                </a:extLst>
+              </p:cNvPr>
+              <p:cNvGrpSpPr/>
+              <p:nvPr/>
+            </p:nvGrpSpPr>
+            <p:grpSpPr>
+              <a:xfrm>
+                <a:off x="7279285" y="3957484"/>
+                <a:ext cx="2751894" cy="2496428"/>
+                <a:chOff x="7279285" y="3957484"/>
+                <a:chExt cx="2751894" cy="2496428"/>
+              </a:xfrm>
+            </p:grpSpPr>
+            <p:sp>
+              <p:nvSpPr>
+                <p:cNvPr id="83" name="Rectangle 82">
+                  <a:extLst>
+                    <a:ext uri="{FF2B5EF4-FFF2-40B4-BE49-F238E27FC236}">
+                      <a16:creationId xmlns:a16="http://schemas.microsoft.com/office/drawing/2014/main" id="{38C513DE-0813-EA8F-8CD4-DC7BE86E761B}"/>
+                    </a:ext>
+                  </a:extLst>
+                </p:cNvPr>
+                <p:cNvSpPr/>
+                <p:nvPr/>
+              </p:nvSpPr>
+              <p:spPr>
+                <a:xfrm>
+                  <a:off x="7279285" y="3962402"/>
+                  <a:ext cx="2751894" cy="2491510"/>
+                </a:xfrm>
+                <a:prstGeom prst="rect">
+                  <a:avLst/>
+                </a:prstGeom>
+                <a:noFill/>
+                <a:ln>
+                  <a:solidFill>
+                    <a:schemeClr val="tx1"/>
+                  </a:solidFill>
+                  <a:prstDash val="dash"/>
+                </a:ln>
+              </p:spPr>
+              <p:style>
+                <a:lnRef idx="2">
+                  <a:schemeClr val="accent1">
+                    <a:shade val="50000"/>
+                  </a:schemeClr>
+                </a:lnRef>
+                <a:fillRef idx="1">
+                  <a:schemeClr val="accent1"/>
+                </a:fillRef>
+                <a:effectRef idx="0">
+                  <a:schemeClr val="accent1"/>
+                </a:effectRef>
+                <a:fontRef idx="minor">
+                  <a:schemeClr val="lt1"/>
+                </a:fontRef>
+              </p:style>
+              <p:txBody>
+                <a:bodyPr rtlCol="0" anchor="ctr"/>
+                <a:lstStyle/>
+                <a:p>
+                  <a:pPr algn="ctr"/>
+                  <a:endParaRPr lang="en-CN">
+                    <a:ln>
+                      <a:solidFill>
+                        <a:sysClr val="windowText" lastClr="000000"/>
+                      </a:solidFill>
+                    </a:ln>
+                  </a:endParaRPr>
+                </a:p>
+              </p:txBody>
+            </p:sp>
+            <p:sp>
+              <p:nvSpPr>
+                <p:cNvPr id="84" name="Rectangle 83">
+                  <a:extLst>
+                    <a:ext uri="{FF2B5EF4-FFF2-40B4-BE49-F238E27FC236}">
+                      <a16:creationId xmlns:a16="http://schemas.microsoft.com/office/drawing/2014/main" id="{BDB0FEB0-59BE-E63D-427D-6C7B3CD1B670}"/>
+                    </a:ext>
+                  </a:extLst>
+                </p:cNvPr>
+                <p:cNvSpPr/>
+                <p:nvPr/>
+              </p:nvSpPr>
+              <p:spPr>
+                <a:xfrm>
+                  <a:off x="7279285" y="3957484"/>
+                  <a:ext cx="1250291" cy="221332"/>
+                </a:xfrm>
+                <a:prstGeom prst="rect">
+                  <a:avLst/>
+                </a:prstGeom>
+                <a:solidFill>
+                  <a:srgbClr val="00B050"/>
+                </a:solidFill>
+                <a:ln>
+                  <a:noFill/>
+                </a:ln>
+              </p:spPr>
+              <p:style>
+                <a:lnRef idx="2">
+                  <a:schemeClr val="accent1">
+                    <a:shade val="50000"/>
+                  </a:schemeClr>
+                </a:lnRef>
+                <a:fillRef idx="1">
+                  <a:schemeClr val="accent1"/>
+                </a:fillRef>
+                <a:effectRef idx="0">
+                  <a:schemeClr val="accent1"/>
+                </a:effectRef>
+                <a:fontRef idx="minor">
+                  <a:schemeClr val="lt1"/>
+                </a:fontRef>
+              </p:style>
+              <p:txBody>
+                <a:bodyPr rtlCol="0" anchor="ctr"/>
+                <a:lstStyle/>
+                <a:p>
+                  <a:pPr algn="ctr"/>
+                  <a:r>
+                    <a:rPr lang="en-CN" sz="1200"/>
+                    <a:t>JFrog UI Plugins</a:t>
+                  </a:r>
+                </a:p>
+              </p:txBody>
+            </p:sp>
+          </p:grpSp>
+        </p:grpSp>
+        <p:sp>
+          <p:nvSpPr>
+            <p:cNvPr id="43" name="TextBox 42">
+              <a:extLst>
+                <a:ext uri="{FF2B5EF4-FFF2-40B4-BE49-F238E27FC236}">
+                  <a16:creationId xmlns:a16="http://schemas.microsoft.com/office/drawing/2014/main" id="{671D5974-ABDD-2B6B-971A-CC8EDFD118EB}"/>
+                </a:ext>
+              </a:extLst>
+            </p:cNvPr>
+            <p:cNvSpPr txBox="1"/>
+            <p:nvPr/>
+          </p:nvSpPr>
+          <p:spPr>
+            <a:xfrm>
+              <a:off x="8759885" y="3394307"/>
+              <a:ext cx="1249381" cy="276999"/>
+            </a:xfrm>
+            <a:prstGeom prst="rect">
+              <a:avLst/>
+            </a:prstGeom>
+            <a:noFill/>
+          </p:spPr>
+          <p:txBody>
+            <a:bodyPr wrap="none" rtlCol="0">
+              <a:spAutoFit/>
+            </a:bodyPr>
+            <a:lstStyle/>
+            <a:p>
+              <a:r>
+                <a:rPr lang="en-CN" sz="1200">
+                  <a:solidFill>
+                    <a:srgbClr val="00B050"/>
+                  </a:solidFill>
+                </a:rPr>
+                <a:t>3. cookie + token</a:t>
+              </a:r>
+            </a:p>
+          </p:txBody>
+        </p:sp>
+      </p:grpSp>
+      <p:cxnSp>
+        <p:nvCxnSpPr>
+          <p:cNvPr id="44" name="Curved Connector 43">
+            <a:extLst>
+              <a:ext uri="{FF2B5EF4-FFF2-40B4-BE49-F238E27FC236}">
+                <a16:creationId xmlns:a16="http://schemas.microsoft.com/office/drawing/2014/main" id="{43A0FB20-F247-D0A4-AA79-929477A92B0F}"/>
+              </a:ext>
+            </a:extLst>
+          </p:cNvPr>
+          <p:cNvCxnSpPr>
+            <a:cxnSpLocks/>
+            <a:stCxn id="43" idx="0"/>
+            <a:endCxn id="18" idx="3"/>
+          </p:cNvCxnSpPr>
+          <p:nvPr/>
+        </p:nvCxnSpPr>
+        <p:spPr>
+          <a:xfrm rot="16200000" flipV="1">
+            <a:off x="6172873" y="-122199"/>
+            <a:ext cx="2179880" cy="4831361"/>
+          </a:xfrm>
+          <a:prstGeom prst="curvedConnector2">
+            <a:avLst/>
+          </a:prstGeom>
+          <a:ln>
+            <a:solidFill>
+              <a:srgbClr val="00B050"/>
+            </a:solidFill>
+            <a:tailEnd type="triangle"/>
+          </a:ln>
+        </p:spPr>
+        <p:style>
+          <a:lnRef idx="1">
+            <a:schemeClr val="accent1"/>
+          </a:lnRef>
+          <a:fillRef idx="0">
+            <a:schemeClr val="accent1"/>
+          </a:fillRef>
+          <a:effectRef idx="0">
+            <a:schemeClr val="accent1"/>
+          </a:effectRef>
+          <a:fontRef idx="minor">
+            <a:schemeClr val="tx1"/>
+          </a:fontRef>
+        </p:style>
+      </p:cxnSp>
+      <p:cxnSp>
+        <p:nvCxnSpPr>
+          <p:cNvPr id="54" name="Straight Arrow Connector 53">
+            <a:extLst>
+              <a:ext uri="{FF2B5EF4-FFF2-40B4-BE49-F238E27FC236}">
+                <a16:creationId xmlns:a16="http://schemas.microsoft.com/office/drawing/2014/main" id="{63C9392D-3002-EF5E-7F4B-AA38E8810615}"/>
+              </a:ext>
+            </a:extLst>
+          </p:cNvPr>
+          <p:cNvCxnSpPr>
+            <a:cxnSpLocks/>
+            <a:endCxn id="83" idx="1"/>
+          </p:cNvCxnSpPr>
+          <p:nvPr/>
+        </p:nvCxnSpPr>
+        <p:spPr>
+          <a:xfrm>
+            <a:off x="8021179" y="4282871"/>
+            <a:ext cx="281367" cy="0"/>
+          </a:xfrm>
+          <a:prstGeom prst="straightConnector1">
+            <a:avLst/>
+          </a:prstGeom>
+          <a:ln>
+            <a:solidFill>
+              <a:schemeClr val="tx1"/>
+            </a:solidFill>
+            <a:tailEnd type="triangle"/>
+          </a:ln>
+        </p:spPr>
+        <p:style>
+          <a:lnRef idx="1">
+            <a:schemeClr val="accent1"/>
+          </a:lnRef>
+          <a:fillRef idx="0">
+            <a:schemeClr val="accent1"/>
+          </a:fillRef>
+          <a:effectRef idx="0">
+            <a:schemeClr val="accent1"/>
+          </a:effectRef>
+          <a:fontRef idx="minor">
+            <a:schemeClr val="tx1"/>
+          </a:fontRef>
+        </p:style>
+      </p:cxnSp>
     </p:spTree>
     <p:extLst>
       <p:ext uri="{BB962C8B-B14F-4D97-AF65-F5344CB8AC3E}">
-        <p14:creationId xmlns:p14="http://schemas.microsoft.com/office/powerpoint/2010/main" val="3505307035"/>
+        <p14:creationId xmlns:p14="http://schemas.microsoft.com/office/powerpoint/2010/main" val="591359802"/>
+      </p:ext>
+    </p:extLst>
+  </p:cSld>
+  <p:clrMapOvr>
+    <a:masterClrMapping/>
+  </p:clrMapOvr>
+</p:sld>
+</file>
+
+<file path=ppt/slides/slide3.xml><?xml version="1.0" encoding="utf-8"?>
+<p:sld xmlns:a="http://schemas.openxmlformats.org/drawingml/2006/main" xmlns:r="http://schemas.openxmlformats.org/officeDocument/2006/relationships" xmlns:p="http://schemas.openxmlformats.org/presentationml/2006/main">
+  <p:cSld>
+    <p:spTree>
+      <p:nvGrpSpPr>
+        <p:cNvPr id="1" name=""/>
+        <p:cNvGrpSpPr/>
+        <p:nvPr/>
+      </p:nvGrpSpPr>
+      <p:grpSpPr>
+        <a:xfrm>
+          <a:off x="0" y="0"/>
+          <a:ext cx="0" cy="0"/>
+          <a:chOff x="0" y="0"/>
+          <a:chExt cx="0" cy="0"/>
+        </a:xfrm>
+      </p:grpSpPr>
+      <p:sp>
+        <p:nvSpPr>
+          <p:cNvPr id="3" name="TextBox 2">
+            <a:extLst>
+              <a:ext uri="{FF2B5EF4-FFF2-40B4-BE49-F238E27FC236}">
+                <a16:creationId xmlns:a16="http://schemas.microsoft.com/office/drawing/2014/main" id="{8A430E40-36CE-0B66-543B-61AD4DFB5201}"/>
+              </a:ext>
+            </a:extLst>
+          </p:cNvPr>
+          <p:cNvSpPr txBox="1"/>
+          <p:nvPr/>
+        </p:nvSpPr>
+        <p:spPr>
+          <a:xfrm>
+            <a:off x="4502711" y="3213556"/>
+            <a:ext cx="3186578" cy="430887"/>
+          </a:xfrm>
+          <a:prstGeom prst="rect">
+            <a:avLst/>
+          </a:prstGeom>
+          <a:noFill/>
+        </p:spPr>
+        <p:txBody>
+          <a:bodyPr wrap="none" rtlCol="0">
+            <a:spAutoFit/>
+          </a:bodyPr>
+          <a:lstStyle/>
+          <a:p>
+            <a:r>
+              <a:rPr lang="en-CN" sz="2200"/>
+              <a:t>Demo &amp; </a:t>
+            </a:r>
+            <a:r>
+              <a:rPr lang="en-US" sz="2200"/>
+              <a:t>Code explanation</a:t>
+            </a:r>
+            <a:endParaRPr lang="en-CN" sz="2200"/>
+          </a:p>
+        </p:txBody>
+      </p:sp>
+    </p:spTree>
+    <p:extLst>
+      <p:ext uri="{BB962C8B-B14F-4D97-AF65-F5344CB8AC3E}">
+        <p14:creationId xmlns:p14="http://schemas.microsoft.com/office/powerpoint/2010/main" val="232589102"/>
       </p:ext>
     </p:extLst>
   </p:cSld>

--- a/images/design.pptx
+++ b/images/design.pptx
@@ -5670,7 +5670,7 @@
         <p:spPr>
           <a:xfrm>
             <a:off x="862094" y="5747439"/>
-            <a:ext cx="5108258" cy="954107"/>
+            <a:ext cx="6642844" cy="954107"/>
           </a:xfrm>
           <a:prstGeom prst="rect">
             <a:avLst/>
@@ -5705,7 +5705,7 @@
             </a:pPr>
             <a:r>
               <a:rPr lang="en-US" sz="1400"/>
-              <a:t>direct access to JFROG REST API</a:t>
+              <a:t>direct access to JFROG REST API (no need to revent login process / backend program)</a:t>
             </a:r>
           </a:p>
           <a:p>
@@ -5715,7 +5715,7 @@
             </a:pPr>
             <a:r>
               <a:rPr lang="en-US" sz="1400"/>
-              <a:t>direct assess to native UI API</a:t>
+              <a:t>direct assess to native UI API (no need to manipulate API url)</a:t>
             </a:r>
           </a:p>
         </p:txBody>

--- a/images/design.pptx
+++ b/images/design.pptx
@@ -5,9 +5,10 @@
     <p:sldMasterId id="2147483648" r:id="rId1"/>
   </p:sldMasterIdLst>
   <p:sldIdLst>
-    <p:sldId id="256" r:id="rId2"/>
-    <p:sldId id="257" r:id="rId3"/>
-    <p:sldId id="258" r:id="rId4"/>
+    <p:sldId id="259" r:id="rId2"/>
+    <p:sldId id="256" r:id="rId3"/>
+    <p:sldId id="257" r:id="rId4"/>
+    <p:sldId id="258" r:id="rId5"/>
   </p:sldIdLst>
   <p:sldSz cx="12192000" cy="6858000"/>
   <p:notesSz cx="6858000" cy="9144000"/>
@@ -3309,6 +3310,1057 @@
 </file>
 
 <file path=ppt/slides/slide1.xml><?xml version="1.0" encoding="utf-8"?>
+<p:sld xmlns:a="http://schemas.openxmlformats.org/drawingml/2006/main" xmlns:r="http://schemas.openxmlformats.org/officeDocument/2006/relationships" xmlns:p="http://schemas.openxmlformats.org/presentationml/2006/main">
+  <p:cSld>
+    <p:spTree>
+      <p:nvGrpSpPr>
+        <p:cNvPr id="1" name=""/>
+        <p:cNvGrpSpPr/>
+        <p:nvPr/>
+      </p:nvGrpSpPr>
+      <p:grpSpPr>
+        <a:xfrm>
+          <a:off x="0" y="0"/>
+          <a:ext cx="0" cy="0"/>
+          <a:chOff x="0" y="0"/>
+          <a:chExt cx="0" cy="0"/>
+        </a:xfrm>
+      </p:grpSpPr>
+      <p:sp>
+        <p:nvSpPr>
+          <p:cNvPr id="4" name="TextBox 3">
+            <a:extLst>
+              <a:ext uri="{FF2B5EF4-FFF2-40B4-BE49-F238E27FC236}">
+                <a16:creationId xmlns:a16="http://schemas.microsoft.com/office/drawing/2014/main" id="{F7E2834E-F2A9-3C0D-5E2A-1667A711E0F0}"/>
+              </a:ext>
+            </a:extLst>
+          </p:cNvPr>
+          <p:cNvSpPr txBox="1"/>
+          <p:nvPr/>
+        </p:nvSpPr>
+        <p:spPr>
+          <a:xfrm>
+            <a:off x="352203" y="478488"/>
+            <a:ext cx="2309735" cy="430887"/>
+          </a:xfrm>
+          <a:prstGeom prst="rect">
+            <a:avLst/>
+          </a:prstGeom>
+          <a:noFill/>
+        </p:spPr>
+        <p:txBody>
+          <a:bodyPr wrap="none" rtlCol="0">
+            <a:spAutoFit/>
+          </a:bodyPr>
+          <a:lstStyle/>
+          <a:p>
+            <a:r>
+              <a:rPr lang="en-US" sz="2200"/>
+              <a:t>JFrog loves plugins</a:t>
+            </a:r>
+            <a:endParaRPr lang="en-CN" sz="2200"/>
+          </a:p>
+        </p:txBody>
+      </p:sp>
+      <p:grpSp>
+        <p:nvGrpSpPr>
+          <p:cNvPr id="66" name="Group 65">
+            <a:extLst>
+              <a:ext uri="{FF2B5EF4-FFF2-40B4-BE49-F238E27FC236}">
+                <a16:creationId xmlns:a16="http://schemas.microsoft.com/office/drawing/2014/main" id="{972FC7E5-6B05-2782-E399-1EF001122C24}"/>
+              </a:ext>
+            </a:extLst>
+          </p:cNvPr>
+          <p:cNvGrpSpPr/>
+          <p:nvPr/>
+        </p:nvGrpSpPr>
+        <p:grpSpPr>
+          <a:xfrm>
+            <a:off x="2070348" y="1826236"/>
+            <a:ext cx="9284390" cy="3205528"/>
+            <a:chOff x="1939719" y="1988023"/>
+            <a:chExt cx="9284390" cy="3205528"/>
+          </a:xfrm>
+        </p:grpSpPr>
+        <p:sp>
+          <p:nvSpPr>
+            <p:cNvPr id="8" name="TextBox 7">
+              <a:extLst>
+                <a:ext uri="{FF2B5EF4-FFF2-40B4-BE49-F238E27FC236}">
+                  <a16:creationId xmlns:a16="http://schemas.microsoft.com/office/drawing/2014/main" id="{70D8C536-8984-CEF2-E2A3-8A2A6ACF4DE6}"/>
+                </a:ext>
+              </a:extLst>
+            </p:cNvPr>
+            <p:cNvSpPr txBox="1"/>
+            <p:nvPr/>
+          </p:nvSpPr>
+          <p:spPr>
+            <a:xfrm>
+              <a:off x="4633991" y="2058904"/>
+              <a:ext cx="1625253" cy="369332"/>
+            </a:xfrm>
+            <a:prstGeom prst="rect">
+              <a:avLst/>
+            </a:prstGeom>
+            <a:noFill/>
+            <a:ln>
+              <a:solidFill>
+                <a:schemeClr val="tx1"/>
+              </a:solidFill>
+            </a:ln>
+          </p:spPr>
+          <p:txBody>
+            <a:bodyPr wrap="none" rtlCol="0">
+              <a:spAutoFit/>
+            </a:bodyPr>
+            <a:lstStyle/>
+            <a:p>
+              <a:r>
+                <a:rPr lang="en-CN"/>
+                <a:t>JFrog CI Plugins</a:t>
+              </a:r>
+            </a:p>
+          </p:txBody>
+        </p:sp>
+        <p:pic>
+          <p:nvPicPr>
+            <p:cNvPr id="14" name="Picture 13">
+              <a:extLst>
+                <a:ext uri="{FF2B5EF4-FFF2-40B4-BE49-F238E27FC236}">
+                  <a16:creationId xmlns:a16="http://schemas.microsoft.com/office/drawing/2014/main" id="{3897B0AB-25DF-FF19-9C57-6B26D52900F5}"/>
+                </a:ext>
+              </a:extLst>
+            </p:cNvPr>
+            <p:cNvPicPr>
+              <a:picLocks noChangeAspect="1"/>
+            </p:cNvPicPr>
+            <p:nvPr/>
+          </p:nvPicPr>
+          <p:blipFill>
+            <a:blip r:embed="rId2"/>
+            <a:stretch>
+              <a:fillRect/>
+            </a:stretch>
+          </p:blipFill>
+          <p:spPr>
+            <a:xfrm>
+              <a:off x="7798425" y="1988023"/>
+              <a:ext cx="384639" cy="511095"/>
+            </a:xfrm>
+            <a:prstGeom prst="rect">
+              <a:avLst/>
+            </a:prstGeom>
+          </p:spPr>
+        </p:pic>
+        <p:sp>
+          <p:nvSpPr>
+            <p:cNvPr id="9" name="TextBox 8">
+              <a:extLst>
+                <a:ext uri="{FF2B5EF4-FFF2-40B4-BE49-F238E27FC236}">
+                  <a16:creationId xmlns:a16="http://schemas.microsoft.com/office/drawing/2014/main" id="{28B1F2E1-4247-B782-3DB0-9DB05C8D4983}"/>
+                </a:ext>
+              </a:extLst>
+            </p:cNvPr>
+            <p:cNvSpPr txBox="1"/>
+            <p:nvPr/>
+          </p:nvSpPr>
+          <p:spPr>
+            <a:xfrm>
+              <a:off x="4633991" y="2703547"/>
+              <a:ext cx="1756699" cy="369332"/>
+            </a:xfrm>
+            <a:prstGeom prst="rect">
+              <a:avLst/>
+            </a:prstGeom>
+            <a:noFill/>
+            <a:ln>
+              <a:solidFill>
+                <a:schemeClr val="tx1"/>
+              </a:solidFill>
+            </a:ln>
+          </p:spPr>
+          <p:txBody>
+            <a:bodyPr wrap="none" rtlCol="0">
+              <a:spAutoFit/>
+            </a:bodyPr>
+            <a:lstStyle/>
+            <a:p>
+              <a:r>
+                <a:rPr lang="en-CN"/>
+                <a:t>JFrog IDE Plugins</a:t>
+              </a:r>
+            </a:p>
+          </p:txBody>
+        </p:sp>
+        <p:pic>
+          <p:nvPicPr>
+            <p:cNvPr id="15" name="Picture 14">
+              <a:extLst>
+                <a:ext uri="{FF2B5EF4-FFF2-40B4-BE49-F238E27FC236}">
+                  <a16:creationId xmlns:a16="http://schemas.microsoft.com/office/drawing/2014/main" id="{C7DAF4FD-BD0A-4C96-1690-7DCF29DBE844}"/>
+                </a:ext>
+              </a:extLst>
+            </p:cNvPr>
+            <p:cNvPicPr>
+              <a:picLocks noChangeAspect="1"/>
+            </p:cNvPicPr>
+            <p:nvPr/>
+          </p:nvPicPr>
+          <p:blipFill>
+            <a:blip r:embed="rId3"/>
+            <a:stretch>
+              <a:fillRect/>
+            </a:stretch>
+          </p:blipFill>
+          <p:spPr>
+            <a:xfrm>
+              <a:off x="7750464" y="2656438"/>
+              <a:ext cx="480561" cy="463550"/>
+            </a:xfrm>
+            <a:prstGeom prst="rect">
+              <a:avLst/>
+            </a:prstGeom>
+          </p:spPr>
+        </p:pic>
+        <p:sp>
+          <p:nvSpPr>
+            <p:cNvPr id="7" name="TextBox 6">
+              <a:extLst>
+                <a:ext uri="{FF2B5EF4-FFF2-40B4-BE49-F238E27FC236}">
+                  <a16:creationId xmlns:a16="http://schemas.microsoft.com/office/drawing/2014/main" id="{208EB778-4313-AD3F-809D-A8D3FB737707}"/>
+                </a:ext>
+              </a:extLst>
+            </p:cNvPr>
+            <p:cNvSpPr txBox="1"/>
+            <p:nvPr/>
+          </p:nvSpPr>
+          <p:spPr>
+            <a:xfrm>
+              <a:off x="4633991" y="3233764"/>
+              <a:ext cx="2264851" cy="369332"/>
+            </a:xfrm>
+            <a:prstGeom prst="rect">
+              <a:avLst/>
+            </a:prstGeom>
+            <a:noFill/>
+            <a:ln>
+              <a:solidFill>
+                <a:schemeClr val="tx1"/>
+              </a:solidFill>
+            </a:ln>
+          </p:spPr>
+          <p:txBody>
+            <a:bodyPr wrap="none" rtlCol="0">
+              <a:spAutoFit/>
+            </a:bodyPr>
+            <a:lstStyle/>
+            <a:p>
+              <a:r>
+                <a:rPr lang="en-CN"/>
+                <a:t>JFrog CLI &amp; CLI Plugins</a:t>
+              </a:r>
+            </a:p>
+          </p:txBody>
+        </p:sp>
+        <p:pic>
+          <p:nvPicPr>
+            <p:cNvPr id="17" name="Picture 16">
+              <a:extLst>
+                <a:ext uri="{FF2B5EF4-FFF2-40B4-BE49-F238E27FC236}">
+                  <a16:creationId xmlns:a16="http://schemas.microsoft.com/office/drawing/2014/main" id="{88362F09-7251-450E-2334-6041A45B1FAC}"/>
+                </a:ext>
+              </a:extLst>
+            </p:cNvPr>
+            <p:cNvPicPr>
+              <a:picLocks noChangeAspect="1"/>
+            </p:cNvPicPr>
+            <p:nvPr/>
+          </p:nvPicPr>
+          <p:blipFill>
+            <a:blip r:embed="rId4"/>
+            <a:stretch>
+              <a:fillRect/>
+            </a:stretch>
+          </p:blipFill>
+          <p:spPr>
+            <a:xfrm>
+              <a:off x="7788820" y="3233764"/>
+              <a:ext cx="403849" cy="369332"/>
+            </a:xfrm>
+            <a:prstGeom prst="rect">
+              <a:avLst/>
+            </a:prstGeom>
+          </p:spPr>
+        </p:pic>
+        <p:sp>
+          <p:nvSpPr>
+            <p:cNvPr id="5" name="TextBox 4">
+              <a:extLst>
+                <a:ext uri="{FF2B5EF4-FFF2-40B4-BE49-F238E27FC236}">
+                  <a16:creationId xmlns:a16="http://schemas.microsoft.com/office/drawing/2014/main" id="{61228413-1EFE-2069-063C-2193D1E150A1}"/>
+                </a:ext>
+              </a:extLst>
+            </p:cNvPr>
+            <p:cNvSpPr txBox="1"/>
+            <p:nvPr/>
+          </p:nvSpPr>
+          <p:spPr>
+            <a:xfrm>
+              <a:off x="4633991" y="3801707"/>
+              <a:ext cx="1962717" cy="369332"/>
+            </a:xfrm>
+            <a:prstGeom prst="rect">
+              <a:avLst/>
+            </a:prstGeom>
+            <a:noFill/>
+            <a:ln>
+              <a:solidFill>
+                <a:schemeClr val="tx1"/>
+              </a:solidFill>
+            </a:ln>
+          </p:spPr>
+          <p:txBody>
+            <a:bodyPr wrap="none" rtlCol="0">
+              <a:spAutoFit/>
+            </a:bodyPr>
+            <a:lstStyle/>
+            <a:p>
+              <a:r>
+                <a:rPr lang="en-CN"/>
+                <a:t>JFrog Users Plugins</a:t>
+              </a:r>
+            </a:p>
+          </p:txBody>
+        </p:sp>
+        <p:pic>
+          <p:nvPicPr>
+            <p:cNvPr id="19" name="Picture 18">
+              <a:extLst>
+                <a:ext uri="{FF2B5EF4-FFF2-40B4-BE49-F238E27FC236}">
+                  <a16:creationId xmlns:a16="http://schemas.microsoft.com/office/drawing/2014/main" id="{C6563D29-1A79-ACB0-35EC-7920D80A6D9D}"/>
+                </a:ext>
+              </a:extLst>
+            </p:cNvPr>
+            <p:cNvPicPr>
+              <a:picLocks noChangeAspect="1"/>
+            </p:cNvPicPr>
+            <p:nvPr/>
+          </p:nvPicPr>
+          <p:blipFill>
+            <a:blip r:embed="rId5"/>
+            <a:stretch>
+              <a:fillRect/>
+            </a:stretch>
+          </p:blipFill>
+          <p:spPr>
+            <a:xfrm>
+              <a:off x="7675165" y="3822153"/>
+              <a:ext cx="631158" cy="328440"/>
+            </a:xfrm>
+            <a:prstGeom prst="rect">
+              <a:avLst/>
+            </a:prstGeom>
+          </p:spPr>
+        </p:pic>
+        <p:sp>
+          <p:nvSpPr>
+            <p:cNvPr id="10" name="TextBox 9">
+              <a:extLst>
+                <a:ext uri="{FF2B5EF4-FFF2-40B4-BE49-F238E27FC236}">
+                  <a16:creationId xmlns:a16="http://schemas.microsoft.com/office/drawing/2014/main" id="{B98BC0D6-0191-FF4D-B5BA-F0957B835B87}"/>
+                </a:ext>
+              </a:extLst>
+            </p:cNvPr>
+            <p:cNvSpPr txBox="1"/>
+            <p:nvPr/>
+          </p:nvSpPr>
+          <p:spPr>
+            <a:xfrm>
+              <a:off x="4633991" y="4824219"/>
+              <a:ext cx="1809598" cy="369332"/>
+            </a:xfrm>
+            <a:prstGeom prst="rect">
+              <a:avLst/>
+            </a:prstGeom>
+            <a:noFill/>
+            <a:ln>
+              <a:solidFill>
+                <a:srgbClr val="00B050"/>
+              </a:solidFill>
+            </a:ln>
+          </p:spPr>
+          <p:txBody>
+            <a:bodyPr wrap="none" rtlCol="0">
+              <a:spAutoFit/>
+            </a:bodyPr>
+            <a:lstStyle/>
+            <a:p>
+              <a:r>
+                <a:rPr lang="en-CN"/>
+                <a:t>JFrog UI Plugins ?</a:t>
+              </a:r>
+            </a:p>
+          </p:txBody>
+        </p:sp>
+        <p:sp>
+          <p:nvSpPr>
+            <p:cNvPr id="27" name="TextBox 26">
+              <a:extLst>
+                <a:ext uri="{FF2B5EF4-FFF2-40B4-BE49-F238E27FC236}">
+                  <a16:creationId xmlns:a16="http://schemas.microsoft.com/office/drawing/2014/main" id="{3446230B-15F3-CCF3-087E-8B104D0E4C85}"/>
+                </a:ext>
+              </a:extLst>
+            </p:cNvPr>
+            <p:cNvSpPr txBox="1"/>
+            <p:nvPr/>
+          </p:nvSpPr>
+          <p:spPr>
+            <a:xfrm>
+              <a:off x="7658453" y="4854996"/>
+              <a:ext cx="3565656" cy="307777"/>
+            </a:xfrm>
+            <a:prstGeom prst="rect">
+              <a:avLst/>
+            </a:prstGeom>
+            <a:noFill/>
+          </p:spPr>
+          <p:txBody>
+            <a:bodyPr wrap="none" rtlCol="0">
+              <a:spAutoFit/>
+            </a:bodyPr>
+            <a:lstStyle/>
+            <a:p>
+              <a:r>
+                <a:rPr lang="en-US" sz="1400"/>
+                <a:t>https://github.com/kyle11235/jfrog-ui-plugins</a:t>
+              </a:r>
+              <a:endParaRPr lang="en-CN" sz="1400"/>
+            </a:p>
+          </p:txBody>
+        </p:sp>
+        <p:sp>
+          <p:nvSpPr>
+            <p:cNvPr id="32" name="TextBox 31">
+              <a:extLst>
+                <a:ext uri="{FF2B5EF4-FFF2-40B4-BE49-F238E27FC236}">
+                  <a16:creationId xmlns:a16="http://schemas.microsoft.com/office/drawing/2014/main" id="{2ACD88FC-2A9D-5FEC-79AB-4E41AAAA321C}"/>
+                </a:ext>
+              </a:extLst>
+            </p:cNvPr>
+            <p:cNvSpPr txBox="1"/>
+            <p:nvPr/>
+          </p:nvSpPr>
+          <p:spPr>
+            <a:xfrm>
+              <a:off x="1939721" y="2058904"/>
+              <a:ext cx="1745734" cy="369332"/>
+            </a:xfrm>
+            <a:prstGeom prst="rect">
+              <a:avLst/>
+            </a:prstGeom>
+            <a:noFill/>
+          </p:spPr>
+          <p:txBody>
+            <a:bodyPr wrap="none" rtlCol="0">
+              <a:spAutoFit/>
+            </a:bodyPr>
+            <a:lstStyle/>
+            <a:p>
+              <a:r>
+                <a:rPr lang="en-CN"/>
+                <a:t>Build Integration</a:t>
+              </a:r>
+            </a:p>
+          </p:txBody>
+        </p:sp>
+        <p:sp>
+          <p:nvSpPr>
+            <p:cNvPr id="33" name="TextBox 32">
+              <a:extLst>
+                <a:ext uri="{FF2B5EF4-FFF2-40B4-BE49-F238E27FC236}">
+                  <a16:creationId xmlns:a16="http://schemas.microsoft.com/office/drawing/2014/main" id="{D7A8E5DF-CED0-BD08-B1A3-1504C5E1536F}"/>
+                </a:ext>
+              </a:extLst>
+            </p:cNvPr>
+            <p:cNvSpPr txBox="1"/>
+            <p:nvPr/>
+          </p:nvSpPr>
+          <p:spPr>
+            <a:xfrm>
+              <a:off x="1939721" y="2703547"/>
+              <a:ext cx="1857111" cy="369332"/>
+            </a:xfrm>
+            <a:prstGeom prst="rect">
+              <a:avLst/>
+            </a:prstGeom>
+            <a:noFill/>
+          </p:spPr>
+          <p:txBody>
+            <a:bodyPr wrap="none" rtlCol="0">
+              <a:spAutoFit/>
+            </a:bodyPr>
+            <a:lstStyle/>
+            <a:p>
+              <a:r>
+                <a:rPr lang="en-US"/>
+                <a:t>Vulnerability Scan</a:t>
+              </a:r>
+              <a:endParaRPr lang="en-CN"/>
+            </a:p>
+          </p:txBody>
+        </p:sp>
+        <p:sp>
+          <p:nvSpPr>
+            <p:cNvPr id="34" name="TextBox 33">
+              <a:extLst>
+                <a:ext uri="{FF2B5EF4-FFF2-40B4-BE49-F238E27FC236}">
+                  <a16:creationId xmlns:a16="http://schemas.microsoft.com/office/drawing/2014/main" id="{CF97CDA8-D3C7-FAA5-8CAF-E94E6FDA267E}"/>
+                </a:ext>
+              </a:extLst>
+            </p:cNvPr>
+            <p:cNvSpPr txBox="1"/>
+            <p:nvPr/>
+          </p:nvSpPr>
+          <p:spPr>
+            <a:xfrm>
+              <a:off x="1939720" y="3233764"/>
+              <a:ext cx="1131592" cy="369332"/>
+            </a:xfrm>
+            <a:prstGeom prst="rect">
+              <a:avLst/>
+            </a:prstGeom>
+            <a:noFill/>
+          </p:spPr>
+          <p:txBody>
+            <a:bodyPr wrap="none" rtlCol="0">
+              <a:spAutoFit/>
+            </a:bodyPr>
+            <a:lstStyle/>
+            <a:p>
+              <a:r>
+                <a:rPr lang="en-US"/>
+                <a:t>Operation</a:t>
+              </a:r>
+              <a:endParaRPr lang="en-CN"/>
+            </a:p>
+          </p:txBody>
+        </p:sp>
+        <p:sp>
+          <p:nvSpPr>
+            <p:cNvPr id="35" name="TextBox 34">
+              <a:extLst>
+                <a:ext uri="{FF2B5EF4-FFF2-40B4-BE49-F238E27FC236}">
+                  <a16:creationId xmlns:a16="http://schemas.microsoft.com/office/drawing/2014/main" id="{B0DA4C18-3CFA-0BAC-DFD0-B2D89DF32AD6}"/>
+                </a:ext>
+              </a:extLst>
+            </p:cNvPr>
+            <p:cNvSpPr txBox="1"/>
+            <p:nvPr/>
+          </p:nvSpPr>
+          <p:spPr>
+            <a:xfrm>
+              <a:off x="1939720" y="3801707"/>
+              <a:ext cx="952505" cy="369332"/>
+            </a:xfrm>
+            <a:prstGeom prst="rect">
+              <a:avLst/>
+            </a:prstGeom>
+            <a:noFill/>
+          </p:spPr>
+          <p:txBody>
+            <a:bodyPr wrap="none" rtlCol="0">
+              <a:spAutoFit/>
+            </a:bodyPr>
+            <a:lstStyle/>
+            <a:p>
+              <a:r>
+                <a:rPr lang="en-US"/>
+                <a:t>Cleanup</a:t>
+              </a:r>
+              <a:endParaRPr lang="en-CN"/>
+            </a:p>
+          </p:txBody>
+        </p:sp>
+        <p:sp>
+          <p:nvSpPr>
+            <p:cNvPr id="36" name="TextBox 35">
+              <a:extLst>
+                <a:ext uri="{FF2B5EF4-FFF2-40B4-BE49-F238E27FC236}">
+                  <a16:creationId xmlns:a16="http://schemas.microsoft.com/office/drawing/2014/main" id="{172709C7-FC75-DEC9-DA14-37AE08AF9DF3}"/>
+                </a:ext>
+              </a:extLst>
+            </p:cNvPr>
+            <p:cNvSpPr txBox="1"/>
+            <p:nvPr/>
+          </p:nvSpPr>
+          <p:spPr>
+            <a:xfrm>
+              <a:off x="1939719" y="4824219"/>
+              <a:ext cx="1532407" cy="369332"/>
+            </a:xfrm>
+            <a:prstGeom prst="rect">
+              <a:avLst/>
+            </a:prstGeom>
+            <a:noFill/>
+          </p:spPr>
+          <p:txBody>
+            <a:bodyPr wrap="none" rtlCol="0">
+              <a:spAutoFit/>
+            </a:bodyPr>
+            <a:lstStyle/>
+            <a:p>
+              <a:r>
+                <a:rPr lang="en-US"/>
+                <a:t>Customized UI</a:t>
+              </a:r>
+              <a:endParaRPr lang="en-CN"/>
+            </a:p>
+          </p:txBody>
+        </p:sp>
+        <p:cxnSp>
+          <p:nvCxnSpPr>
+            <p:cNvPr id="38" name="Straight Arrow Connector 37">
+              <a:extLst>
+                <a:ext uri="{FF2B5EF4-FFF2-40B4-BE49-F238E27FC236}">
+                  <a16:creationId xmlns:a16="http://schemas.microsoft.com/office/drawing/2014/main" id="{3C9C3B80-2D49-A137-AF21-BD92D42D7985}"/>
+                </a:ext>
+              </a:extLst>
+            </p:cNvPr>
+            <p:cNvCxnSpPr>
+              <a:stCxn id="32" idx="3"/>
+              <a:endCxn id="8" idx="1"/>
+            </p:cNvCxnSpPr>
+            <p:nvPr/>
+          </p:nvCxnSpPr>
+          <p:spPr>
+            <a:xfrm>
+              <a:off x="3685455" y="2243570"/>
+              <a:ext cx="948536" cy="0"/>
+            </a:xfrm>
+            <a:prstGeom prst="straightConnector1">
+              <a:avLst/>
+            </a:prstGeom>
+            <a:ln>
+              <a:tailEnd type="triangle"/>
+            </a:ln>
+          </p:spPr>
+          <p:style>
+            <a:lnRef idx="1">
+              <a:schemeClr val="dk1"/>
+            </a:lnRef>
+            <a:fillRef idx="0">
+              <a:schemeClr val="dk1"/>
+            </a:fillRef>
+            <a:effectRef idx="0">
+              <a:schemeClr val="dk1"/>
+            </a:effectRef>
+            <a:fontRef idx="minor">
+              <a:schemeClr val="tx1"/>
+            </a:fontRef>
+          </p:style>
+        </p:cxnSp>
+        <p:cxnSp>
+          <p:nvCxnSpPr>
+            <p:cNvPr id="39" name="Straight Arrow Connector 38">
+              <a:extLst>
+                <a:ext uri="{FF2B5EF4-FFF2-40B4-BE49-F238E27FC236}">
+                  <a16:creationId xmlns:a16="http://schemas.microsoft.com/office/drawing/2014/main" id="{C21C0DCB-82AA-73CA-7A75-634C77F72572}"/>
+                </a:ext>
+              </a:extLst>
+            </p:cNvPr>
+            <p:cNvCxnSpPr>
+              <a:cxnSpLocks/>
+              <a:stCxn id="8" idx="3"/>
+              <a:endCxn id="14" idx="1"/>
+            </p:cNvCxnSpPr>
+            <p:nvPr/>
+          </p:nvCxnSpPr>
+          <p:spPr>
+            <a:xfrm>
+              <a:off x="6259244" y="2243570"/>
+              <a:ext cx="1539181" cy="1"/>
+            </a:xfrm>
+            <a:prstGeom prst="straightConnector1">
+              <a:avLst/>
+            </a:prstGeom>
+            <a:ln>
+              <a:tailEnd type="triangle"/>
+            </a:ln>
+          </p:spPr>
+          <p:style>
+            <a:lnRef idx="1">
+              <a:schemeClr val="dk1"/>
+            </a:lnRef>
+            <a:fillRef idx="0">
+              <a:schemeClr val="dk1"/>
+            </a:fillRef>
+            <a:effectRef idx="0">
+              <a:schemeClr val="dk1"/>
+            </a:effectRef>
+            <a:fontRef idx="minor">
+              <a:schemeClr val="tx1"/>
+            </a:fontRef>
+          </p:style>
+        </p:cxnSp>
+        <p:cxnSp>
+          <p:nvCxnSpPr>
+            <p:cNvPr id="42" name="Straight Arrow Connector 41">
+              <a:extLst>
+                <a:ext uri="{FF2B5EF4-FFF2-40B4-BE49-F238E27FC236}">
+                  <a16:creationId xmlns:a16="http://schemas.microsoft.com/office/drawing/2014/main" id="{0EA5A8CD-0083-D8A7-6F4B-316228B44188}"/>
+                </a:ext>
+              </a:extLst>
+            </p:cNvPr>
+            <p:cNvCxnSpPr>
+              <a:cxnSpLocks/>
+              <a:stCxn id="33" idx="3"/>
+              <a:endCxn id="9" idx="1"/>
+            </p:cNvCxnSpPr>
+            <p:nvPr/>
+          </p:nvCxnSpPr>
+          <p:spPr>
+            <a:xfrm>
+              <a:off x="3796832" y="2888213"/>
+              <a:ext cx="837159" cy="0"/>
+            </a:xfrm>
+            <a:prstGeom prst="straightConnector1">
+              <a:avLst/>
+            </a:prstGeom>
+            <a:ln>
+              <a:tailEnd type="triangle"/>
+            </a:ln>
+          </p:spPr>
+          <p:style>
+            <a:lnRef idx="1">
+              <a:schemeClr val="dk1"/>
+            </a:lnRef>
+            <a:fillRef idx="0">
+              <a:schemeClr val="dk1"/>
+            </a:fillRef>
+            <a:effectRef idx="0">
+              <a:schemeClr val="dk1"/>
+            </a:effectRef>
+            <a:fontRef idx="minor">
+              <a:schemeClr val="tx1"/>
+            </a:fontRef>
+          </p:style>
+        </p:cxnSp>
+        <p:cxnSp>
+          <p:nvCxnSpPr>
+            <p:cNvPr id="45" name="Straight Arrow Connector 44">
+              <a:extLst>
+                <a:ext uri="{FF2B5EF4-FFF2-40B4-BE49-F238E27FC236}">
+                  <a16:creationId xmlns:a16="http://schemas.microsoft.com/office/drawing/2014/main" id="{E1915510-D3E5-3C77-2295-9A7BFE9E2BC9}"/>
+                </a:ext>
+              </a:extLst>
+            </p:cNvPr>
+            <p:cNvCxnSpPr>
+              <a:cxnSpLocks/>
+              <a:stCxn id="9" idx="3"/>
+              <a:endCxn id="15" idx="1"/>
+            </p:cNvCxnSpPr>
+            <p:nvPr/>
+          </p:nvCxnSpPr>
+          <p:spPr>
+            <a:xfrm>
+              <a:off x="6390690" y="2888213"/>
+              <a:ext cx="1359774" cy="0"/>
+            </a:xfrm>
+            <a:prstGeom prst="straightConnector1">
+              <a:avLst/>
+            </a:prstGeom>
+            <a:ln>
+              <a:tailEnd type="triangle"/>
+            </a:ln>
+          </p:spPr>
+          <p:style>
+            <a:lnRef idx="1">
+              <a:schemeClr val="dk1"/>
+            </a:lnRef>
+            <a:fillRef idx="0">
+              <a:schemeClr val="dk1"/>
+            </a:fillRef>
+            <a:effectRef idx="0">
+              <a:schemeClr val="dk1"/>
+            </a:effectRef>
+            <a:fontRef idx="minor">
+              <a:schemeClr val="tx1"/>
+            </a:fontRef>
+          </p:style>
+        </p:cxnSp>
+        <p:cxnSp>
+          <p:nvCxnSpPr>
+            <p:cNvPr id="48" name="Straight Arrow Connector 47">
+              <a:extLst>
+                <a:ext uri="{FF2B5EF4-FFF2-40B4-BE49-F238E27FC236}">
+                  <a16:creationId xmlns:a16="http://schemas.microsoft.com/office/drawing/2014/main" id="{C7C1CAB7-152F-CAFD-B73A-C4BF47EF9A40}"/>
+                </a:ext>
+              </a:extLst>
+            </p:cNvPr>
+            <p:cNvCxnSpPr>
+              <a:cxnSpLocks/>
+              <a:stCxn id="7" idx="3"/>
+              <a:endCxn id="17" idx="1"/>
+            </p:cNvCxnSpPr>
+            <p:nvPr/>
+          </p:nvCxnSpPr>
+          <p:spPr>
+            <a:xfrm>
+              <a:off x="6898842" y="3418430"/>
+              <a:ext cx="889978" cy="0"/>
+            </a:xfrm>
+            <a:prstGeom prst="straightConnector1">
+              <a:avLst/>
+            </a:prstGeom>
+            <a:ln>
+              <a:tailEnd type="triangle"/>
+            </a:ln>
+          </p:spPr>
+          <p:style>
+            <a:lnRef idx="1">
+              <a:schemeClr val="dk1"/>
+            </a:lnRef>
+            <a:fillRef idx="0">
+              <a:schemeClr val="dk1"/>
+            </a:fillRef>
+            <a:effectRef idx="0">
+              <a:schemeClr val="dk1"/>
+            </a:effectRef>
+            <a:fontRef idx="minor">
+              <a:schemeClr val="tx1"/>
+            </a:fontRef>
+          </p:style>
+        </p:cxnSp>
+        <p:cxnSp>
+          <p:nvCxnSpPr>
+            <p:cNvPr id="51" name="Straight Arrow Connector 50">
+              <a:extLst>
+                <a:ext uri="{FF2B5EF4-FFF2-40B4-BE49-F238E27FC236}">
+                  <a16:creationId xmlns:a16="http://schemas.microsoft.com/office/drawing/2014/main" id="{263F1C03-133E-6257-23E0-946DAB00B8F3}"/>
+                </a:ext>
+              </a:extLst>
+            </p:cNvPr>
+            <p:cNvCxnSpPr>
+              <a:cxnSpLocks/>
+              <a:stCxn id="34" idx="3"/>
+              <a:endCxn id="7" idx="1"/>
+            </p:cNvCxnSpPr>
+            <p:nvPr/>
+          </p:nvCxnSpPr>
+          <p:spPr>
+            <a:xfrm>
+              <a:off x="3071312" y="3418430"/>
+              <a:ext cx="1562679" cy="0"/>
+            </a:xfrm>
+            <a:prstGeom prst="straightConnector1">
+              <a:avLst/>
+            </a:prstGeom>
+            <a:ln>
+              <a:tailEnd type="triangle"/>
+            </a:ln>
+          </p:spPr>
+          <p:style>
+            <a:lnRef idx="1">
+              <a:schemeClr val="dk1"/>
+            </a:lnRef>
+            <a:fillRef idx="0">
+              <a:schemeClr val="dk1"/>
+            </a:fillRef>
+            <a:effectRef idx="0">
+              <a:schemeClr val="dk1"/>
+            </a:effectRef>
+            <a:fontRef idx="minor">
+              <a:schemeClr val="tx1"/>
+            </a:fontRef>
+          </p:style>
+        </p:cxnSp>
+        <p:cxnSp>
+          <p:nvCxnSpPr>
+            <p:cNvPr id="54" name="Straight Arrow Connector 53">
+              <a:extLst>
+                <a:ext uri="{FF2B5EF4-FFF2-40B4-BE49-F238E27FC236}">
+                  <a16:creationId xmlns:a16="http://schemas.microsoft.com/office/drawing/2014/main" id="{4DAE290F-ADC8-E85A-1FB5-057916327289}"/>
+                </a:ext>
+              </a:extLst>
+            </p:cNvPr>
+            <p:cNvCxnSpPr>
+              <a:cxnSpLocks/>
+              <a:stCxn id="35" idx="3"/>
+              <a:endCxn id="5" idx="1"/>
+            </p:cNvCxnSpPr>
+            <p:nvPr/>
+          </p:nvCxnSpPr>
+          <p:spPr>
+            <a:xfrm>
+              <a:off x="2892225" y="3986373"/>
+              <a:ext cx="1741766" cy="0"/>
+            </a:xfrm>
+            <a:prstGeom prst="straightConnector1">
+              <a:avLst/>
+            </a:prstGeom>
+            <a:ln>
+              <a:tailEnd type="triangle"/>
+            </a:ln>
+          </p:spPr>
+          <p:style>
+            <a:lnRef idx="1">
+              <a:schemeClr val="dk1"/>
+            </a:lnRef>
+            <a:fillRef idx="0">
+              <a:schemeClr val="dk1"/>
+            </a:fillRef>
+            <a:effectRef idx="0">
+              <a:schemeClr val="dk1"/>
+            </a:effectRef>
+            <a:fontRef idx="minor">
+              <a:schemeClr val="tx1"/>
+            </a:fontRef>
+          </p:style>
+        </p:cxnSp>
+        <p:cxnSp>
+          <p:nvCxnSpPr>
+            <p:cNvPr id="57" name="Straight Arrow Connector 56">
+              <a:extLst>
+                <a:ext uri="{FF2B5EF4-FFF2-40B4-BE49-F238E27FC236}">
+                  <a16:creationId xmlns:a16="http://schemas.microsoft.com/office/drawing/2014/main" id="{87D9BF76-9D1B-2C73-A9C9-F506E2EC951F}"/>
+                </a:ext>
+              </a:extLst>
+            </p:cNvPr>
+            <p:cNvCxnSpPr>
+              <a:cxnSpLocks/>
+              <a:stCxn id="5" idx="3"/>
+              <a:endCxn id="19" idx="1"/>
+            </p:cNvCxnSpPr>
+            <p:nvPr/>
+          </p:nvCxnSpPr>
+          <p:spPr>
+            <a:xfrm>
+              <a:off x="6596708" y="3986373"/>
+              <a:ext cx="1078457" cy="0"/>
+            </a:xfrm>
+            <a:prstGeom prst="straightConnector1">
+              <a:avLst/>
+            </a:prstGeom>
+            <a:ln>
+              <a:tailEnd type="triangle"/>
+            </a:ln>
+          </p:spPr>
+          <p:style>
+            <a:lnRef idx="1">
+              <a:schemeClr val="dk1"/>
+            </a:lnRef>
+            <a:fillRef idx="0">
+              <a:schemeClr val="dk1"/>
+            </a:fillRef>
+            <a:effectRef idx="0">
+              <a:schemeClr val="dk1"/>
+            </a:effectRef>
+            <a:fontRef idx="minor">
+              <a:schemeClr val="tx1"/>
+            </a:fontRef>
+          </p:style>
+        </p:cxnSp>
+        <p:cxnSp>
+          <p:nvCxnSpPr>
+            <p:cNvPr id="60" name="Straight Arrow Connector 59">
+              <a:extLst>
+                <a:ext uri="{FF2B5EF4-FFF2-40B4-BE49-F238E27FC236}">
+                  <a16:creationId xmlns:a16="http://schemas.microsoft.com/office/drawing/2014/main" id="{EFA953E8-3B57-2406-F102-0A00CDCBACD3}"/>
+                </a:ext>
+              </a:extLst>
+            </p:cNvPr>
+            <p:cNvCxnSpPr>
+              <a:cxnSpLocks/>
+              <a:stCxn id="36" idx="3"/>
+              <a:endCxn id="10" idx="1"/>
+            </p:cNvCxnSpPr>
+            <p:nvPr/>
+          </p:nvCxnSpPr>
+          <p:spPr>
+            <a:xfrm>
+              <a:off x="3472126" y="5008885"/>
+              <a:ext cx="1161865" cy="0"/>
+            </a:xfrm>
+            <a:prstGeom prst="straightConnector1">
+              <a:avLst/>
+            </a:prstGeom>
+            <a:ln>
+              <a:tailEnd type="triangle"/>
+            </a:ln>
+          </p:spPr>
+          <p:style>
+            <a:lnRef idx="1">
+              <a:schemeClr val="dk1"/>
+            </a:lnRef>
+            <a:fillRef idx="0">
+              <a:schemeClr val="dk1"/>
+            </a:fillRef>
+            <a:effectRef idx="0">
+              <a:schemeClr val="dk1"/>
+            </a:effectRef>
+            <a:fontRef idx="minor">
+              <a:schemeClr val="tx1"/>
+            </a:fontRef>
+          </p:style>
+        </p:cxnSp>
+        <p:cxnSp>
+          <p:nvCxnSpPr>
+            <p:cNvPr id="63" name="Straight Arrow Connector 62">
+              <a:extLst>
+                <a:ext uri="{FF2B5EF4-FFF2-40B4-BE49-F238E27FC236}">
+                  <a16:creationId xmlns:a16="http://schemas.microsoft.com/office/drawing/2014/main" id="{13DE07E0-6814-D599-2BBC-8CA6FD011F34}"/>
+                </a:ext>
+              </a:extLst>
+            </p:cNvPr>
+            <p:cNvCxnSpPr>
+              <a:cxnSpLocks/>
+              <a:stCxn id="10" idx="3"/>
+              <a:endCxn id="27" idx="1"/>
+            </p:cNvCxnSpPr>
+            <p:nvPr/>
+          </p:nvCxnSpPr>
+          <p:spPr>
+            <a:xfrm>
+              <a:off x="6443589" y="5008885"/>
+              <a:ext cx="1214864" cy="0"/>
+            </a:xfrm>
+            <a:prstGeom prst="straightConnector1">
+              <a:avLst/>
+            </a:prstGeom>
+            <a:ln>
+              <a:tailEnd type="triangle"/>
+            </a:ln>
+          </p:spPr>
+          <p:style>
+            <a:lnRef idx="1">
+              <a:schemeClr val="dk1"/>
+            </a:lnRef>
+            <a:fillRef idx="0">
+              <a:schemeClr val="dk1"/>
+            </a:fillRef>
+            <a:effectRef idx="0">
+              <a:schemeClr val="dk1"/>
+            </a:effectRef>
+            <a:fontRef idx="minor">
+              <a:schemeClr val="tx1"/>
+            </a:fontRef>
+          </p:style>
+        </p:cxnSp>
+      </p:grpSp>
+    </p:spTree>
+    <p:extLst>
+      <p:ext uri="{BB962C8B-B14F-4D97-AF65-F5344CB8AC3E}">
+        <p14:creationId xmlns:p14="http://schemas.microsoft.com/office/powerpoint/2010/main" val="2917755470"/>
+      </p:ext>
+    </p:extLst>
+  </p:cSld>
+  <p:clrMapOvr>
+    <a:masterClrMapping/>
+  </p:clrMapOvr>
+</p:sld>
+</file>
+
+<file path=ppt/slides/slide2.xml><?xml version="1.0" encoding="utf-8"?>
 <p:sld xmlns:a="http://schemas.openxmlformats.org/drawingml/2006/main" xmlns:r="http://schemas.openxmlformats.org/officeDocument/2006/relationships" xmlns:p="http://schemas.openxmlformats.org/presentationml/2006/main">
   <p:cSld>
     <p:spTree>
@@ -4540,7 +5592,7 @@
 </p:sld>
 </file>
 
-<file path=ppt/slides/slide2.xml><?xml version="1.0" encoding="utf-8"?>
+<file path=ppt/slides/slide3.xml><?xml version="1.0" encoding="utf-8"?>
 <p:sld xmlns:a="http://schemas.openxmlformats.org/drawingml/2006/main" xmlns:r="http://schemas.openxmlformats.org/officeDocument/2006/relationships" xmlns:p="http://schemas.openxmlformats.org/presentationml/2006/main">
   <p:cSld>
     <p:spTree>
@@ -6069,7 +7121,7 @@
 </p:sld>
 </file>
 
-<file path=ppt/slides/slide3.xml><?xml version="1.0" encoding="utf-8"?>
+<file path=ppt/slides/slide4.xml><?xml version="1.0" encoding="utf-8"?>
 <p:sld xmlns:a="http://schemas.openxmlformats.org/drawingml/2006/main" xmlns:r="http://schemas.openxmlformats.org/officeDocument/2006/relationships" xmlns:p="http://schemas.openxmlformats.org/presentationml/2006/main">
   <p:cSld>
     <p:spTree>

--- a/images/design.pptx
+++ b/images/design.pptx
@@ -3362,991 +3362,1022 @@
           </a:p>
         </p:txBody>
       </p:sp>
-      <p:grpSp>
-        <p:nvGrpSpPr>
-          <p:cNvPr id="66" name="Group 65">
-            <a:extLst>
-              <a:ext uri="{FF2B5EF4-FFF2-40B4-BE49-F238E27FC236}">
-                <a16:creationId xmlns:a16="http://schemas.microsoft.com/office/drawing/2014/main" id="{972FC7E5-6B05-2782-E399-1EF001122C24}"/>
-              </a:ext>
-            </a:extLst>
-          </p:cNvPr>
-          <p:cNvGrpSpPr/>
+      <p:sp>
+        <p:nvSpPr>
+          <p:cNvPr id="8" name="TextBox 7">
+            <a:extLst>
+              <a:ext uri="{FF2B5EF4-FFF2-40B4-BE49-F238E27FC236}">
+                <a16:creationId xmlns:a16="http://schemas.microsoft.com/office/drawing/2014/main" id="{70D8C536-8984-CEF2-E2A3-8A2A6ACF4DE6}"/>
+              </a:ext>
+            </a:extLst>
+          </p:cNvPr>
+          <p:cNvSpPr txBox="1"/>
           <p:nvPr/>
-        </p:nvGrpSpPr>
-        <p:grpSpPr>
+        </p:nvSpPr>
+        <p:spPr>
           <a:xfrm>
-            <a:off x="2070348" y="1826236"/>
-            <a:ext cx="9284390" cy="3205528"/>
-            <a:chOff x="1939719" y="1988023"/>
-            <a:chExt cx="9284390" cy="3205528"/>
+            <a:off x="4764620" y="1897117"/>
+            <a:ext cx="1625253" cy="369332"/>
           </a:xfrm>
-        </p:grpSpPr>
-        <p:sp>
-          <p:nvSpPr>
-            <p:cNvPr id="8" name="TextBox 7">
-              <a:extLst>
-                <a:ext uri="{FF2B5EF4-FFF2-40B4-BE49-F238E27FC236}">
-                  <a16:creationId xmlns:a16="http://schemas.microsoft.com/office/drawing/2014/main" id="{70D8C536-8984-CEF2-E2A3-8A2A6ACF4DE6}"/>
-                </a:ext>
-              </a:extLst>
-            </p:cNvPr>
-            <p:cNvSpPr txBox="1"/>
-            <p:nvPr/>
-          </p:nvSpPr>
-          <p:spPr>
-            <a:xfrm>
-              <a:off x="4633991" y="2058904"/>
-              <a:ext cx="1625253" cy="369332"/>
-            </a:xfrm>
-            <a:prstGeom prst="rect">
-              <a:avLst/>
-            </a:prstGeom>
-            <a:noFill/>
-            <a:ln>
-              <a:solidFill>
-                <a:schemeClr val="tx1"/>
-              </a:solidFill>
-            </a:ln>
-          </p:spPr>
-          <p:txBody>
-            <a:bodyPr wrap="none" rtlCol="0">
-              <a:spAutoFit/>
-            </a:bodyPr>
-            <a:lstStyle/>
-            <a:p>
-              <a:r>
-                <a:rPr lang="en-CN"/>
-                <a:t>JFrog CI Plugins</a:t>
-              </a:r>
-            </a:p>
-          </p:txBody>
-        </p:sp>
-        <p:pic>
-          <p:nvPicPr>
-            <p:cNvPr id="14" name="Picture 13">
-              <a:extLst>
-                <a:ext uri="{FF2B5EF4-FFF2-40B4-BE49-F238E27FC236}">
-                  <a16:creationId xmlns:a16="http://schemas.microsoft.com/office/drawing/2014/main" id="{3897B0AB-25DF-FF19-9C57-6B26D52900F5}"/>
-                </a:ext>
-              </a:extLst>
-            </p:cNvPr>
-            <p:cNvPicPr>
-              <a:picLocks noChangeAspect="1"/>
-            </p:cNvPicPr>
-            <p:nvPr/>
-          </p:nvPicPr>
-          <p:blipFill>
-            <a:blip r:embed="rId2"/>
-            <a:stretch>
-              <a:fillRect/>
-            </a:stretch>
-          </p:blipFill>
-          <p:spPr>
-            <a:xfrm>
-              <a:off x="7798425" y="1988023"/>
-              <a:ext cx="384639" cy="511095"/>
-            </a:xfrm>
-            <a:prstGeom prst="rect">
-              <a:avLst/>
-            </a:prstGeom>
-          </p:spPr>
-        </p:pic>
-        <p:sp>
-          <p:nvSpPr>
-            <p:cNvPr id="9" name="TextBox 8">
-              <a:extLst>
-                <a:ext uri="{FF2B5EF4-FFF2-40B4-BE49-F238E27FC236}">
-                  <a16:creationId xmlns:a16="http://schemas.microsoft.com/office/drawing/2014/main" id="{28B1F2E1-4247-B782-3DB0-9DB05C8D4983}"/>
-                </a:ext>
-              </a:extLst>
-            </p:cNvPr>
-            <p:cNvSpPr txBox="1"/>
-            <p:nvPr/>
-          </p:nvSpPr>
-          <p:spPr>
-            <a:xfrm>
-              <a:off x="4633991" y="2703547"/>
-              <a:ext cx="1756699" cy="369332"/>
-            </a:xfrm>
-            <a:prstGeom prst="rect">
-              <a:avLst/>
-            </a:prstGeom>
-            <a:noFill/>
-            <a:ln>
-              <a:solidFill>
-                <a:schemeClr val="tx1"/>
-              </a:solidFill>
-            </a:ln>
-          </p:spPr>
-          <p:txBody>
-            <a:bodyPr wrap="none" rtlCol="0">
-              <a:spAutoFit/>
-            </a:bodyPr>
-            <a:lstStyle/>
-            <a:p>
-              <a:r>
-                <a:rPr lang="en-CN"/>
-                <a:t>JFrog IDE Plugins</a:t>
-              </a:r>
-            </a:p>
-          </p:txBody>
-        </p:sp>
-        <p:pic>
-          <p:nvPicPr>
-            <p:cNvPr id="15" name="Picture 14">
-              <a:extLst>
-                <a:ext uri="{FF2B5EF4-FFF2-40B4-BE49-F238E27FC236}">
-                  <a16:creationId xmlns:a16="http://schemas.microsoft.com/office/drawing/2014/main" id="{C7DAF4FD-BD0A-4C96-1690-7DCF29DBE844}"/>
-                </a:ext>
-              </a:extLst>
-            </p:cNvPr>
-            <p:cNvPicPr>
-              <a:picLocks noChangeAspect="1"/>
-            </p:cNvPicPr>
-            <p:nvPr/>
-          </p:nvPicPr>
-          <p:blipFill>
-            <a:blip r:embed="rId3"/>
-            <a:stretch>
-              <a:fillRect/>
-            </a:stretch>
-          </p:blipFill>
-          <p:spPr>
-            <a:xfrm>
-              <a:off x="7750464" y="2656438"/>
-              <a:ext cx="480561" cy="463550"/>
-            </a:xfrm>
-            <a:prstGeom prst="rect">
-              <a:avLst/>
-            </a:prstGeom>
-          </p:spPr>
-        </p:pic>
-        <p:sp>
-          <p:nvSpPr>
-            <p:cNvPr id="7" name="TextBox 6">
-              <a:extLst>
-                <a:ext uri="{FF2B5EF4-FFF2-40B4-BE49-F238E27FC236}">
-                  <a16:creationId xmlns:a16="http://schemas.microsoft.com/office/drawing/2014/main" id="{208EB778-4313-AD3F-809D-A8D3FB737707}"/>
-                </a:ext>
-              </a:extLst>
-            </p:cNvPr>
-            <p:cNvSpPr txBox="1"/>
-            <p:nvPr/>
-          </p:nvSpPr>
-          <p:spPr>
-            <a:xfrm>
-              <a:off x="4633991" y="3233764"/>
-              <a:ext cx="2264851" cy="369332"/>
-            </a:xfrm>
-            <a:prstGeom prst="rect">
-              <a:avLst/>
-            </a:prstGeom>
-            <a:noFill/>
-            <a:ln>
-              <a:solidFill>
-                <a:schemeClr val="tx1"/>
-              </a:solidFill>
-            </a:ln>
-          </p:spPr>
-          <p:txBody>
-            <a:bodyPr wrap="none" rtlCol="0">
-              <a:spAutoFit/>
-            </a:bodyPr>
-            <a:lstStyle/>
-            <a:p>
-              <a:r>
-                <a:rPr lang="en-CN"/>
-                <a:t>JFrog CLI &amp; CLI Plugins</a:t>
-              </a:r>
-            </a:p>
-          </p:txBody>
-        </p:sp>
-        <p:pic>
-          <p:nvPicPr>
-            <p:cNvPr id="17" name="Picture 16">
-              <a:extLst>
-                <a:ext uri="{FF2B5EF4-FFF2-40B4-BE49-F238E27FC236}">
-                  <a16:creationId xmlns:a16="http://schemas.microsoft.com/office/drawing/2014/main" id="{88362F09-7251-450E-2334-6041A45B1FAC}"/>
-                </a:ext>
-              </a:extLst>
-            </p:cNvPr>
-            <p:cNvPicPr>
-              <a:picLocks noChangeAspect="1"/>
-            </p:cNvPicPr>
-            <p:nvPr/>
-          </p:nvPicPr>
-          <p:blipFill>
-            <a:blip r:embed="rId4"/>
-            <a:stretch>
-              <a:fillRect/>
-            </a:stretch>
-          </p:blipFill>
-          <p:spPr>
-            <a:xfrm>
-              <a:off x="7788820" y="3233764"/>
-              <a:ext cx="403849" cy="369332"/>
-            </a:xfrm>
-            <a:prstGeom prst="rect">
-              <a:avLst/>
-            </a:prstGeom>
-          </p:spPr>
-        </p:pic>
-        <p:sp>
-          <p:nvSpPr>
-            <p:cNvPr id="5" name="TextBox 4">
-              <a:extLst>
-                <a:ext uri="{FF2B5EF4-FFF2-40B4-BE49-F238E27FC236}">
-                  <a16:creationId xmlns:a16="http://schemas.microsoft.com/office/drawing/2014/main" id="{61228413-1EFE-2069-063C-2193D1E150A1}"/>
-                </a:ext>
-              </a:extLst>
-            </p:cNvPr>
-            <p:cNvSpPr txBox="1"/>
-            <p:nvPr/>
-          </p:nvSpPr>
-          <p:spPr>
-            <a:xfrm>
-              <a:off x="4633991" y="3801707"/>
-              <a:ext cx="1962717" cy="369332"/>
-            </a:xfrm>
-            <a:prstGeom prst="rect">
-              <a:avLst/>
-            </a:prstGeom>
-            <a:noFill/>
-            <a:ln>
-              <a:solidFill>
-                <a:schemeClr val="tx1"/>
-              </a:solidFill>
-            </a:ln>
-          </p:spPr>
-          <p:txBody>
-            <a:bodyPr wrap="none" rtlCol="0">
-              <a:spAutoFit/>
-            </a:bodyPr>
-            <a:lstStyle/>
-            <a:p>
-              <a:r>
-                <a:rPr lang="en-CN"/>
-                <a:t>JFrog Users Plugins</a:t>
-              </a:r>
-            </a:p>
-          </p:txBody>
-        </p:sp>
-        <p:pic>
-          <p:nvPicPr>
-            <p:cNvPr id="19" name="Picture 18">
-              <a:extLst>
-                <a:ext uri="{FF2B5EF4-FFF2-40B4-BE49-F238E27FC236}">
-                  <a16:creationId xmlns:a16="http://schemas.microsoft.com/office/drawing/2014/main" id="{C6563D29-1A79-ACB0-35EC-7920D80A6D9D}"/>
-                </a:ext>
-              </a:extLst>
-            </p:cNvPr>
-            <p:cNvPicPr>
-              <a:picLocks noChangeAspect="1"/>
-            </p:cNvPicPr>
-            <p:nvPr/>
-          </p:nvPicPr>
-          <p:blipFill>
-            <a:blip r:embed="rId5"/>
-            <a:stretch>
-              <a:fillRect/>
-            </a:stretch>
-          </p:blipFill>
-          <p:spPr>
-            <a:xfrm>
-              <a:off x="7675165" y="3822153"/>
-              <a:ext cx="631158" cy="328440"/>
-            </a:xfrm>
-            <a:prstGeom prst="rect">
-              <a:avLst/>
-            </a:prstGeom>
-          </p:spPr>
-        </p:pic>
-        <p:sp>
-          <p:nvSpPr>
-            <p:cNvPr id="10" name="TextBox 9">
-              <a:extLst>
-                <a:ext uri="{FF2B5EF4-FFF2-40B4-BE49-F238E27FC236}">
-                  <a16:creationId xmlns:a16="http://schemas.microsoft.com/office/drawing/2014/main" id="{B98BC0D6-0191-FF4D-B5BA-F0957B835B87}"/>
-                </a:ext>
-              </a:extLst>
-            </p:cNvPr>
-            <p:cNvSpPr txBox="1"/>
-            <p:nvPr/>
-          </p:nvSpPr>
-          <p:spPr>
-            <a:xfrm>
-              <a:off x="4633991" y="4824219"/>
-              <a:ext cx="1809598" cy="369332"/>
-            </a:xfrm>
-            <a:prstGeom prst="rect">
-              <a:avLst/>
-            </a:prstGeom>
-            <a:noFill/>
-            <a:ln>
-              <a:solidFill>
-                <a:srgbClr val="00B050"/>
-              </a:solidFill>
-            </a:ln>
-          </p:spPr>
-          <p:txBody>
-            <a:bodyPr wrap="none" rtlCol="0">
-              <a:spAutoFit/>
-            </a:bodyPr>
-            <a:lstStyle/>
-            <a:p>
-              <a:r>
-                <a:rPr lang="en-CN"/>
-                <a:t>JFrog UI Plugins ?</a:t>
-              </a:r>
-            </a:p>
-          </p:txBody>
-        </p:sp>
-        <p:sp>
-          <p:nvSpPr>
-            <p:cNvPr id="27" name="TextBox 26">
-              <a:extLst>
-                <a:ext uri="{FF2B5EF4-FFF2-40B4-BE49-F238E27FC236}">
-                  <a16:creationId xmlns:a16="http://schemas.microsoft.com/office/drawing/2014/main" id="{3446230B-15F3-CCF3-087E-8B104D0E4C85}"/>
-                </a:ext>
-              </a:extLst>
-            </p:cNvPr>
-            <p:cNvSpPr txBox="1"/>
-            <p:nvPr/>
-          </p:nvSpPr>
-          <p:spPr>
-            <a:xfrm>
-              <a:off x="7658453" y="4854996"/>
-              <a:ext cx="3565656" cy="307777"/>
-            </a:xfrm>
-            <a:prstGeom prst="rect">
-              <a:avLst/>
-            </a:prstGeom>
-            <a:noFill/>
-          </p:spPr>
-          <p:txBody>
-            <a:bodyPr wrap="none" rtlCol="0">
-              <a:spAutoFit/>
-            </a:bodyPr>
-            <a:lstStyle/>
-            <a:p>
-              <a:r>
-                <a:rPr lang="en-US" sz="1400"/>
-                <a:t>https://github.com/kyle11235/jfrog-ui-plugins</a:t>
-              </a:r>
-              <a:endParaRPr lang="en-CN" sz="1400"/>
-            </a:p>
-          </p:txBody>
-        </p:sp>
-        <p:sp>
-          <p:nvSpPr>
-            <p:cNvPr id="32" name="TextBox 31">
-              <a:extLst>
-                <a:ext uri="{FF2B5EF4-FFF2-40B4-BE49-F238E27FC236}">
-                  <a16:creationId xmlns:a16="http://schemas.microsoft.com/office/drawing/2014/main" id="{2ACD88FC-2A9D-5FEC-79AB-4E41AAAA321C}"/>
-                </a:ext>
-              </a:extLst>
-            </p:cNvPr>
-            <p:cNvSpPr txBox="1"/>
-            <p:nvPr/>
-          </p:nvSpPr>
-          <p:spPr>
-            <a:xfrm>
-              <a:off x="1939721" y="2058904"/>
-              <a:ext cx="1745734" cy="369332"/>
-            </a:xfrm>
-            <a:prstGeom prst="rect">
-              <a:avLst/>
-            </a:prstGeom>
-            <a:noFill/>
-          </p:spPr>
-          <p:txBody>
-            <a:bodyPr wrap="none" rtlCol="0">
-              <a:spAutoFit/>
-            </a:bodyPr>
-            <a:lstStyle/>
-            <a:p>
-              <a:r>
-                <a:rPr lang="en-CN"/>
-                <a:t>Build Integration</a:t>
-              </a:r>
-            </a:p>
-          </p:txBody>
-        </p:sp>
-        <p:sp>
-          <p:nvSpPr>
-            <p:cNvPr id="33" name="TextBox 32">
-              <a:extLst>
-                <a:ext uri="{FF2B5EF4-FFF2-40B4-BE49-F238E27FC236}">
-                  <a16:creationId xmlns:a16="http://schemas.microsoft.com/office/drawing/2014/main" id="{D7A8E5DF-CED0-BD08-B1A3-1504C5E1536F}"/>
-                </a:ext>
-              </a:extLst>
-            </p:cNvPr>
-            <p:cNvSpPr txBox="1"/>
-            <p:nvPr/>
-          </p:nvSpPr>
-          <p:spPr>
-            <a:xfrm>
-              <a:off x="1939721" y="2703547"/>
-              <a:ext cx="1857111" cy="369332"/>
-            </a:xfrm>
-            <a:prstGeom prst="rect">
-              <a:avLst/>
-            </a:prstGeom>
-            <a:noFill/>
-          </p:spPr>
-          <p:txBody>
-            <a:bodyPr wrap="none" rtlCol="0">
-              <a:spAutoFit/>
-            </a:bodyPr>
-            <a:lstStyle/>
-            <a:p>
-              <a:r>
-                <a:rPr lang="en-US"/>
-                <a:t>Vulnerability Scan</a:t>
-              </a:r>
-              <a:endParaRPr lang="en-CN"/>
-            </a:p>
-          </p:txBody>
-        </p:sp>
-        <p:sp>
-          <p:nvSpPr>
-            <p:cNvPr id="34" name="TextBox 33">
-              <a:extLst>
-                <a:ext uri="{FF2B5EF4-FFF2-40B4-BE49-F238E27FC236}">
-                  <a16:creationId xmlns:a16="http://schemas.microsoft.com/office/drawing/2014/main" id="{CF97CDA8-D3C7-FAA5-8CAF-E94E6FDA267E}"/>
-                </a:ext>
-              </a:extLst>
-            </p:cNvPr>
-            <p:cNvSpPr txBox="1"/>
-            <p:nvPr/>
-          </p:nvSpPr>
-          <p:spPr>
-            <a:xfrm>
-              <a:off x="1939720" y="3233764"/>
-              <a:ext cx="1131592" cy="369332"/>
-            </a:xfrm>
-            <a:prstGeom prst="rect">
-              <a:avLst/>
-            </a:prstGeom>
-            <a:noFill/>
-          </p:spPr>
-          <p:txBody>
-            <a:bodyPr wrap="none" rtlCol="0">
-              <a:spAutoFit/>
-            </a:bodyPr>
-            <a:lstStyle/>
-            <a:p>
-              <a:r>
-                <a:rPr lang="en-US"/>
-                <a:t>Operation</a:t>
-              </a:r>
-              <a:endParaRPr lang="en-CN"/>
-            </a:p>
-          </p:txBody>
-        </p:sp>
-        <p:sp>
-          <p:nvSpPr>
-            <p:cNvPr id="35" name="TextBox 34">
-              <a:extLst>
-                <a:ext uri="{FF2B5EF4-FFF2-40B4-BE49-F238E27FC236}">
-                  <a16:creationId xmlns:a16="http://schemas.microsoft.com/office/drawing/2014/main" id="{B0DA4C18-3CFA-0BAC-DFD0-B2D89DF32AD6}"/>
-                </a:ext>
-              </a:extLst>
-            </p:cNvPr>
-            <p:cNvSpPr txBox="1"/>
-            <p:nvPr/>
-          </p:nvSpPr>
-          <p:spPr>
-            <a:xfrm>
-              <a:off x="1939720" y="3801707"/>
-              <a:ext cx="952505" cy="369332"/>
-            </a:xfrm>
-            <a:prstGeom prst="rect">
-              <a:avLst/>
-            </a:prstGeom>
-            <a:noFill/>
-          </p:spPr>
-          <p:txBody>
-            <a:bodyPr wrap="none" rtlCol="0">
-              <a:spAutoFit/>
-            </a:bodyPr>
-            <a:lstStyle/>
-            <a:p>
-              <a:r>
-                <a:rPr lang="en-US"/>
-                <a:t>Cleanup</a:t>
-              </a:r>
-              <a:endParaRPr lang="en-CN"/>
-            </a:p>
-          </p:txBody>
-        </p:sp>
-        <p:sp>
-          <p:nvSpPr>
-            <p:cNvPr id="36" name="TextBox 35">
-              <a:extLst>
-                <a:ext uri="{FF2B5EF4-FFF2-40B4-BE49-F238E27FC236}">
-                  <a16:creationId xmlns:a16="http://schemas.microsoft.com/office/drawing/2014/main" id="{172709C7-FC75-DEC9-DA14-37AE08AF9DF3}"/>
-                </a:ext>
-              </a:extLst>
-            </p:cNvPr>
-            <p:cNvSpPr txBox="1"/>
-            <p:nvPr/>
-          </p:nvSpPr>
-          <p:spPr>
-            <a:xfrm>
-              <a:off x="1939719" y="4824219"/>
-              <a:ext cx="1532407" cy="369332"/>
-            </a:xfrm>
-            <a:prstGeom prst="rect">
-              <a:avLst/>
-            </a:prstGeom>
-            <a:noFill/>
-          </p:spPr>
-          <p:txBody>
-            <a:bodyPr wrap="none" rtlCol="0">
-              <a:spAutoFit/>
-            </a:bodyPr>
-            <a:lstStyle/>
-            <a:p>
-              <a:r>
-                <a:rPr lang="en-US"/>
-                <a:t>Customized UI</a:t>
-              </a:r>
-              <a:endParaRPr lang="en-CN"/>
-            </a:p>
-          </p:txBody>
-        </p:sp>
-        <p:cxnSp>
-          <p:nvCxnSpPr>
-            <p:cNvPr id="38" name="Straight Arrow Connector 37">
-              <a:extLst>
-                <a:ext uri="{FF2B5EF4-FFF2-40B4-BE49-F238E27FC236}">
-                  <a16:creationId xmlns:a16="http://schemas.microsoft.com/office/drawing/2014/main" id="{3C9C3B80-2D49-A137-AF21-BD92D42D7985}"/>
-                </a:ext>
-              </a:extLst>
-            </p:cNvPr>
-            <p:cNvCxnSpPr>
-              <a:stCxn id="32" idx="3"/>
-              <a:endCxn id="8" idx="1"/>
-            </p:cNvCxnSpPr>
-            <p:nvPr/>
-          </p:nvCxnSpPr>
-          <p:spPr>
-            <a:xfrm>
-              <a:off x="3685455" y="2243570"/>
-              <a:ext cx="948536" cy="0"/>
-            </a:xfrm>
-            <a:prstGeom prst="straightConnector1">
-              <a:avLst/>
-            </a:prstGeom>
-            <a:ln>
-              <a:tailEnd type="triangle"/>
-            </a:ln>
-          </p:spPr>
-          <p:style>
-            <a:lnRef idx="1">
-              <a:schemeClr val="dk1"/>
-            </a:lnRef>
-            <a:fillRef idx="0">
-              <a:schemeClr val="dk1"/>
-            </a:fillRef>
-            <a:effectRef idx="0">
-              <a:schemeClr val="dk1"/>
-            </a:effectRef>
-            <a:fontRef idx="minor">
+          <a:prstGeom prst="rect">
+            <a:avLst/>
+          </a:prstGeom>
+          <a:noFill/>
+          <a:ln>
+            <a:solidFill>
               <a:schemeClr val="tx1"/>
-            </a:fontRef>
-          </p:style>
-        </p:cxnSp>
-        <p:cxnSp>
-          <p:nvCxnSpPr>
-            <p:cNvPr id="39" name="Straight Arrow Connector 38">
-              <a:extLst>
-                <a:ext uri="{FF2B5EF4-FFF2-40B4-BE49-F238E27FC236}">
-                  <a16:creationId xmlns:a16="http://schemas.microsoft.com/office/drawing/2014/main" id="{C21C0DCB-82AA-73CA-7A75-634C77F72572}"/>
-                </a:ext>
-              </a:extLst>
-            </p:cNvPr>
-            <p:cNvCxnSpPr>
-              <a:cxnSpLocks/>
-              <a:stCxn id="8" idx="3"/>
-              <a:endCxn id="14" idx="1"/>
-            </p:cNvCxnSpPr>
-            <p:nvPr/>
-          </p:nvCxnSpPr>
-          <p:spPr>
-            <a:xfrm>
-              <a:off x="6259244" y="2243570"/>
-              <a:ext cx="1539181" cy="1"/>
-            </a:xfrm>
-            <a:prstGeom prst="straightConnector1">
-              <a:avLst/>
-            </a:prstGeom>
-            <a:ln>
-              <a:tailEnd type="triangle"/>
-            </a:ln>
-          </p:spPr>
-          <p:style>
-            <a:lnRef idx="1">
-              <a:schemeClr val="dk1"/>
-            </a:lnRef>
-            <a:fillRef idx="0">
-              <a:schemeClr val="dk1"/>
-            </a:fillRef>
-            <a:effectRef idx="0">
-              <a:schemeClr val="dk1"/>
-            </a:effectRef>
-            <a:fontRef idx="minor">
+            </a:solidFill>
+          </a:ln>
+        </p:spPr>
+        <p:txBody>
+          <a:bodyPr wrap="none" rtlCol="0">
+            <a:spAutoFit/>
+          </a:bodyPr>
+          <a:lstStyle/>
+          <a:p>
+            <a:r>
+              <a:rPr lang="en-CN"/>
+              <a:t>JFrog CI Plugins</a:t>
+            </a:r>
+          </a:p>
+        </p:txBody>
+      </p:sp>
+      <p:pic>
+        <p:nvPicPr>
+          <p:cNvPr id="14" name="Picture 13">
+            <a:extLst>
+              <a:ext uri="{FF2B5EF4-FFF2-40B4-BE49-F238E27FC236}">
+                <a16:creationId xmlns:a16="http://schemas.microsoft.com/office/drawing/2014/main" id="{3897B0AB-25DF-FF19-9C57-6B26D52900F5}"/>
+              </a:ext>
+            </a:extLst>
+          </p:cNvPr>
+          <p:cNvPicPr>
+            <a:picLocks noChangeAspect="1"/>
+          </p:cNvPicPr>
+          <p:nvPr/>
+        </p:nvPicPr>
+        <p:blipFill>
+          <a:blip r:embed="rId2"/>
+          <a:stretch>
+            <a:fillRect/>
+          </a:stretch>
+        </p:blipFill>
+        <p:spPr>
+          <a:xfrm>
+            <a:off x="7929054" y="1826236"/>
+            <a:ext cx="384639" cy="511095"/>
+          </a:xfrm>
+          <a:prstGeom prst="rect">
+            <a:avLst/>
+          </a:prstGeom>
+        </p:spPr>
+      </p:pic>
+      <p:sp>
+        <p:nvSpPr>
+          <p:cNvPr id="9" name="TextBox 8">
+            <a:extLst>
+              <a:ext uri="{FF2B5EF4-FFF2-40B4-BE49-F238E27FC236}">
+                <a16:creationId xmlns:a16="http://schemas.microsoft.com/office/drawing/2014/main" id="{28B1F2E1-4247-B782-3DB0-9DB05C8D4983}"/>
+              </a:ext>
+            </a:extLst>
+          </p:cNvPr>
+          <p:cNvSpPr txBox="1"/>
+          <p:nvPr/>
+        </p:nvSpPr>
+        <p:spPr>
+          <a:xfrm>
+            <a:off x="4764620" y="2541760"/>
+            <a:ext cx="1756699" cy="369332"/>
+          </a:xfrm>
+          <a:prstGeom prst="rect">
+            <a:avLst/>
+          </a:prstGeom>
+          <a:noFill/>
+          <a:ln>
+            <a:solidFill>
               <a:schemeClr val="tx1"/>
-            </a:fontRef>
-          </p:style>
-        </p:cxnSp>
-        <p:cxnSp>
-          <p:nvCxnSpPr>
-            <p:cNvPr id="42" name="Straight Arrow Connector 41">
-              <a:extLst>
-                <a:ext uri="{FF2B5EF4-FFF2-40B4-BE49-F238E27FC236}">
-                  <a16:creationId xmlns:a16="http://schemas.microsoft.com/office/drawing/2014/main" id="{0EA5A8CD-0083-D8A7-6F4B-316228B44188}"/>
-                </a:ext>
-              </a:extLst>
-            </p:cNvPr>
-            <p:cNvCxnSpPr>
-              <a:cxnSpLocks/>
-              <a:stCxn id="33" idx="3"/>
-              <a:endCxn id="9" idx="1"/>
-            </p:cNvCxnSpPr>
-            <p:nvPr/>
-          </p:nvCxnSpPr>
-          <p:spPr>
-            <a:xfrm>
-              <a:off x="3796832" y="2888213"/>
-              <a:ext cx="837159" cy="0"/>
-            </a:xfrm>
-            <a:prstGeom prst="straightConnector1">
-              <a:avLst/>
-            </a:prstGeom>
-            <a:ln>
-              <a:tailEnd type="triangle"/>
-            </a:ln>
-          </p:spPr>
-          <p:style>
-            <a:lnRef idx="1">
-              <a:schemeClr val="dk1"/>
-            </a:lnRef>
-            <a:fillRef idx="0">
-              <a:schemeClr val="dk1"/>
-            </a:fillRef>
-            <a:effectRef idx="0">
-              <a:schemeClr val="dk1"/>
-            </a:effectRef>
-            <a:fontRef idx="minor">
+            </a:solidFill>
+          </a:ln>
+        </p:spPr>
+        <p:txBody>
+          <a:bodyPr wrap="none" rtlCol="0">
+            <a:spAutoFit/>
+          </a:bodyPr>
+          <a:lstStyle/>
+          <a:p>
+            <a:r>
+              <a:rPr lang="en-CN"/>
+              <a:t>JFrog IDE Plugins</a:t>
+            </a:r>
+          </a:p>
+        </p:txBody>
+      </p:sp>
+      <p:pic>
+        <p:nvPicPr>
+          <p:cNvPr id="15" name="Picture 14">
+            <a:extLst>
+              <a:ext uri="{FF2B5EF4-FFF2-40B4-BE49-F238E27FC236}">
+                <a16:creationId xmlns:a16="http://schemas.microsoft.com/office/drawing/2014/main" id="{C7DAF4FD-BD0A-4C96-1690-7DCF29DBE844}"/>
+              </a:ext>
+            </a:extLst>
+          </p:cNvPr>
+          <p:cNvPicPr>
+            <a:picLocks noChangeAspect="1"/>
+          </p:cNvPicPr>
+          <p:nvPr/>
+        </p:nvPicPr>
+        <p:blipFill>
+          <a:blip r:embed="rId3"/>
+          <a:stretch>
+            <a:fillRect/>
+          </a:stretch>
+        </p:blipFill>
+        <p:spPr>
+          <a:xfrm>
+            <a:off x="7881093" y="2494651"/>
+            <a:ext cx="480561" cy="463550"/>
+          </a:xfrm>
+          <a:prstGeom prst="rect">
+            <a:avLst/>
+          </a:prstGeom>
+        </p:spPr>
+      </p:pic>
+      <p:sp>
+        <p:nvSpPr>
+          <p:cNvPr id="7" name="TextBox 6">
+            <a:extLst>
+              <a:ext uri="{FF2B5EF4-FFF2-40B4-BE49-F238E27FC236}">
+                <a16:creationId xmlns:a16="http://schemas.microsoft.com/office/drawing/2014/main" id="{208EB778-4313-AD3F-809D-A8D3FB737707}"/>
+              </a:ext>
+            </a:extLst>
+          </p:cNvPr>
+          <p:cNvSpPr txBox="1"/>
+          <p:nvPr/>
+        </p:nvSpPr>
+        <p:spPr>
+          <a:xfrm>
+            <a:off x="4764620" y="3071977"/>
+            <a:ext cx="2264851" cy="369332"/>
+          </a:xfrm>
+          <a:prstGeom prst="rect">
+            <a:avLst/>
+          </a:prstGeom>
+          <a:noFill/>
+          <a:ln>
+            <a:solidFill>
               <a:schemeClr val="tx1"/>
-            </a:fontRef>
-          </p:style>
-        </p:cxnSp>
-        <p:cxnSp>
-          <p:nvCxnSpPr>
-            <p:cNvPr id="45" name="Straight Arrow Connector 44">
-              <a:extLst>
-                <a:ext uri="{FF2B5EF4-FFF2-40B4-BE49-F238E27FC236}">
-                  <a16:creationId xmlns:a16="http://schemas.microsoft.com/office/drawing/2014/main" id="{E1915510-D3E5-3C77-2295-9A7BFE9E2BC9}"/>
-                </a:ext>
-              </a:extLst>
-            </p:cNvPr>
-            <p:cNvCxnSpPr>
-              <a:cxnSpLocks/>
-              <a:stCxn id="9" idx="3"/>
-              <a:endCxn id="15" idx="1"/>
-            </p:cNvCxnSpPr>
-            <p:nvPr/>
-          </p:nvCxnSpPr>
-          <p:spPr>
-            <a:xfrm>
-              <a:off x="6390690" y="2888213"/>
-              <a:ext cx="1359774" cy="0"/>
-            </a:xfrm>
-            <a:prstGeom prst="straightConnector1">
-              <a:avLst/>
-            </a:prstGeom>
-            <a:ln>
-              <a:tailEnd type="triangle"/>
-            </a:ln>
-          </p:spPr>
-          <p:style>
-            <a:lnRef idx="1">
-              <a:schemeClr val="dk1"/>
-            </a:lnRef>
-            <a:fillRef idx="0">
-              <a:schemeClr val="dk1"/>
-            </a:fillRef>
-            <a:effectRef idx="0">
-              <a:schemeClr val="dk1"/>
-            </a:effectRef>
-            <a:fontRef idx="minor">
+            </a:solidFill>
+          </a:ln>
+        </p:spPr>
+        <p:txBody>
+          <a:bodyPr wrap="none" rtlCol="0">
+            <a:spAutoFit/>
+          </a:bodyPr>
+          <a:lstStyle/>
+          <a:p>
+            <a:r>
+              <a:rPr lang="en-CN"/>
+              <a:t>JFrog CLI &amp; CLI Plugins</a:t>
+            </a:r>
+          </a:p>
+        </p:txBody>
+      </p:sp>
+      <p:pic>
+        <p:nvPicPr>
+          <p:cNvPr id="17" name="Picture 16">
+            <a:extLst>
+              <a:ext uri="{FF2B5EF4-FFF2-40B4-BE49-F238E27FC236}">
+                <a16:creationId xmlns:a16="http://schemas.microsoft.com/office/drawing/2014/main" id="{88362F09-7251-450E-2334-6041A45B1FAC}"/>
+              </a:ext>
+            </a:extLst>
+          </p:cNvPr>
+          <p:cNvPicPr>
+            <a:picLocks noChangeAspect="1"/>
+          </p:cNvPicPr>
+          <p:nvPr/>
+        </p:nvPicPr>
+        <p:blipFill>
+          <a:blip r:embed="rId4"/>
+          <a:stretch>
+            <a:fillRect/>
+          </a:stretch>
+        </p:blipFill>
+        <p:spPr>
+          <a:xfrm>
+            <a:off x="7919449" y="3071977"/>
+            <a:ext cx="403849" cy="369332"/>
+          </a:xfrm>
+          <a:prstGeom prst="rect">
+            <a:avLst/>
+          </a:prstGeom>
+        </p:spPr>
+      </p:pic>
+      <p:sp>
+        <p:nvSpPr>
+          <p:cNvPr id="5" name="TextBox 4">
+            <a:extLst>
+              <a:ext uri="{FF2B5EF4-FFF2-40B4-BE49-F238E27FC236}">
+                <a16:creationId xmlns:a16="http://schemas.microsoft.com/office/drawing/2014/main" id="{61228413-1EFE-2069-063C-2193D1E150A1}"/>
+              </a:ext>
+            </a:extLst>
+          </p:cNvPr>
+          <p:cNvSpPr txBox="1"/>
+          <p:nvPr/>
+        </p:nvSpPr>
+        <p:spPr>
+          <a:xfrm>
+            <a:off x="4764620" y="3639920"/>
+            <a:ext cx="1962717" cy="369332"/>
+          </a:xfrm>
+          <a:prstGeom prst="rect">
+            <a:avLst/>
+          </a:prstGeom>
+          <a:noFill/>
+          <a:ln>
+            <a:solidFill>
               <a:schemeClr val="tx1"/>
-            </a:fontRef>
-          </p:style>
-        </p:cxnSp>
-        <p:cxnSp>
-          <p:nvCxnSpPr>
-            <p:cNvPr id="48" name="Straight Arrow Connector 47">
-              <a:extLst>
-                <a:ext uri="{FF2B5EF4-FFF2-40B4-BE49-F238E27FC236}">
-                  <a16:creationId xmlns:a16="http://schemas.microsoft.com/office/drawing/2014/main" id="{C7C1CAB7-152F-CAFD-B73A-C4BF47EF9A40}"/>
-                </a:ext>
-              </a:extLst>
-            </p:cNvPr>
-            <p:cNvCxnSpPr>
-              <a:cxnSpLocks/>
-              <a:stCxn id="7" idx="3"/>
-              <a:endCxn id="17" idx="1"/>
-            </p:cNvCxnSpPr>
-            <p:nvPr/>
-          </p:nvCxnSpPr>
-          <p:spPr>
-            <a:xfrm>
-              <a:off x="6898842" y="3418430"/>
-              <a:ext cx="889978" cy="0"/>
-            </a:xfrm>
-            <a:prstGeom prst="straightConnector1">
-              <a:avLst/>
-            </a:prstGeom>
-            <a:ln>
-              <a:tailEnd type="triangle"/>
-            </a:ln>
-          </p:spPr>
-          <p:style>
-            <a:lnRef idx="1">
-              <a:schemeClr val="dk1"/>
-            </a:lnRef>
-            <a:fillRef idx="0">
-              <a:schemeClr val="dk1"/>
-            </a:fillRef>
-            <a:effectRef idx="0">
-              <a:schemeClr val="dk1"/>
-            </a:effectRef>
-            <a:fontRef idx="minor">
-              <a:schemeClr val="tx1"/>
-            </a:fontRef>
-          </p:style>
-        </p:cxnSp>
-        <p:cxnSp>
-          <p:nvCxnSpPr>
-            <p:cNvPr id="51" name="Straight Arrow Connector 50">
-              <a:extLst>
-                <a:ext uri="{FF2B5EF4-FFF2-40B4-BE49-F238E27FC236}">
-                  <a16:creationId xmlns:a16="http://schemas.microsoft.com/office/drawing/2014/main" id="{263F1C03-133E-6257-23E0-946DAB00B8F3}"/>
-                </a:ext>
-              </a:extLst>
-            </p:cNvPr>
-            <p:cNvCxnSpPr>
-              <a:cxnSpLocks/>
-              <a:stCxn id="34" idx="3"/>
-              <a:endCxn id="7" idx="1"/>
-            </p:cNvCxnSpPr>
-            <p:nvPr/>
-          </p:nvCxnSpPr>
-          <p:spPr>
-            <a:xfrm>
-              <a:off x="3071312" y="3418430"/>
-              <a:ext cx="1562679" cy="0"/>
-            </a:xfrm>
-            <a:prstGeom prst="straightConnector1">
-              <a:avLst/>
-            </a:prstGeom>
-            <a:ln>
-              <a:tailEnd type="triangle"/>
-            </a:ln>
-          </p:spPr>
-          <p:style>
-            <a:lnRef idx="1">
-              <a:schemeClr val="dk1"/>
-            </a:lnRef>
-            <a:fillRef idx="0">
-              <a:schemeClr val="dk1"/>
-            </a:fillRef>
-            <a:effectRef idx="0">
-              <a:schemeClr val="dk1"/>
-            </a:effectRef>
-            <a:fontRef idx="minor">
-              <a:schemeClr val="tx1"/>
-            </a:fontRef>
-          </p:style>
-        </p:cxnSp>
-        <p:cxnSp>
-          <p:nvCxnSpPr>
-            <p:cNvPr id="54" name="Straight Arrow Connector 53">
-              <a:extLst>
-                <a:ext uri="{FF2B5EF4-FFF2-40B4-BE49-F238E27FC236}">
-                  <a16:creationId xmlns:a16="http://schemas.microsoft.com/office/drawing/2014/main" id="{4DAE290F-ADC8-E85A-1FB5-057916327289}"/>
-                </a:ext>
-              </a:extLst>
-            </p:cNvPr>
-            <p:cNvCxnSpPr>
-              <a:cxnSpLocks/>
-              <a:stCxn id="35" idx="3"/>
-              <a:endCxn id="5" idx="1"/>
-            </p:cNvCxnSpPr>
-            <p:nvPr/>
-          </p:nvCxnSpPr>
-          <p:spPr>
-            <a:xfrm>
-              <a:off x="2892225" y="3986373"/>
-              <a:ext cx="1741766" cy="0"/>
-            </a:xfrm>
-            <a:prstGeom prst="straightConnector1">
-              <a:avLst/>
-            </a:prstGeom>
-            <a:ln>
-              <a:tailEnd type="triangle"/>
-            </a:ln>
-          </p:spPr>
-          <p:style>
-            <a:lnRef idx="1">
-              <a:schemeClr val="dk1"/>
-            </a:lnRef>
-            <a:fillRef idx="0">
-              <a:schemeClr val="dk1"/>
-            </a:fillRef>
-            <a:effectRef idx="0">
-              <a:schemeClr val="dk1"/>
-            </a:effectRef>
-            <a:fontRef idx="minor">
-              <a:schemeClr val="tx1"/>
-            </a:fontRef>
-          </p:style>
-        </p:cxnSp>
-        <p:cxnSp>
-          <p:nvCxnSpPr>
-            <p:cNvPr id="57" name="Straight Arrow Connector 56">
-              <a:extLst>
-                <a:ext uri="{FF2B5EF4-FFF2-40B4-BE49-F238E27FC236}">
-                  <a16:creationId xmlns:a16="http://schemas.microsoft.com/office/drawing/2014/main" id="{87D9BF76-9D1B-2C73-A9C9-F506E2EC951F}"/>
-                </a:ext>
-              </a:extLst>
-            </p:cNvPr>
-            <p:cNvCxnSpPr>
-              <a:cxnSpLocks/>
-              <a:stCxn id="5" idx="3"/>
-              <a:endCxn id="19" idx="1"/>
-            </p:cNvCxnSpPr>
-            <p:nvPr/>
-          </p:nvCxnSpPr>
-          <p:spPr>
-            <a:xfrm>
-              <a:off x="6596708" y="3986373"/>
-              <a:ext cx="1078457" cy="0"/>
-            </a:xfrm>
-            <a:prstGeom prst="straightConnector1">
-              <a:avLst/>
-            </a:prstGeom>
-            <a:ln>
-              <a:tailEnd type="triangle"/>
-            </a:ln>
-          </p:spPr>
-          <p:style>
-            <a:lnRef idx="1">
-              <a:schemeClr val="dk1"/>
-            </a:lnRef>
-            <a:fillRef idx="0">
-              <a:schemeClr val="dk1"/>
-            </a:fillRef>
-            <a:effectRef idx="0">
-              <a:schemeClr val="dk1"/>
-            </a:effectRef>
-            <a:fontRef idx="minor">
-              <a:schemeClr val="tx1"/>
-            </a:fontRef>
-          </p:style>
-        </p:cxnSp>
-        <p:cxnSp>
-          <p:nvCxnSpPr>
-            <p:cNvPr id="60" name="Straight Arrow Connector 59">
-              <a:extLst>
-                <a:ext uri="{FF2B5EF4-FFF2-40B4-BE49-F238E27FC236}">
-                  <a16:creationId xmlns:a16="http://schemas.microsoft.com/office/drawing/2014/main" id="{EFA953E8-3B57-2406-F102-0A00CDCBACD3}"/>
-                </a:ext>
-              </a:extLst>
-            </p:cNvPr>
-            <p:cNvCxnSpPr>
-              <a:cxnSpLocks/>
-              <a:stCxn id="36" idx="3"/>
-              <a:endCxn id="10" idx="1"/>
-            </p:cNvCxnSpPr>
-            <p:nvPr/>
-          </p:nvCxnSpPr>
-          <p:spPr>
-            <a:xfrm>
-              <a:off x="3472126" y="5008885"/>
-              <a:ext cx="1161865" cy="0"/>
-            </a:xfrm>
-            <a:prstGeom prst="straightConnector1">
-              <a:avLst/>
-            </a:prstGeom>
-            <a:ln>
-              <a:tailEnd type="triangle"/>
-            </a:ln>
-          </p:spPr>
-          <p:style>
-            <a:lnRef idx="1">
-              <a:schemeClr val="dk1"/>
-            </a:lnRef>
-            <a:fillRef idx="0">
-              <a:schemeClr val="dk1"/>
-            </a:fillRef>
-            <a:effectRef idx="0">
-              <a:schemeClr val="dk1"/>
-            </a:effectRef>
-            <a:fontRef idx="minor">
-              <a:schemeClr val="tx1"/>
-            </a:fontRef>
-          </p:style>
-        </p:cxnSp>
-        <p:cxnSp>
-          <p:nvCxnSpPr>
-            <p:cNvPr id="63" name="Straight Arrow Connector 62">
-              <a:extLst>
-                <a:ext uri="{FF2B5EF4-FFF2-40B4-BE49-F238E27FC236}">
-                  <a16:creationId xmlns:a16="http://schemas.microsoft.com/office/drawing/2014/main" id="{13DE07E0-6814-D599-2BBC-8CA6FD011F34}"/>
-                </a:ext>
-              </a:extLst>
-            </p:cNvPr>
-            <p:cNvCxnSpPr>
-              <a:cxnSpLocks/>
-              <a:stCxn id="10" idx="3"/>
-              <a:endCxn id="27" idx="1"/>
-            </p:cNvCxnSpPr>
-            <p:nvPr/>
-          </p:nvCxnSpPr>
-          <p:spPr>
-            <a:xfrm>
-              <a:off x="6443589" y="5008885"/>
-              <a:ext cx="1214864" cy="0"/>
-            </a:xfrm>
-            <a:prstGeom prst="straightConnector1">
-              <a:avLst/>
-            </a:prstGeom>
-            <a:ln>
-              <a:tailEnd type="triangle"/>
-            </a:ln>
-          </p:spPr>
-          <p:style>
-            <a:lnRef idx="1">
-              <a:schemeClr val="dk1"/>
-            </a:lnRef>
-            <a:fillRef idx="0">
-              <a:schemeClr val="dk1"/>
-            </a:fillRef>
-            <a:effectRef idx="0">
-              <a:schemeClr val="dk1"/>
-            </a:effectRef>
-            <a:fontRef idx="minor">
-              <a:schemeClr val="tx1"/>
-            </a:fontRef>
-          </p:style>
-        </p:cxnSp>
-      </p:grpSp>
+            </a:solidFill>
+          </a:ln>
+        </p:spPr>
+        <p:txBody>
+          <a:bodyPr wrap="none" rtlCol="0">
+            <a:spAutoFit/>
+          </a:bodyPr>
+          <a:lstStyle/>
+          <a:p>
+            <a:r>
+              <a:rPr lang="en-CN"/>
+              <a:t>JFrog Users Plugins</a:t>
+            </a:r>
+          </a:p>
+        </p:txBody>
+      </p:sp>
+      <p:pic>
+        <p:nvPicPr>
+          <p:cNvPr id="19" name="Picture 18">
+            <a:extLst>
+              <a:ext uri="{FF2B5EF4-FFF2-40B4-BE49-F238E27FC236}">
+                <a16:creationId xmlns:a16="http://schemas.microsoft.com/office/drawing/2014/main" id="{C6563D29-1A79-ACB0-35EC-7920D80A6D9D}"/>
+              </a:ext>
+            </a:extLst>
+          </p:cNvPr>
+          <p:cNvPicPr>
+            <a:picLocks noChangeAspect="1"/>
+          </p:cNvPicPr>
+          <p:nvPr/>
+        </p:nvPicPr>
+        <p:blipFill>
+          <a:blip r:embed="rId5"/>
+          <a:stretch>
+            <a:fillRect/>
+          </a:stretch>
+        </p:blipFill>
+        <p:spPr>
+          <a:xfrm>
+            <a:off x="7805794" y="3660366"/>
+            <a:ext cx="631158" cy="328440"/>
+          </a:xfrm>
+          <a:prstGeom prst="rect">
+            <a:avLst/>
+          </a:prstGeom>
+        </p:spPr>
+      </p:pic>
+      <p:sp>
+        <p:nvSpPr>
+          <p:cNvPr id="10" name="TextBox 9">
+            <a:extLst>
+              <a:ext uri="{FF2B5EF4-FFF2-40B4-BE49-F238E27FC236}">
+                <a16:creationId xmlns:a16="http://schemas.microsoft.com/office/drawing/2014/main" id="{B98BC0D6-0191-FF4D-B5BA-F0957B835B87}"/>
+              </a:ext>
+            </a:extLst>
+          </p:cNvPr>
+          <p:cNvSpPr txBox="1"/>
+          <p:nvPr/>
+        </p:nvSpPr>
+        <p:spPr>
+          <a:xfrm>
+            <a:off x="4764620" y="4664469"/>
+            <a:ext cx="1809598" cy="369332"/>
+          </a:xfrm>
+          <a:prstGeom prst="rect">
+            <a:avLst/>
+          </a:prstGeom>
+          <a:noFill/>
+          <a:ln>
+            <a:solidFill>
+              <a:srgbClr val="00B050"/>
+            </a:solidFill>
+          </a:ln>
+        </p:spPr>
+        <p:txBody>
+          <a:bodyPr wrap="none" rtlCol="0">
+            <a:spAutoFit/>
+          </a:bodyPr>
+          <a:lstStyle/>
+          <a:p>
+            <a:r>
+              <a:rPr lang="en-CN"/>
+              <a:t>JFrog UI Plugins ?</a:t>
+            </a:r>
+          </a:p>
+        </p:txBody>
+      </p:sp>
+      <p:sp>
+        <p:nvSpPr>
+          <p:cNvPr id="27" name="TextBox 26">
+            <a:extLst>
+              <a:ext uri="{FF2B5EF4-FFF2-40B4-BE49-F238E27FC236}">
+                <a16:creationId xmlns:a16="http://schemas.microsoft.com/office/drawing/2014/main" id="{3446230B-15F3-CCF3-087E-8B104D0E4C85}"/>
+              </a:ext>
+            </a:extLst>
+          </p:cNvPr>
+          <p:cNvSpPr txBox="1"/>
+          <p:nvPr/>
+        </p:nvSpPr>
+        <p:spPr>
+          <a:xfrm>
+            <a:off x="4209916" y="5215977"/>
+            <a:ext cx="3072123" cy="461665"/>
+          </a:xfrm>
+          <a:prstGeom prst="rect">
+            <a:avLst/>
+          </a:prstGeom>
+          <a:noFill/>
+        </p:spPr>
+        <p:txBody>
+          <a:bodyPr wrap="none" rtlCol="0">
+            <a:spAutoFit/>
+          </a:bodyPr>
+          <a:lstStyle/>
+          <a:p>
+            <a:r>
+              <a:rPr lang="en-US" sz="1200">
+                <a:hlinkClick r:id="rId6"/>
+              </a:rPr>
+              <a:t>https://github.com/kyle11235/jfrog-ui-plugins</a:t>
+            </a:r>
+            <a:endParaRPr lang="en-US" sz="1200"/>
+          </a:p>
+          <a:p>
+            <a:endParaRPr lang="en-CN" sz="1200"/>
+          </a:p>
+        </p:txBody>
+      </p:sp>
+      <p:sp>
+        <p:nvSpPr>
+          <p:cNvPr id="32" name="TextBox 31">
+            <a:extLst>
+              <a:ext uri="{FF2B5EF4-FFF2-40B4-BE49-F238E27FC236}">
+                <a16:creationId xmlns:a16="http://schemas.microsoft.com/office/drawing/2014/main" id="{2ACD88FC-2A9D-5FEC-79AB-4E41AAAA321C}"/>
+              </a:ext>
+            </a:extLst>
+          </p:cNvPr>
+          <p:cNvSpPr txBox="1"/>
+          <p:nvPr/>
+        </p:nvSpPr>
+        <p:spPr>
+          <a:xfrm>
+            <a:off x="2070350" y="1897117"/>
+            <a:ext cx="1745734" cy="369332"/>
+          </a:xfrm>
+          <a:prstGeom prst="rect">
+            <a:avLst/>
+          </a:prstGeom>
+          <a:noFill/>
+        </p:spPr>
+        <p:txBody>
+          <a:bodyPr wrap="none" rtlCol="0">
+            <a:spAutoFit/>
+          </a:bodyPr>
+          <a:lstStyle/>
+          <a:p>
+            <a:r>
+              <a:rPr lang="en-CN"/>
+              <a:t>Build Integration</a:t>
+            </a:r>
+          </a:p>
+        </p:txBody>
+      </p:sp>
+      <p:sp>
+        <p:nvSpPr>
+          <p:cNvPr id="33" name="TextBox 32">
+            <a:extLst>
+              <a:ext uri="{FF2B5EF4-FFF2-40B4-BE49-F238E27FC236}">
+                <a16:creationId xmlns:a16="http://schemas.microsoft.com/office/drawing/2014/main" id="{D7A8E5DF-CED0-BD08-B1A3-1504C5E1536F}"/>
+              </a:ext>
+            </a:extLst>
+          </p:cNvPr>
+          <p:cNvSpPr txBox="1"/>
+          <p:nvPr/>
+        </p:nvSpPr>
+        <p:spPr>
+          <a:xfrm>
+            <a:off x="2070350" y="2541760"/>
+            <a:ext cx="1857111" cy="369332"/>
+          </a:xfrm>
+          <a:prstGeom prst="rect">
+            <a:avLst/>
+          </a:prstGeom>
+          <a:noFill/>
+        </p:spPr>
+        <p:txBody>
+          <a:bodyPr wrap="none" rtlCol="0">
+            <a:spAutoFit/>
+          </a:bodyPr>
+          <a:lstStyle/>
+          <a:p>
+            <a:r>
+              <a:rPr lang="en-US"/>
+              <a:t>Vulnerability Scan</a:t>
+            </a:r>
+            <a:endParaRPr lang="en-CN"/>
+          </a:p>
+        </p:txBody>
+      </p:sp>
+      <p:sp>
+        <p:nvSpPr>
+          <p:cNvPr id="34" name="TextBox 33">
+            <a:extLst>
+              <a:ext uri="{FF2B5EF4-FFF2-40B4-BE49-F238E27FC236}">
+                <a16:creationId xmlns:a16="http://schemas.microsoft.com/office/drawing/2014/main" id="{CF97CDA8-D3C7-FAA5-8CAF-E94E6FDA267E}"/>
+              </a:ext>
+            </a:extLst>
+          </p:cNvPr>
+          <p:cNvSpPr txBox="1"/>
+          <p:nvPr/>
+        </p:nvSpPr>
+        <p:spPr>
+          <a:xfrm>
+            <a:off x="2070349" y="3071977"/>
+            <a:ext cx="1131592" cy="369332"/>
+          </a:xfrm>
+          <a:prstGeom prst="rect">
+            <a:avLst/>
+          </a:prstGeom>
+          <a:noFill/>
+        </p:spPr>
+        <p:txBody>
+          <a:bodyPr wrap="none" rtlCol="0">
+            <a:spAutoFit/>
+          </a:bodyPr>
+          <a:lstStyle/>
+          <a:p>
+            <a:r>
+              <a:rPr lang="en-US"/>
+              <a:t>Operation</a:t>
+            </a:r>
+            <a:endParaRPr lang="en-CN"/>
+          </a:p>
+        </p:txBody>
+      </p:sp>
+      <p:sp>
+        <p:nvSpPr>
+          <p:cNvPr id="35" name="TextBox 34">
+            <a:extLst>
+              <a:ext uri="{FF2B5EF4-FFF2-40B4-BE49-F238E27FC236}">
+                <a16:creationId xmlns:a16="http://schemas.microsoft.com/office/drawing/2014/main" id="{B0DA4C18-3CFA-0BAC-DFD0-B2D89DF32AD6}"/>
+              </a:ext>
+            </a:extLst>
+          </p:cNvPr>
+          <p:cNvSpPr txBox="1"/>
+          <p:nvPr/>
+        </p:nvSpPr>
+        <p:spPr>
+          <a:xfrm>
+            <a:off x="2070349" y="3639920"/>
+            <a:ext cx="952505" cy="369332"/>
+          </a:xfrm>
+          <a:prstGeom prst="rect">
+            <a:avLst/>
+          </a:prstGeom>
+          <a:noFill/>
+        </p:spPr>
+        <p:txBody>
+          <a:bodyPr wrap="none" rtlCol="0">
+            <a:spAutoFit/>
+          </a:bodyPr>
+          <a:lstStyle/>
+          <a:p>
+            <a:r>
+              <a:rPr lang="en-US"/>
+              <a:t>Cleanup</a:t>
+            </a:r>
+            <a:endParaRPr lang="en-CN"/>
+          </a:p>
+        </p:txBody>
+      </p:sp>
+      <p:sp>
+        <p:nvSpPr>
+          <p:cNvPr id="36" name="TextBox 35">
+            <a:extLst>
+              <a:ext uri="{FF2B5EF4-FFF2-40B4-BE49-F238E27FC236}">
+                <a16:creationId xmlns:a16="http://schemas.microsoft.com/office/drawing/2014/main" id="{172709C7-FC75-DEC9-DA14-37AE08AF9DF3}"/>
+              </a:ext>
+            </a:extLst>
+          </p:cNvPr>
+          <p:cNvSpPr txBox="1"/>
+          <p:nvPr/>
+        </p:nvSpPr>
+        <p:spPr>
+          <a:xfrm>
+            <a:off x="2070348" y="4664469"/>
+            <a:ext cx="1532407" cy="369332"/>
+          </a:xfrm>
+          <a:prstGeom prst="rect">
+            <a:avLst/>
+          </a:prstGeom>
+          <a:noFill/>
+        </p:spPr>
+        <p:txBody>
+          <a:bodyPr wrap="none" rtlCol="0">
+            <a:spAutoFit/>
+          </a:bodyPr>
+          <a:lstStyle/>
+          <a:p>
+            <a:r>
+              <a:rPr lang="en-US"/>
+              <a:t>Customized UI</a:t>
+            </a:r>
+            <a:endParaRPr lang="en-CN"/>
+          </a:p>
+        </p:txBody>
+      </p:sp>
+      <p:cxnSp>
+        <p:nvCxnSpPr>
+          <p:cNvPr id="38" name="Straight Arrow Connector 37">
+            <a:extLst>
+              <a:ext uri="{FF2B5EF4-FFF2-40B4-BE49-F238E27FC236}">
+                <a16:creationId xmlns:a16="http://schemas.microsoft.com/office/drawing/2014/main" id="{3C9C3B80-2D49-A137-AF21-BD92D42D7985}"/>
+              </a:ext>
+            </a:extLst>
+          </p:cNvPr>
+          <p:cNvCxnSpPr>
+            <a:stCxn id="32" idx="3"/>
+            <a:endCxn id="8" idx="1"/>
+          </p:cNvCxnSpPr>
+          <p:nvPr/>
+        </p:nvCxnSpPr>
+        <p:spPr>
+          <a:xfrm>
+            <a:off x="3816084" y="2081783"/>
+            <a:ext cx="948536" cy="0"/>
+          </a:xfrm>
+          <a:prstGeom prst="straightConnector1">
+            <a:avLst/>
+          </a:prstGeom>
+          <a:ln>
+            <a:tailEnd type="triangle"/>
+          </a:ln>
+        </p:spPr>
+        <p:style>
+          <a:lnRef idx="1">
+            <a:schemeClr val="dk1"/>
+          </a:lnRef>
+          <a:fillRef idx="0">
+            <a:schemeClr val="dk1"/>
+          </a:fillRef>
+          <a:effectRef idx="0">
+            <a:schemeClr val="dk1"/>
+          </a:effectRef>
+          <a:fontRef idx="minor">
+            <a:schemeClr val="tx1"/>
+          </a:fontRef>
+        </p:style>
+      </p:cxnSp>
+      <p:cxnSp>
+        <p:nvCxnSpPr>
+          <p:cNvPr id="39" name="Straight Arrow Connector 38">
+            <a:extLst>
+              <a:ext uri="{FF2B5EF4-FFF2-40B4-BE49-F238E27FC236}">
+                <a16:creationId xmlns:a16="http://schemas.microsoft.com/office/drawing/2014/main" id="{C21C0DCB-82AA-73CA-7A75-634C77F72572}"/>
+              </a:ext>
+            </a:extLst>
+          </p:cNvPr>
+          <p:cNvCxnSpPr>
+            <a:cxnSpLocks/>
+            <a:stCxn id="8" idx="3"/>
+            <a:endCxn id="14" idx="1"/>
+          </p:cNvCxnSpPr>
+          <p:nvPr/>
+        </p:nvCxnSpPr>
+        <p:spPr>
+          <a:xfrm>
+            <a:off x="6389873" y="2081783"/>
+            <a:ext cx="1539181" cy="1"/>
+          </a:xfrm>
+          <a:prstGeom prst="straightConnector1">
+            <a:avLst/>
+          </a:prstGeom>
+          <a:ln>
+            <a:tailEnd type="triangle"/>
+          </a:ln>
+        </p:spPr>
+        <p:style>
+          <a:lnRef idx="1">
+            <a:schemeClr val="dk1"/>
+          </a:lnRef>
+          <a:fillRef idx="0">
+            <a:schemeClr val="dk1"/>
+          </a:fillRef>
+          <a:effectRef idx="0">
+            <a:schemeClr val="dk1"/>
+          </a:effectRef>
+          <a:fontRef idx="minor">
+            <a:schemeClr val="tx1"/>
+          </a:fontRef>
+        </p:style>
+      </p:cxnSp>
+      <p:cxnSp>
+        <p:nvCxnSpPr>
+          <p:cNvPr id="42" name="Straight Arrow Connector 41">
+            <a:extLst>
+              <a:ext uri="{FF2B5EF4-FFF2-40B4-BE49-F238E27FC236}">
+                <a16:creationId xmlns:a16="http://schemas.microsoft.com/office/drawing/2014/main" id="{0EA5A8CD-0083-D8A7-6F4B-316228B44188}"/>
+              </a:ext>
+            </a:extLst>
+          </p:cNvPr>
+          <p:cNvCxnSpPr>
+            <a:cxnSpLocks/>
+            <a:stCxn id="33" idx="3"/>
+            <a:endCxn id="9" idx="1"/>
+          </p:cNvCxnSpPr>
+          <p:nvPr/>
+        </p:nvCxnSpPr>
+        <p:spPr>
+          <a:xfrm>
+            <a:off x="3927461" y="2726426"/>
+            <a:ext cx="837159" cy="0"/>
+          </a:xfrm>
+          <a:prstGeom prst="straightConnector1">
+            <a:avLst/>
+          </a:prstGeom>
+          <a:ln>
+            <a:tailEnd type="triangle"/>
+          </a:ln>
+        </p:spPr>
+        <p:style>
+          <a:lnRef idx="1">
+            <a:schemeClr val="dk1"/>
+          </a:lnRef>
+          <a:fillRef idx="0">
+            <a:schemeClr val="dk1"/>
+          </a:fillRef>
+          <a:effectRef idx="0">
+            <a:schemeClr val="dk1"/>
+          </a:effectRef>
+          <a:fontRef idx="minor">
+            <a:schemeClr val="tx1"/>
+          </a:fontRef>
+        </p:style>
+      </p:cxnSp>
+      <p:cxnSp>
+        <p:nvCxnSpPr>
+          <p:cNvPr id="45" name="Straight Arrow Connector 44">
+            <a:extLst>
+              <a:ext uri="{FF2B5EF4-FFF2-40B4-BE49-F238E27FC236}">
+                <a16:creationId xmlns:a16="http://schemas.microsoft.com/office/drawing/2014/main" id="{E1915510-D3E5-3C77-2295-9A7BFE9E2BC9}"/>
+              </a:ext>
+            </a:extLst>
+          </p:cNvPr>
+          <p:cNvCxnSpPr>
+            <a:cxnSpLocks/>
+            <a:stCxn id="9" idx="3"/>
+            <a:endCxn id="15" idx="1"/>
+          </p:cNvCxnSpPr>
+          <p:nvPr/>
+        </p:nvCxnSpPr>
+        <p:spPr>
+          <a:xfrm>
+            <a:off x="6521319" y="2726426"/>
+            <a:ext cx="1359774" cy="0"/>
+          </a:xfrm>
+          <a:prstGeom prst="straightConnector1">
+            <a:avLst/>
+          </a:prstGeom>
+          <a:ln>
+            <a:tailEnd type="triangle"/>
+          </a:ln>
+        </p:spPr>
+        <p:style>
+          <a:lnRef idx="1">
+            <a:schemeClr val="dk1"/>
+          </a:lnRef>
+          <a:fillRef idx="0">
+            <a:schemeClr val="dk1"/>
+          </a:fillRef>
+          <a:effectRef idx="0">
+            <a:schemeClr val="dk1"/>
+          </a:effectRef>
+          <a:fontRef idx="minor">
+            <a:schemeClr val="tx1"/>
+          </a:fontRef>
+        </p:style>
+      </p:cxnSp>
+      <p:cxnSp>
+        <p:nvCxnSpPr>
+          <p:cNvPr id="48" name="Straight Arrow Connector 47">
+            <a:extLst>
+              <a:ext uri="{FF2B5EF4-FFF2-40B4-BE49-F238E27FC236}">
+                <a16:creationId xmlns:a16="http://schemas.microsoft.com/office/drawing/2014/main" id="{C7C1CAB7-152F-CAFD-B73A-C4BF47EF9A40}"/>
+              </a:ext>
+            </a:extLst>
+          </p:cNvPr>
+          <p:cNvCxnSpPr>
+            <a:cxnSpLocks/>
+            <a:stCxn id="7" idx="3"/>
+            <a:endCxn id="17" idx="1"/>
+          </p:cNvCxnSpPr>
+          <p:nvPr/>
+        </p:nvCxnSpPr>
+        <p:spPr>
+          <a:xfrm>
+            <a:off x="7029471" y="3256643"/>
+            <a:ext cx="889978" cy="0"/>
+          </a:xfrm>
+          <a:prstGeom prst="straightConnector1">
+            <a:avLst/>
+          </a:prstGeom>
+          <a:ln>
+            <a:tailEnd type="triangle"/>
+          </a:ln>
+        </p:spPr>
+        <p:style>
+          <a:lnRef idx="1">
+            <a:schemeClr val="dk1"/>
+          </a:lnRef>
+          <a:fillRef idx="0">
+            <a:schemeClr val="dk1"/>
+          </a:fillRef>
+          <a:effectRef idx="0">
+            <a:schemeClr val="dk1"/>
+          </a:effectRef>
+          <a:fontRef idx="minor">
+            <a:schemeClr val="tx1"/>
+          </a:fontRef>
+        </p:style>
+      </p:cxnSp>
+      <p:cxnSp>
+        <p:nvCxnSpPr>
+          <p:cNvPr id="51" name="Straight Arrow Connector 50">
+            <a:extLst>
+              <a:ext uri="{FF2B5EF4-FFF2-40B4-BE49-F238E27FC236}">
+                <a16:creationId xmlns:a16="http://schemas.microsoft.com/office/drawing/2014/main" id="{263F1C03-133E-6257-23E0-946DAB00B8F3}"/>
+              </a:ext>
+            </a:extLst>
+          </p:cNvPr>
+          <p:cNvCxnSpPr>
+            <a:cxnSpLocks/>
+            <a:stCxn id="34" idx="3"/>
+            <a:endCxn id="7" idx="1"/>
+          </p:cNvCxnSpPr>
+          <p:nvPr/>
+        </p:nvCxnSpPr>
+        <p:spPr>
+          <a:xfrm>
+            <a:off x="3201941" y="3256643"/>
+            <a:ext cx="1562679" cy="0"/>
+          </a:xfrm>
+          <a:prstGeom prst="straightConnector1">
+            <a:avLst/>
+          </a:prstGeom>
+          <a:ln>
+            <a:tailEnd type="triangle"/>
+          </a:ln>
+        </p:spPr>
+        <p:style>
+          <a:lnRef idx="1">
+            <a:schemeClr val="dk1"/>
+          </a:lnRef>
+          <a:fillRef idx="0">
+            <a:schemeClr val="dk1"/>
+          </a:fillRef>
+          <a:effectRef idx="0">
+            <a:schemeClr val="dk1"/>
+          </a:effectRef>
+          <a:fontRef idx="minor">
+            <a:schemeClr val="tx1"/>
+          </a:fontRef>
+        </p:style>
+      </p:cxnSp>
+      <p:cxnSp>
+        <p:nvCxnSpPr>
+          <p:cNvPr id="54" name="Straight Arrow Connector 53">
+            <a:extLst>
+              <a:ext uri="{FF2B5EF4-FFF2-40B4-BE49-F238E27FC236}">
+                <a16:creationId xmlns:a16="http://schemas.microsoft.com/office/drawing/2014/main" id="{4DAE290F-ADC8-E85A-1FB5-057916327289}"/>
+              </a:ext>
+            </a:extLst>
+          </p:cNvPr>
+          <p:cNvCxnSpPr>
+            <a:cxnSpLocks/>
+            <a:stCxn id="35" idx="3"/>
+            <a:endCxn id="5" idx="1"/>
+          </p:cNvCxnSpPr>
+          <p:nvPr/>
+        </p:nvCxnSpPr>
+        <p:spPr>
+          <a:xfrm>
+            <a:off x="3022854" y="3824586"/>
+            <a:ext cx="1741766" cy="0"/>
+          </a:xfrm>
+          <a:prstGeom prst="straightConnector1">
+            <a:avLst/>
+          </a:prstGeom>
+          <a:ln>
+            <a:tailEnd type="triangle"/>
+          </a:ln>
+        </p:spPr>
+        <p:style>
+          <a:lnRef idx="1">
+            <a:schemeClr val="dk1"/>
+          </a:lnRef>
+          <a:fillRef idx="0">
+            <a:schemeClr val="dk1"/>
+          </a:fillRef>
+          <a:effectRef idx="0">
+            <a:schemeClr val="dk1"/>
+          </a:effectRef>
+          <a:fontRef idx="minor">
+            <a:schemeClr val="tx1"/>
+          </a:fontRef>
+        </p:style>
+      </p:cxnSp>
+      <p:cxnSp>
+        <p:nvCxnSpPr>
+          <p:cNvPr id="57" name="Straight Arrow Connector 56">
+            <a:extLst>
+              <a:ext uri="{FF2B5EF4-FFF2-40B4-BE49-F238E27FC236}">
+                <a16:creationId xmlns:a16="http://schemas.microsoft.com/office/drawing/2014/main" id="{87D9BF76-9D1B-2C73-A9C9-F506E2EC951F}"/>
+              </a:ext>
+            </a:extLst>
+          </p:cNvPr>
+          <p:cNvCxnSpPr>
+            <a:cxnSpLocks/>
+            <a:stCxn id="5" idx="3"/>
+            <a:endCxn id="19" idx="1"/>
+          </p:cNvCxnSpPr>
+          <p:nvPr/>
+        </p:nvCxnSpPr>
+        <p:spPr>
+          <a:xfrm>
+            <a:off x="6727337" y="3824586"/>
+            <a:ext cx="1078457" cy="0"/>
+          </a:xfrm>
+          <a:prstGeom prst="straightConnector1">
+            <a:avLst/>
+          </a:prstGeom>
+          <a:ln>
+            <a:tailEnd type="triangle"/>
+          </a:ln>
+        </p:spPr>
+        <p:style>
+          <a:lnRef idx="1">
+            <a:schemeClr val="dk1"/>
+          </a:lnRef>
+          <a:fillRef idx="0">
+            <a:schemeClr val="dk1"/>
+          </a:fillRef>
+          <a:effectRef idx="0">
+            <a:schemeClr val="dk1"/>
+          </a:effectRef>
+          <a:fontRef idx="minor">
+            <a:schemeClr val="tx1"/>
+          </a:fontRef>
+        </p:style>
+      </p:cxnSp>
+      <p:cxnSp>
+        <p:nvCxnSpPr>
+          <p:cNvPr id="60" name="Straight Arrow Connector 59">
+            <a:extLst>
+              <a:ext uri="{FF2B5EF4-FFF2-40B4-BE49-F238E27FC236}">
+                <a16:creationId xmlns:a16="http://schemas.microsoft.com/office/drawing/2014/main" id="{EFA953E8-3B57-2406-F102-0A00CDCBACD3}"/>
+              </a:ext>
+            </a:extLst>
+          </p:cNvPr>
+          <p:cNvCxnSpPr>
+            <a:cxnSpLocks/>
+          </p:cNvCxnSpPr>
+          <p:nvPr/>
+        </p:nvCxnSpPr>
+        <p:spPr>
+          <a:xfrm>
+            <a:off x="3602755" y="4849135"/>
+            <a:ext cx="1161865" cy="0"/>
+          </a:xfrm>
+          <a:prstGeom prst="straightConnector1">
+            <a:avLst/>
+          </a:prstGeom>
+          <a:ln>
+            <a:tailEnd type="triangle"/>
+          </a:ln>
+        </p:spPr>
+        <p:style>
+          <a:lnRef idx="1">
+            <a:schemeClr val="dk1"/>
+          </a:lnRef>
+          <a:fillRef idx="0">
+            <a:schemeClr val="dk1"/>
+          </a:fillRef>
+          <a:effectRef idx="0">
+            <a:schemeClr val="dk1"/>
+          </a:effectRef>
+          <a:fontRef idx="minor">
+            <a:schemeClr val="tx1"/>
+          </a:fontRef>
+        </p:style>
+      </p:cxnSp>
+      <p:cxnSp>
+        <p:nvCxnSpPr>
+          <p:cNvPr id="63" name="Straight Arrow Connector 62">
+            <a:extLst>
+              <a:ext uri="{FF2B5EF4-FFF2-40B4-BE49-F238E27FC236}">
+                <a16:creationId xmlns:a16="http://schemas.microsoft.com/office/drawing/2014/main" id="{13DE07E0-6814-D599-2BBC-8CA6FD011F34}"/>
+              </a:ext>
+            </a:extLst>
+          </p:cNvPr>
+          <p:cNvCxnSpPr>
+            <a:cxnSpLocks/>
+          </p:cNvCxnSpPr>
+          <p:nvPr/>
+        </p:nvCxnSpPr>
+        <p:spPr>
+          <a:xfrm>
+            <a:off x="6574218" y="4848116"/>
+            <a:ext cx="1199916" cy="1"/>
+          </a:xfrm>
+          <a:prstGeom prst="straightConnector1">
+            <a:avLst/>
+          </a:prstGeom>
+          <a:ln>
+            <a:tailEnd type="triangle"/>
+          </a:ln>
+        </p:spPr>
+        <p:style>
+          <a:lnRef idx="1">
+            <a:schemeClr val="dk1"/>
+          </a:lnRef>
+          <a:fillRef idx="0">
+            <a:schemeClr val="dk1"/>
+          </a:fillRef>
+          <a:effectRef idx="0">
+            <a:schemeClr val="dk1"/>
+          </a:effectRef>
+          <a:fontRef idx="minor">
+            <a:schemeClr val="tx1"/>
+          </a:fontRef>
+        </p:style>
+      </p:cxnSp>
+      <p:sp>
+        <p:nvSpPr>
+          <p:cNvPr id="68" name="TextBox 67">
+            <a:extLst>
+              <a:ext uri="{FF2B5EF4-FFF2-40B4-BE49-F238E27FC236}">
+                <a16:creationId xmlns:a16="http://schemas.microsoft.com/office/drawing/2014/main" id="{4FCE44F8-D716-8116-BFE7-89FE116B78AE}"/>
+              </a:ext>
+            </a:extLst>
+          </p:cNvPr>
+          <p:cNvSpPr txBox="1"/>
+          <p:nvPr/>
+        </p:nvSpPr>
+        <p:spPr>
+          <a:xfrm>
+            <a:off x="7774134" y="4556748"/>
+            <a:ext cx="681597" cy="584775"/>
+          </a:xfrm>
+          <a:prstGeom prst="rect">
+            <a:avLst/>
+          </a:prstGeom>
+          <a:noFill/>
+        </p:spPr>
+        <p:txBody>
+          <a:bodyPr wrap="none" rtlCol="0">
+            <a:spAutoFit/>
+          </a:bodyPr>
+          <a:lstStyle/>
+          <a:p>
+            <a:pPr algn="ctr"/>
+            <a:r>
+              <a:rPr lang="en-CN" sz="1600" b="1">
+                <a:solidFill>
+                  <a:srgbClr val="00B050"/>
+                </a:solidFill>
+              </a:rPr>
+              <a:t>&lt;/&gt;</a:t>
+            </a:r>
+          </a:p>
+          <a:p>
+            <a:pPr algn="ctr"/>
+            <a:r>
+              <a:rPr lang="en-CN" sz="1600" b="1">
+                <a:solidFill>
+                  <a:srgbClr val="00B050"/>
+                </a:solidFill>
+              </a:rPr>
+              <a:t>HTML</a:t>
+            </a:r>
+          </a:p>
+        </p:txBody>
+      </p:sp>
     </p:spTree>
     <p:extLst>
       <p:ext uri="{BB962C8B-B14F-4D97-AF65-F5344CB8AC3E}">

--- a/images/design.pptx
+++ b/images/design.pptx
@@ -263,7 +263,7 @@
           <a:lstStyle/>
           <a:p>
             <a:fld id="{1ED18B3A-3489-1847-8073-B5F11A5B4609}" type="datetimeFigureOut">
-              <a:t>2022/7/4</a:t>
+              <a:t>2022/7/5</a:t>
             </a:fld>
             <a:endParaRPr lang="en-CN"/>
           </a:p>
@@ -461,7 +461,7 @@
           <a:lstStyle/>
           <a:p>
             <a:fld id="{1ED18B3A-3489-1847-8073-B5F11A5B4609}" type="datetimeFigureOut">
-              <a:t>2022/7/4</a:t>
+              <a:t>2022/7/5</a:t>
             </a:fld>
             <a:endParaRPr lang="en-CN"/>
           </a:p>
@@ -669,7 +669,7 @@
           <a:lstStyle/>
           <a:p>
             <a:fld id="{1ED18B3A-3489-1847-8073-B5F11A5B4609}" type="datetimeFigureOut">
-              <a:t>2022/7/4</a:t>
+              <a:t>2022/7/5</a:t>
             </a:fld>
             <a:endParaRPr lang="en-CN"/>
           </a:p>
@@ -867,7 +867,7 @@
           <a:lstStyle/>
           <a:p>
             <a:fld id="{1ED18B3A-3489-1847-8073-B5F11A5B4609}" type="datetimeFigureOut">
-              <a:t>2022/7/4</a:t>
+              <a:t>2022/7/5</a:t>
             </a:fld>
             <a:endParaRPr lang="en-CN"/>
           </a:p>
@@ -1141,7 +1141,7 @@
           <a:lstStyle/>
           <a:p>
             <a:fld id="{1ED18B3A-3489-1847-8073-B5F11A5B4609}" type="datetimeFigureOut">
-              <a:t>2022/7/4</a:t>
+              <a:t>2022/7/5</a:t>
             </a:fld>
             <a:endParaRPr lang="en-CN"/>
           </a:p>
@@ -1407,7 +1407,7 @@
           <a:lstStyle/>
           <a:p>
             <a:fld id="{1ED18B3A-3489-1847-8073-B5F11A5B4609}" type="datetimeFigureOut">
-              <a:t>2022/7/4</a:t>
+              <a:t>2022/7/5</a:t>
             </a:fld>
             <a:endParaRPr lang="en-CN"/>
           </a:p>
@@ -1820,7 +1820,7 @@
           <a:lstStyle/>
           <a:p>
             <a:fld id="{1ED18B3A-3489-1847-8073-B5F11A5B4609}" type="datetimeFigureOut">
-              <a:t>2022/7/4</a:t>
+              <a:t>2022/7/5</a:t>
             </a:fld>
             <a:endParaRPr lang="en-CN"/>
           </a:p>
@@ -1960,7 +1960,7 @@
           <a:lstStyle/>
           <a:p>
             <a:fld id="{1ED18B3A-3489-1847-8073-B5F11A5B4609}" type="datetimeFigureOut">
-              <a:t>2022/7/4</a:t>
+              <a:t>2022/7/5</a:t>
             </a:fld>
             <a:endParaRPr lang="en-CN"/>
           </a:p>
@@ -2071,7 +2071,7 @@
           <a:lstStyle/>
           <a:p>
             <a:fld id="{1ED18B3A-3489-1847-8073-B5F11A5B4609}" type="datetimeFigureOut">
-              <a:t>2022/7/4</a:t>
+              <a:t>2022/7/5</a:t>
             </a:fld>
             <a:endParaRPr lang="en-CN"/>
           </a:p>
@@ -2382,7 +2382,7 @@
           <a:lstStyle/>
           <a:p>
             <a:fld id="{1ED18B3A-3489-1847-8073-B5F11A5B4609}" type="datetimeFigureOut">
-              <a:t>2022/7/4</a:t>
+              <a:t>2022/7/5</a:t>
             </a:fld>
             <a:endParaRPr lang="en-CN"/>
           </a:p>
@@ -2669,7 +2669,7 @@
           <a:lstStyle/>
           <a:p>
             <a:fld id="{1ED18B3A-3489-1847-8073-B5F11A5B4609}" type="datetimeFigureOut">
-              <a:t>2022/7/4</a:t>
+              <a:t>2022/7/5</a:t>
             </a:fld>
             <a:endParaRPr lang="en-CN"/>
           </a:p>
@@ -2910,7 +2910,7 @@
           </a:lstStyle>
           <a:p>
             <a:fld id="{1ED18B3A-3489-1847-8073-B5F11A5B4609}" type="datetimeFigureOut">
-              <a:t>2022/7/4</a:t>
+              <a:t>2022/7/5</a:t>
             </a:fld>
             <a:endParaRPr lang="en-CN"/>
           </a:p>
@@ -3340,7 +3340,7 @@
         </p:nvSpPr>
         <p:spPr>
           <a:xfrm>
-            <a:off x="352203" y="478488"/>
+            <a:off x="352203" y="130145"/>
             <a:ext cx="2309735" cy="430887"/>
           </a:xfrm>
           <a:prstGeom prst="rect">
@@ -4422,7 +4422,7 @@
         </p:nvGrpSpPr>
         <p:grpSpPr>
           <a:xfrm>
-            <a:off x="3885607" y="592901"/>
+            <a:off x="3885607" y="701761"/>
             <a:ext cx="4322815" cy="855707"/>
             <a:chOff x="3885607" y="842046"/>
             <a:chExt cx="4322815" cy="855707"/>
@@ -4743,8 +4743,8 @@
         </p:nvCxnSpPr>
         <p:spPr>
           <a:xfrm rot="5400000" flipH="1" flipV="1">
-            <a:off x="5968006" y="1407238"/>
-            <a:ext cx="1761590" cy="1630361"/>
+            <a:off x="6022436" y="1461668"/>
+            <a:ext cx="1652730" cy="1630361"/>
           </a:xfrm>
           <a:prstGeom prst="curvedConnector3">
             <a:avLst>
@@ -4773,42 +4773,6 @@
           </a:fontRef>
         </p:style>
       </p:cxnSp>
-      <p:sp>
-        <p:nvSpPr>
-          <p:cNvPr id="115" name="TextBox 114">
-            <a:extLst>
-              <a:ext uri="{FF2B5EF4-FFF2-40B4-BE49-F238E27FC236}">
-                <a16:creationId xmlns:a16="http://schemas.microsoft.com/office/drawing/2014/main" id="{C615167F-0448-AD56-F3AC-0CFB6C95508D}"/>
-              </a:ext>
-            </a:extLst>
-          </p:cNvPr>
-          <p:cNvSpPr txBox="1"/>
-          <p:nvPr/>
-        </p:nvSpPr>
-        <p:spPr>
-          <a:xfrm>
-            <a:off x="352203" y="478488"/>
-            <a:ext cx="3944221" cy="430887"/>
-          </a:xfrm>
-          <a:prstGeom prst="rect">
-            <a:avLst/>
-          </a:prstGeom>
-          <a:noFill/>
-        </p:spPr>
-        <p:txBody>
-          <a:bodyPr wrap="none" rtlCol="0">
-            <a:spAutoFit/>
-          </a:bodyPr>
-          <a:lstStyle/>
-          <a:p>
-            <a:r>
-              <a:rPr lang="en-US" sz="2200"/>
-              <a:t>General Customization Approach</a:t>
-            </a:r>
-            <a:endParaRPr lang="en-CN" sz="2200"/>
-          </a:p>
-        </p:txBody>
-      </p:sp>
       <p:grpSp>
         <p:nvGrpSpPr>
           <p:cNvPr id="15" name="Group 14">
@@ -5489,8 +5453,8 @@
         </p:nvCxnSpPr>
         <p:spPr>
           <a:xfrm rot="16200000" flipV="1">
-            <a:off x="4327365" y="1396956"/>
-            <a:ext cx="1761591" cy="1650923"/>
+            <a:off x="4381795" y="1451386"/>
+            <a:ext cx="1652731" cy="1650923"/>
           </a:xfrm>
           <a:prstGeom prst="curvedConnector3">
             <a:avLst>
@@ -5607,6 +5571,42 @@
               <a:rPr lang="en-US" sz="1400"/>
               <a:t>indirect access to native UI API</a:t>
             </a:r>
+          </a:p>
+        </p:txBody>
+      </p:sp>
+      <p:sp>
+        <p:nvSpPr>
+          <p:cNvPr id="26" name="TextBox 25">
+            <a:extLst>
+              <a:ext uri="{FF2B5EF4-FFF2-40B4-BE49-F238E27FC236}">
+                <a16:creationId xmlns:a16="http://schemas.microsoft.com/office/drawing/2014/main" id="{E2A2D75E-164F-CA72-FFE7-0BDCF172E0A2}"/>
+              </a:ext>
+            </a:extLst>
+          </p:cNvPr>
+          <p:cNvSpPr txBox="1"/>
+          <p:nvPr/>
+        </p:nvSpPr>
+        <p:spPr>
+          <a:xfrm>
+            <a:off x="352203" y="130145"/>
+            <a:ext cx="3944221" cy="430887"/>
+          </a:xfrm>
+          <a:prstGeom prst="rect">
+            <a:avLst/>
+          </a:prstGeom>
+          <a:noFill/>
+        </p:spPr>
+        <p:txBody>
+          <a:bodyPr wrap="none" rtlCol="0">
+            <a:spAutoFit/>
+          </a:bodyPr>
+          <a:lstStyle/>
+          <a:p>
+            <a:r>
+              <a:rPr lang="en-US" sz="2200"/>
+              <a:t>General Customization Approach</a:t>
+            </a:r>
+            <a:endParaRPr lang="en-CN" sz="2200"/>
           </a:p>
         </p:txBody>
       </p:sp>
@@ -5654,7 +5654,7 @@
         </p:nvGrpSpPr>
         <p:grpSpPr>
           <a:xfrm>
-            <a:off x="3852951" y="592901"/>
+            <a:off x="3852951" y="701761"/>
             <a:ext cx="4355471" cy="855707"/>
             <a:chOff x="3852951" y="842046"/>
             <a:chExt cx="4355471" cy="855707"/>
@@ -5975,8 +5975,8 @@
         </p:nvCxnSpPr>
         <p:spPr>
           <a:xfrm rot="10800000" flipV="1">
-            <a:off x="3337851" y="1203542"/>
-            <a:ext cx="515100" cy="1673208"/>
+            <a:off x="3337851" y="1312402"/>
+            <a:ext cx="515100" cy="1564348"/>
           </a:xfrm>
           <a:prstGeom prst="curvedConnector2">
             <a:avLst/>
@@ -6021,8 +6021,8 @@
         </p:nvCxnSpPr>
         <p:spPr>
           <a:xfrm rot="5400000" flipH="1" flipV="1">
-            <a:off x="2082162" y="1105962"/>
-            <a:ext cx="1673208" cy="1868369"/>
+            <a:off x="2136592" y="1160392"/>
+            <a:ext cx="1564348" cy="1868369"/>
           </a:xfrm>
           <a:prstGeom prst="curvedConnector2">
             <a:avLst/>
@@ -6067,8 +6067,8 @@
         </p:nvCxnSpPr>
         <p:spPr>
           <a:xfrm rot="16200000" flipV="1">
-            <a:off x="4769832" y="1280842"/>
-            <a:ext cx="1673208" cy="1518607"/>
+            <a:off x="4824262" y="1335272"/>
+            <a:ext cx="1564348" cy="1518607"/>
           </a:xfrm>
           <a:prstGeom prst="curvedConnector2">
             <a:avLst/>
@@ -6095,46 +6095,6 @@
           </a:fontRef>
         </p:style>
       </p:cxnSp>
-      <p:sp>
-        <p:nvSpPr>
-          <p:cNvPr id="115" name="TextBox 114">
-            <a:extLst>
-              <a:ext uri="{FF2B5EF4-FFF2-40B4-BE49-F238E27FC236}">
-                <a16:creationId xmlns:a16="http://schemas.microsoft.com/office/drawing/2014/main" id="{C615167F-0448-AD56-F3AC-0CFB6C95508D}"/>
-              </a:ext>
-            </a:extLst>
-          </p:cNvPr>
-          <p:cNvSpPr txBox="1"/>
-          <p:nvPr/>
-        </p:nvSpPr>
-        <p:spPr>
-          <a:xfrm>
-            <a:off x="352203" y="478488"/>
-            <a:ext cx="3200428" cy="430887"/>
-          </a:xfrm>
-          <a:prstGeom prst="rect">
-            <a:avLst/>
-          </a:prstGeom>
-          <a:noFill/>
-        </p:spPr>
-        <p:txBody>
-          <a:bodyPr wrap="none" rtlCol="0">
-            <a:spAutoFit/>
-          </a:bodyPr>
-          <a:lstStyle/>
-          <a:p>
-            <a:r>
-              <a:rPr lang="en-CN" sz="2200"/>
-              <a:t>JFrog UI Plugins</a:t>
-            </a:r>
-            <a:r>
-              <a:rPr lang="en-US" sz="2200"/>
-              <a:t>' Approach</a:t>
-            </a:r>
-            <a:endParaRPr lang="en-CN" sz="2200"/>
-          </a:p>
-        </p:txBody>
-      </p:sp>
       <p:cxnSp>
         <p:nvCxnSpPr>
           <p:cNvPr id="63" name="Curved Connector 62">
@@ -6153,8 +6113,8 @@
         </p:nvCxnSpPr>
         <p:spPr>
           <a:xfrm rot="16200000" flipV="1">
-            <a:off x="7853519" y="1558447"/>
-            <a:ext cx="2179879" cy="1470071"/>
+            <a:off x="7907949" y="1612877"/>
+            <a:ext cx="2071019" cy="1470071"/>
           </a:xfrm>
           <a:prstGeom prst="curvedConnector2">
             <a:avLst/>
@@ -7066,8 +7026,8 @@
         </p:nvCxnSpPr>
         <p:spPr>
           <a:xfrm rot="16200000" flipV="1">
-            <a:off x="6172873" y="-122199"/>
-            <a:ext cx="2179880" cy="4831361"/>
+            <a:off x="6227303" y="-67769"/>
+            <a:ext cx="2071020" cy="4831361"/>
           </a:xfrm>
           <a:prstGeom prst="curvedConnector2">
             <a:avLst/>
@@ -7139,6 +7099,46 @@
           </a:fontRef>
         </p:style>
       </p:cxnSp>
+      <p:sp>
+        <p:nvSpPr>
+          <p:cNvPr id="39" name="TextBox 38">
+            <a:extLst>
+              <a:ext uri="{FF2B5EF4-FFF2-40B4-BE49-F238E27FC236}">
+                <a16:creationId xmlns:a16="http://schemas.microsoft.com/office/drawing/2014/main" id="{8893C336-71AE-7571-B7E3-473E61C7478E}"/>
+              </a:ext>
+            </a:extLst>
+          </p:cNvPr>
+          <p:cNvSpPr txBox="1"/>
+          <p:nvPr/>
+        </p:nvSpPr>
+        <p:spPr>
+          <a:xfrm>
+            <a:off x="352203" y="130145"/>
+            <a:ext cx="3200428" cy="430887"/>
+          </a:xfrm>
+          <a:prstGeom prst="rect">
+            <a:avLst/>
+          </a:prstGeom>
+          <a:noFill/>
+        </p:spPr>
+        <p:txBody>
+          <a:bodyPr wrap="none" rtlCol="0">
+            <a:spAutoFit/>
+          </a:bodyPr>
+          <a:lstStyle/>
+          <a:p>
+            <a:r>
+              <a:rPr lang="en-CN" sz="2200"/>
+              <a:t>JFrog UI Plugins</a:t>
+            </a:r>
+            <a:r>
+              <a:rPr lang="en-US" sz="2200"/>
+              <a:t>' Approach</a:t>
+            </a:r>
+            <a:endParaRPr lang="en-CN" sz="2200"/>
+          </a:p>
+        </p:txBody>
+      </p:sp>
     </p:spTree>
     <p:extLst>
       <p:ext uri="{BB962C8B-B14F-4D97-AF65-F5344CB8AC3E}">
